--- a/FDAPresentation.pptx
+++ b/FDAPresentation.pptx
@@ -2,19 +2,25 @@
 <file path=ppt/presentation.xml><?xml version="1.0" encoding="utf-8"?>
 <p:presentation xmlns:a="http://schemas.openxmlformats.org/drawingml/2006/main" xmlns:r="http://schemas.openxmlformats.org/officeDocument/2006/relationships" xmlns:p="http://schemas.openxmlformats.org/presentationml/2006/main" saveSubsetFonts="1">
   <p:sldMasterIdLst>
-    <p:sldMasterId id="2147483672" r:id="rId4"/>
+    <p:sldMasterId id="2147483723" r:id="rId4"/>
   </p:sldMasterIdLst>
+  <p:notesMasterIdLst>
+    <p:notesMasterId r:id="rId18"/>
+  </p:notesMasterIdLst>
   <p:sldIdLst>
     <p:sldId id="262" r:id="rId5"/>
-    <p:sldId id="263" r:id="rId6"/>
-    <p:sldId id="264" r:id="rId7"/>
-    <p:sldId id="265" r:id="rId8"/>
-    <p:sldId id="257" r:id="rId9"/>
-    <p:sldId id="258" r:id="rId10"/>
-    <p:sldId id="259" r:id="rId11"/>
-    <p:sldId id="260" r:id="rId12"/>
-    <p:sldId id="261" r:id="rId13"/>
-    <p:sldId id="266" r:id="rId14"/>
+    <p:sldId id="267" r:id="rId6"/>
+    <p:sldId id="263" r:id="rId7"/>
+    <p:sldId id="264" r:id="rId8"/>
+    <p:sldId id="265" r:id="rId9"/>
+    <p:sldId id="257" r:id="rId10"/>
+    <p:sldId id="258" r:id="rId11"/>
+    <p:sldId id="259" r:id="rId12"/>
+    <p:sldId id="260" r:id="rId13"/>
+    <p:sldId id="261" r:id="rId14"/>
+    <p:sldId id="266" r:id="rId15"/>
+    <p:sldId id="268" r:id="rId16"/>
+    <p:sldId id="269" r:id="rId17"/>
   </p:sldIdLst>
   <p:sldSz cx="12192000" cy="6858000"/>
   <p:notesSz cx="6858000" cy="9144000"/>
@@ -121,12 +127,793 @@
 </p:presentation>
 </file>
 
+<file path=ppt/commentAuthors.xml><?xml version="1.0" encoding="utf-8"?>
+<p:cmAuthorLst xmlns:a="http://schemas.openxmlformats.org/drawingml/2006/main" xmlns:r="http://schemas.openxmlformats.org/officeDocument/2006/relationships" xmlns:p="http://schemas.openxmlformats.org/presentationml/2006/main">
+  <p:cmAuthor id="1" name="Philip L. Heggelund" initials="PLH" lastIdx="1" clrIdx="0">
+    <p:extLst>
+      <p:ext uri="{19B8F6BF-5375-455C-9EA6-DF929625EA0E}">
+        <p15:presenceInfo xmlns:p15="http://schemas.microsoft.com/office/powerpoint/2012/main" userId="Philip L. Heggelund" providerId="None"/>
+      </p:ext>
+    </p:extLst>
+  </p:cmAuthor>
+</p:cmAuthorLst>
+</file>
+
 <file path=ppt/revisionInfo.xml><?xml version="1.0" encoding="utf-8"?>
 <p1510:revInfo xmlns:a="http://schemas.openxmlformats.org/drawingml/2006/main" xmlns:r="http://schemas.openxmlformats.org/officeDocument/2006/relationships" xmlns:p1510="http://schemas.microsoft.com/office/powerpoint/2015/10/main">
   <p1510:revLst>
     <p1510:client id="{6CCD6682-DA30-4E89-A88B-27557A714DF7}" v="18" dt="2021-03-09T13:46:56.332"/>
   </p1510:revLst>
 </p1510:revInfo>
+</file>
+
+<file path=ppt/notesMasters/notesMaster1.xml><?xml version="1.0" encoding="utf-8"?>
+<p:notesMaster xmlns:a="http://schemas.openxmlformats.org/drawingml/2006/main" xmlns:r="http://schemas.openxmlformats.org/officeDocument/2006/relationships" xmlns:p="http://schemas.openxmlformats.org/presentationml/2006/main">
+  <p:cSld>
+    <p:bg>
+      <p:bgRef idx="1001">
+        <a:schemeClr val="bg1"/>
+      </p:bgRef>
+    </p:bg>
+    <p:spTree>
+      <p:nvGrpSpPr>
+        <p:cNvPr id="1" name=""/>
+        <p:cNvGrpSpPr/>
+        <p:nvPr/>
+      </p:nvGrpSpPr>
+      <p:grpSpPr>
+        <a:xfrm>
+          <a:off x="0" y="0"/>
+          <a:ext cx="0" cy="0"/>
+          <a:chOff x="0" y="0"/>
+          <a:chExt cx="0" cy="0"/>
+        </a:xfrm>
+      </p:grpSpPr>
+      <p:sp>
+        <p:nvSpPr>
+          <p:cNvPr id="2" name="Header Placeholder 1"/>
+          <p:cNvSpPr>
+            <a:spLocks noGrp="1"/>
+          </p:cNvSpPr>
+          <p:nvPr>
+            <p:ph type="hdr" sz="quarter"/>
+          </p:nvPr>
+        </p:nvSpPr>
+        <p:spPr>
+          <a:xfrm>
+            <a:off x="0" y="0"/>
+            <a:ext cx="2971800" cy="458788"/>
+          </a:xfrm>
+          <a:prstGeom prst="rect">
+            <a:avLst/>
+          </a:prstGeom>
+        </p:spPr>
+        <p:txBody>
+          <a:bodyPr vert="horz" lIns="91440" tIns="45720" rIns="91440" bIns="45720" rtlCol="0"/>
+          <a:lstStyle>
+            <a:lvl1pPr algn="l">
+              <a:defRPr sz="1200"/>
+            </a:lvl1pPr>
+          </a:lstStyle>
+          <a:p>
+            <a:endParaRPr lang="en-US"/>
+          </a:p>
+        </p:txBody>
+      </p:sp>
+      <p:sp>
+        <p:nvSpPr>
+          <p:cNvPr id="3" name="Date Placeholder 2"/>
+          <p:cNvSpPr>
+            <a:spLocks noGrp="1"/>
+          </p:cNvSpPr>
+          <p:nvPr>
+            <p:ph type="dt" idx="1"/>
+          </p:nvPr>
+        </p:nvSpPr>
+        <p:spPr>
+          <a:xfrm>
+            <a:off x="3884613" y="0"/>
+            <a:ext cx="2971800" cy="458788"/>
+          </a:xfrm>
+          <a:prstGeom prst="rect">
+            <a:avLst/>
+          </a:prstGeom>
+        </p:spPr>
+        <p:txBody>
+          <a:bodyPr vert="horz" lIns="91440" tIns="45720" rIns="91440" bIns="45720" rtlCol="0"/>
+          <a:lstStyle>
+            <a:lvl1pPr algn="r">
+              <a:defRPr sz="1200"/>
+            </a:lvl1pPr>
+          </a:lstStyle>
+          <a:p>
+            <a:fld id="{F11BA5D4-47E9-45F7-9650-25C03F43394B}" type="datetimeFigureOut">
+              <a:rPr lang="en-US" smtClean="0"/>
+              <a:t>7/12/2021</a:t>
+            </a:fld>
+            <a:endParaRPr lang="en-US"/>
+          </a:p>
+        </p:txBody>
+      </p:sp>
+      <p:sp>
+        <p:nvSpPr>
+          <p:cNvPr id="4" name="Slide Image Placeholder 3"/>
+          <p:cNvSpPr>
+            <a:spLocks noGrp="1" noRot="1" noChangeAspect="1"/>
+          </p:cNvSpPr>
+          <p:nvPr>
+            <p:ph type="sldImg" idx="2"/>
+          </p:nvPr>
+        </p:nvSpPr>
+        <p:spPr>
+          <a:xfrm>
+            <a:off x="685800" y="1143000"/>
+            <a:ext cx="5486400" cy="3086100"/>
+          </a:xfrm>
+          <a:prstGeom prst="rect">
+            <a:avLst/>
+          </a:prstGeom>
+          <a:noFill/>
+          <a:ln w="12700">
+            <a:solidFill>
+              <a:prstClr val="black"/>
+            </a:solidFill>
+          </a:ln>
+        </p:spPr>
+        <p:txBody>
+          <a:bodyPr vert="horz" lIns="91440" tIns="45720" rIns="91440" bIns="45720" rtlCol="0" anchor="ctr"/>
+          <a:lstStyle/>
+          <a:p>
+            <a:endParaRPr lang="en-US"/>
+          </a:p>
+        </p:txBody>
+      </p:sp>
+      <p:sp>
+        <p:nvSpPr>
+          <p:cNvPr id="5" name="Notes Placeholder 4"/>
+          <p:cNvSpPr>
+            <a:spLocks noGrp="1"/>
+          </p:cNvSpPr>
+          <p:nvPr>
+            <p:ph type="body" sz="quarter" idx="3"/>
+          </p:nvPr>
+        </p:nvSpPr>
+        <p:spPr>
+          <a:xfrm>
+            <a:off x="685800" y="4400550"/>
+            <a:ext cx="5486400" cy="3600450"/>
+          </a:xfrm>
+          <a:prstGeom prst="rect">
+            <a:avLst/>
+          </a:prstGeom>
+        </p:spPr>
+        <p:txBody>
+          <a:bodyPr vert="horz" lIns="91440" tIns="45720" rIns="91440" bIns="45720" rtlCol="0"/>
+          <a:lstStyle/>
+          <a:p>
+            <a:pPr lvl="0"/>
+            <a:r>
+              <a:rPr lang="en-US"/>
+              <a:t>Click to edit Master text styles</a:t>
+            </a:r>
+          </a:p>
+          <a:p>
+            <a:pPr lvl="1"/>
+            <a:r>
+              <a:rPr lang="en-US"/>
+              <a:t>Second level</a:t>
+            </a:r>
+          </a:p>
+          <a:p>
+            <a:pPr lvl="2"/>
+            <a:r>
+              <a:rPr lang="en-US"/>
+              <a:t>Third level</a:t>
+            </a:r>
+          </a:p>
+          <a:p>
+            <a:pPr lvl="3"/>
+            <a:r>
+              <a:rPr lang="en-US"/>
+              <a:t>Fourth level</a:t>
+            </a:r>
+          </a:p>
+          <a:p>
+            <a:pPr lvl="4"/>
+            <a:r>
+              <a:rPr lang="en-US"/>
+              <a:t>Fifth level</a:t>
+            </a:r>
+          </a:p>
+        </p:txBody>
+      </p:sp>
+      <p:sp>
+        <p:nvSpPr>
+          <p:cNvPr id="6" name="Footer Placeholder 5"/>
+          <p:cNvSpPr>
+            <a:spLocks noGrp="1"/>
+          </p:cNvSpPr>
+          <p:nvPr>
+            <p:ph type="ftr" sz="quarter" idx="4"/>
+          </p:nvPr>
+        </p:nvSpPr>
+        <p:spPr>
+          <a:xfrm>
+            <a:off x="0" y="8685213"/>
+            <a:ext cx="2971800" cy="458787"/>
+          </a:xfrm>
+          <a:prstGeom prst="rect">
+            <a:avLst/>
+          </a:prstGeom>
+        </p:spPr>
+        <p:txBody>
+          <a:bodyPr vert="horz" lIns="91440" tIns="45720" rIns="91440" bIns="45720" rtlCol="0" anchor="b"/>
+          <a:lstStyle>
+            <a:lvl1pPr algn="l">
+              <a:defRPr sz="1200"/>
+            </a:lvl1pPr>
+          </a:lstStyle>
+          <a:p>
+            <a:endParaRPr lang="en-US"/>
+          </a:p>
+        </p:txBody>
+      </p:sp>
+      <p:sp>
+        <p:nvSpPr>
+          <p:cNvPr id="7" name="Slide Number Placeholder 6"/>
+          <p:cNvSpPr>
+            <a:spLocks noGrp="1"/>
+          </p:cNvSpPr>
+          <p:nvPr>
+            <p:ph type="sldNum" sz="quarter" idx="5"/>
+          </p:nvPr>
+        </p:nvSpPr>
+        <p:spPr>
+          <a:xfrm>
+            <a:off x="3884613" y="8685213"/>
+            <a:ext cx="2971800" cy="458787"/>
+          </a:xfrm>
+          <a:prstGeom prst="rect">
+            <a:avLst/>
+          </a:prstGeom>
+        </p:spPr>
+        <p:txBody>
+          <a:bodyPr vert="horz" lIns="91440" tIns="45720" rIns="91440" bIns="45720" rtlCol="0" anchor="b"/>
+          <a:lstStyle>
+            <a:lvl1pPr algn="r">
+              <a:defRPr sz="1200"/>
+            </a:lvl1pPr>
+          </a:lstStyle>
+          <a:p>
+            <a:fld id="{DCD6F726-F7CD-4CEC-AAE9-A601129F916A}" type="slidenum">
+              <a:rPr lang="en-US" smtClean="0"/>
+              <a:t>‹#›</a:t>
+            </a:fld>
+            <a:endParaRPr lang="en-US"/>
+          </a:p>
+        </p:txBody>
+      </p:sp>
+    </p:spTree>
+    <p:extLst>
+      <p:ext uri="{BB962C8B-B14F-4D97-AF65-F5344CB8AC3E}">
+        <p14:creationId xmlns:p14="http://schemas.microsoft.com/office/powerpoint/2010/main" val="615562819"/>
+      </p:ext>
+    </p:extLst>
+  </p:cSld>
+  <p:clrMap bg1="lt1" tx1="dk1" bg2="lt2" tx2="dk2" accent1="accent1" accent2="accent2" accent3="accent3" accent4="accent4" accent5="accent5" accent6="accent6" hlink="hlink" folHlink="folHlink"/>
+  <p:notesStyle>
+    <a:lvl1pPr marL="0" algn="l" defTabSz="914400" rtl="0" eaLnBrk="1" latinLnBrk="0" hangingPunct="1">
+      <a:defRPr sz="1200" kern="1200">
+        <a:solidFill>
+          <a:schemeClr val="tx1"/>
+        </a:solidFill>
+        <a:latin typeface="+mn-lt"/>
+        <a:ea typeface="+mn-ea"/>
+        <a:cs typeface="+mn-cs"/>
+      </a:defRPr>
+    </a:lvl1pPr>
+    <a:lvl2pPr marL="457200" algn="l" defTabSz="914400" rtl="0" eaLnBrk="1" latinLnBrk="0" hangingPunct="1">
+      <a:defRPr sz="1200" kern="1200">
+        <a:solidFill>
+          <a:schemeClr val="tx1"/>
+        </a:solidFill>
+        <a:latin typeface="+mn-lt"/>
+        <a:ea typeface="+mn-ea"/>
+        <a:cs typeface="+mn-cs"/>
+      </a:defRPr>
+    </a:lvl2pPr>
+    <a:lvl3pPr marL="914400" algn="l" defTabSz="914400" rtl="0" eaLnBrk="1" latinLnBrk="0" hangingPunct="1">
+      <a:defRPr sz="1200" kern="1200">
+        <a:solidFill>
+          <a:schemeClr val="tx1"/>
+        </a:solidFill>
+        <a:latin typeface="+mn-lt"/>
+        <a:ea typeface="+mn-ea"/>
+        <a:cs typeface="+mn-cs"/>
+      </a:defRPr>
+    </a:lvl3pPr>
+    <a:lvl4pPr marL="1371600" algn="l" defTabSz="914400" rtl="0" eaLnBrk="1" latinLnBrk="0" hangingPunct="1">
+      <a:defRPr sz="1200" kern="1200">
+        <a:solidFill>
+          <a:schemeClr val="tx1"/>
+        </a:solidFill>
+        <a:latin typeface="+mn-lt"/>
+        <a:ea typeface="+mn-ea"/>
+        <a:cs typeface="+mn-cs"/>
+      </a:defRPr>
+    </a:lvl4pPr>
+    <a:lvl5pPr marL="1828800" algn="l" defTabSz="914400" rtl="0" eaLnBrk="1" latinLnBrk="0" hangingPunct="1">
+      <a:defRPr sz="1200" kern="1200">
+        <a:solidFill>
+          <a:schemeClr val="tx1"/>
+        </a:solidFill>
+        <a:latin typeface="+mn-lt"/>
+        <a:ea typeface="+mn-ea"/>
+        <a:cs typeface="+mn-cs"/>
+      </a:defRPr>
+    </a:lvl5pPr>
+    <a:lvl6pPr marL="2286000" algn="l" defTabSz="914400" rtl="0" eaLnBrk="1" latinLnBrk="0" hangingPunct="1">
+      <a:defRPr sz="1200" kern="1200">
+        <a:solidFill>
+          <a:schemeClr val="tx1"/>
+        </a:solidFill>
+        <a:latin typeface="+mn-lt"/>
+        <a:ea typeface="+mn-ea"/>
+        <a:cs typeface="+mn-cs"/>
+      </a:defRPr>
+    </a:lvl6pPr>
+    <a:lvl7pPr marL="2743200" algn="l" defTabSz="914400" rtl="0" eaLnBrk="1" latinLnBrk="0" hangingPunct="1">
+      <a:defRPr sz="1200" kern="1200">
+        <a:solidFill>
+          <a:schemeClr val="tx1"/>
+        </a:solidFill>
+        <a:latin typeface="+mn-lt"/>
+        <a:ea typeface="+mn-ea"/>
+        <a:cs typeface="+mn-cs"/>
+      </a:defRPr>
+    </a:lvl7pPr>
+    <a:lvl8pPr marL="3200400" algn="l" defTabSz="914400" rtl="0" eaLnBrk="1" latinLnBrk="0" hangingPunct="1">
+      <a:defRPr sz="1200" kern="1200">
+        <a:solidFill>
+          <a:schemeClr val="tx1"/>
+        </a:solidFill>
+        <a:latin typeface="+mn-lt"/>
+        <a:ea typeface="+mn-ea"/>
+        <a:cs typeface="+mn-cs"/>
+      </a:defRPr>
+    </a:lvl8pPr>
+    <a:lvl9pPr marL="3657600" algn="l" defTabSz="914400" rtl="0" eaLnBrk="1" latinLnBrk="0" hangingPunct="1">
+      <a:defRPr sz="1200" kern="1200">
+        <a:solidFill>
+          <a:schemeClr val="tx1"/>
+        </a:solidFill>
+        <a:latin typeface="+mn-lt"/>
+        <a:ea typeface="+mn-ea"/>
+        <a:cs typeface="+mn-cs"/>
+      </a:defRPr>
+    </a:lvl9pPr>
+  </p:notesStyle>
+</p:notesMaster>
+</file>
+
+<file path=ppt/notesSlides/notesSlide1.xml><?xml version="1.0" encoding="utf-8"?>
+<p:notes xmlns:a="http://schemas.openxmlformats.org/drawingml/2006/main" xmlns:r="http://schemas.openxmlformats.org/officeDocument/2006/relationships" xmlns:p="http://schemas.openxmlformats.org/presentationml/2006/main">
+  <p:cSld>
+    <p:spTree>
+      <p:nvGrpSpPr>
+        <p:cNvPr id="1" name=""/>
+        <p:cNvGrpSpPr/>
+        <p:nvPr/>
+      </p:nvGrpSpPr>
+      <p:grpSpPr>
+        <a:xfrm>
+          <a:off x="0" y="0"/>
+          <a:ext cx="0" cy="0"/>
+          <a:chOff x="0" y="0"/>
+          <a:chExt cx="0" cy="0"/>
+        </a:xfrm>
+      </p:grpSpPr>
+      <p:sp>
+        <p:nvSpPr>
+          <p:cNvPr id="2" name="Slide Image Placeholder 1"/>
+          <p:cNvSpPr>
+            <a:spLocks noGrp="1" noRot="1" noChangeAspect="1"/>
+          </p:cNvSpPr>
+          <p:nvPr>
+            <p:ph type="sldImg"/>
+          </p:nvPr>
+        </p:nvSpPr>
+        <p:spPr/>
+      </p:sp>
+      <p:sp>
+        <p:nvSpPr>
+          <p:cNvPr id="3" name="Notes Placeholder 2"/>
+          <p:cNvSpPr>
+            <a:spLocks noGrp="1"/>
+          </p:cNvSpPr>
+          <p:nvPr>
+            <p:ph type="body" idx="1"/>
+          </p:nvPr>
+        </p:nvSpPr>
+        <p:spPr/>
+        <p:txBody>
+          <a:bodyPr/>
+          <a:lstStyle/>
+          <a:p>
+            <a:endParaRPr lang="en-US" dirty="0"/>
+          </a:p>
+        </p:txBody>
+      </p:sp>
+      <p:sp>
+        <p:nvSpPr>
+          <p:cNvPr id="4" name="Slide Number Placeholder 3"/>
+          <p:cNvSpPr>
+            <a:spLocks noGrp="1"/>
+          </p:cNvSpPr>
+          <p:nvPr>
+            <p:ph type="sldNum" sz="quarter" idx="5"/>
+          </p:nvPr>
+        </p:nvSpPr>
+        <p:spPr/>
+        <p:txBody>
+          <a:bodyPr/>
+          <a:lstStyle/>
+          <a:p>
+            <a:fld id="{DCD6F726-F7CD-4CEC-AAE9-A601129F916A}" type="slidenum">
+              <a:rPr lang="en-US" smtClean="0"/>
+              <a:t>2</a:t>
+            </a:fld>
+            <a:endParaRPr lang="en-US"/>
+          </a:p>
+        </p:txBody>
+      </p:sp>
+    </p:spTree>
+    <p:extLst>
+      <p:ext uri="{BB962C8B-B14F-4D97-AF65-F5344CB8AC3E}">
+        <p14:creationId xmlns:p14="http://schemas.microsoft.com/office/powerpoint/2010/main" val="4282907571"/>
+      </p:ext>
+    </p:extLst>
+  </p:cSld>
+  <p:clrMapOvr>
+    <a:masterClrMapping/>
+  </p:clrMapOvr>
+</p:notes>
+</file>
+
+<file path=ppt/notesSlides/notesSlide2.xml><?xml version="1.0" encoding="utf-8"?>
+<p:notes xmlns:a="http://schemas.openxmlformats.org/drawingml/2006/main" xmlns:r="http://schemas.openxmlformats.org/officeDocument/2006/relationships" xmlns:p="http://schemas.openxmlformats.org/presentationml/2006/main">
+  <p:cSld>
+    <p:spTree>
+      <p:nvGrpSpPr>
+        <p:cNvPr id="1" name=""/>
+        <p:cNvGrpSpPr/>
+        <p:nvPr/>
+      </p:nvGrpSpPr>
+      <p:grpSpPr>
+        <a:xfrm>
+          <a:off x="0" y="0"/>
+          <a:ext cx="0" cy="0"/>
+          <a:chOff x="0" y="0"/>
+          <a:chExt cx="0" cy="0"/>
+        </a:xfrm>
+      </p:grpSpPr>
+      <p:sp>
+        <p:nvSpPr>
+          <p:cNvPr id="2" name="Slide Image Placeholder 1"/>
+          <p:cNvSpPr>
+            <a:spLocks noGrp="1" noRot="1" noChangeAspect="1"/>
+          </p:cNvSpPr>
+          <p:nvPr>
+            <p:ph type="sldImg"/>
+          </p:nvPr>
+        </p:nvSpPr>
+        <p:spPr/>
+      </p:sp>
+      <p:sp>
+        <p:nvSpPr>
+          <p:cNvPr id="3" name="Notes Placeholder 2"/>
+          <p:cNvSpPr>
+            <a:spLocks noGrp="1"/>
+          </p:cNvSpPr>
+          <p:nvPr>
+            <p:ph type="body" idx="1"/>
+          </p:nvPr>
+        </p:nvSpPr>
+        <p:spPr/>
+        <p:txBody>
+          <a:bodyPr/>
+          <a:lstStyle/>
+          <a:p>
+            <a:endParaRPr lang="en-US" dirty="0"/>
+          </a:p>
+        </p:txBody>
+      </p:sp>
+      <p:sp>
+        <p:nvSpPr>
+          <p:cNvPr id="4" name="Slide Number Placeholder 3"/>
+          <p:cNvSpPr>
+            <a:spLocks noGrp="1"/>
+          </p:cNvSpPr>
+          <p:nvPr>
+            <p:ph type="sldNum" sz="quarter" idx="5"/>
+          </p:nvPr>
+        </p:nvSpPr>
+        <p:spPr/>
+        <p:txBody>
+          <a:bodyPr/>
+          <a:lstStyle/>
+          <a:p>
+            <a:fld id="{DCD6F726-F7CD-4CEC-AAE9-A601129F916A}" type="slidenum">
+              <a:rPr lang="en-US" smtClean="0"/>
+              <a:t>3</a:t>
+            </a:fld>
+            <a:endParaRPr lang="en-US"/>
+          </a:p>
+        </p:txBody>
+      </p:sp>
+    </p:spTree>
+    <p:extLst>
+      <p:ext uri="{BB962C8B-B14F-4D97-AF65-F5344CB8AC3E}">
+        <p14:creationId xmlns:p14="http://schemas.microsoft.com/office/powerpoint/2010/main" val="1917730040"/>
+      </p:ext>
+    </p:extLst>
+  </p:cSld>
+  <p:clrMapOvr>
+    <a:masterClrMapping/>
+  </p:clrMapOvr>
+</p:notes>
+</file>
+
+<file path=ppt/notesSlides/notesSlide3.xml><?xml version="1.0" encoding="utf-8"?>
+<p:notes xmlns:a="http://schemas.openxmlformats.org/drawingml/2006/main" xmlns:r="http://schemas.openxmlformats.org/officeDocument/2006/relationships" xmlns:p="http://schemas.openxmlformats.org/presentationml/2006/main">
+  <p:cSld>
+    <p:spTree>
+      <p:nvGrpSpPr>
+        <p:cNvPr id="1" name=""/>
+        <p:cNvGrpSpPr/>
+        <p:nvPr/>
+      </p:nvGrpSpPr>
+      <p:grpSpPr>
+        <a:xfrm>
+          <a:off x="0" y="0"/>
+          <a:ext cx="0" cy="0"/>
+          <a:chOff x="0" y="0"/>
+          <a:chExt cx="0" cy="0"/>
+        </a:xfrm>
+      </p:grpSpPr>
+      <p:sp>
+        <p:nvSpPr>
+          <p:cNvPr id="2" name="Slide Image Placeholder 1"/>
+          <p:cNvSpPr>
+            <a:spLocks noGrp="1" noRot="1" noChangeAspect="1"/>
+          </p:cNvSpPr>
+          <p:nvPr>
+            <p:ph type="sldImg"/>
+          </p:nvPr>
+        </p:nvSpPr>
+        <p:spPr/>
+      </p:sp>
+      <p:sp>
+        <p:nvSpPr>
+          <p:cNvPr id="3" name="Notes Placeholder 2"/>
+          <p:cNvSpPr>
+            <a:spLocks noGrp="1"/>
+          </p:cNvSpPr>
+          <p:nvPr>
+            <p:ph type="body" idx="1"/>
+          </p:nvPr>
+        </p:nvSpPr>
+        <p:spPr/>
+        <p:txBody>
+          <a:bodyPr/>
+          <a:lstStyle/>
+          <a:p>
+            <a:endParaRPr lang="en-US" dirty="0"/>
+          </a:p>
+        </p:txBody>
+      </p:sp>
+      <p:sp>
+        <p:nvSpPr>
+          <p:cNvPr id="4" name="Slide Number Placeholder 3"/>
+          <p:cNvSpPr>
+            <a:spLocks noGrp="1"/>
+          </p:cNvSpPr>
+          <p:nvPr>
+            <p:ph type="sldNum" sz="quarter" idx="5"/>
+          </p:nvPr>
+        </p:nvSpPr>
+        <p:spPr/>
+        <p:txBody>
+          <a:bodyPr/>
+          <a:lstStyle/>
+          <a:p>
+            <a:fld id="{DCD6F726-F7CD-4CEC-AAE9-A601129F916A}" type="slidenum">
+              <a:rPr lang="en-US" smtClean="0"/>
+              <a:t>4</a:t>
+            </a:fld>
+            <a:endParaRPr lang="en-US"/>
+          </a:p>
+        </p:txBody>
+      </p:sp>
+    </p:spTree>
+    <p:extLst>
+      <p:ext uri="{BB962C8B-B14F-4D97-AF65-F5344CB8AC3E}">
+        <p14:creationId xmlns:p14="http://schemas.microsoft.com/office/powerpoint/2010/main" val="3122317977"/>
+      </p:ext>
+    </p:extLst>
+  </p:cSld>
+  <p:clrMapOvr>
+    <a:masterClrMapping/>
+  </p:clrMapOvr>
+</p:notes>
+</file>
+
+<file path=ppt/notesSlides/notesSlide4.xml><?xml version="1.0" encoding="utf-8"?>
+<p:notes xmlns:a="http://schemas.openxmlformats.org/drawingml/2006/main" xmlns:r="http://schemas.openxmlformats.org/officeDocument/2006/relationships" xmlns:p="http://schemas.openxmlformats.org/presentationml/2006/main">
+  <p:cSld>
+    <p:spTree>
+      <p:nvGrpSpPr>
+        <p:cNvPr id="1" name=""/>
+        <p:cNvGrpSpPr/>
+        <p:nvPr/>
+      </p:nvGrpSpPr>
+      <p:grpSpPr>
+        <a:xfrm>
+          <a:off x="0" y="0"/>
+          <a:ext cx="0" cy="0"/>
+          <a:chOff x="0" y="0"/>
+          <a:chExt cx="0" cy="0"/>
+        </a:xfrm>
+      </p:grpSpPr>
+      <p:sp>
+        <p:nvSpPr>
+          <p:cNvPr id="2" name="Slide Image Placeholder 1"/>
+          <p:cNvSpPr>
+            <a:spLocks noGrp="1" noRot="1" noChangeAspect="1"/>
+          </p:cNvSpPr>
+          <p:nvPr>
+            <p:ph type="sldImg"/>
+          </p:nvPr>
+        </p:nvSpPr>
+        <p:spPr/>
+      </p:sp>
+      <p:sp>
+        <p:nvSpPr>
+          <p:cNvPr id="3" name="Notes Placeholder 2"/>
+          <p:cNvSpPr>
+            <a:spLocks noGrp="1"/>
+          </p:cNvSpPr>
+          <p:nvPr>
+            <p:ph type="body" idx="1"/>
+          </p:nvPr>
+        </p:nvSpPr>
+        <p:spPr/>
+        <p:txBody>
+          <a:bodyPr/>
+          <a:lstStyle/>
+          <a:p>
+            <a:endParaRPr lang="en-US" dirty="0"/>
+          </a:p>
+        </p:txBody>
+      </p:sp>
+      <p:sp>
+        <p:nvSpPr>
+          <p:cNvPr id="4" name="Slide Number Placeholder 3"/>
+          <p:cNvSpPr>
+            <a:spLocks noGrp="1"/>
+          </p:cNvSpPr>
+          <p:nvPr>
+            <p:ph type="sldNum" sz="quarter" idx="5"/>
+          </p:nvPr>
+        </p:nvSpPr>
+        <p:spPr/>
+        <p:txBody>
+          <a:bodyPr/>
+          <a:lstStyle/>
+          <a:p>
+            <a:fld id="{DCD6F726-F7CD-4CEC-AAE9-A601129F916A}" type="slidenum">
+              <a:rPr lang="en-US" smtClean="0"/>
+              <a:t>6</a:t>
+            </a:fld>
+            <a:endParaRPr lang="en-US"/>
+          </a:p>
+        </p:txBody>
+      </p:sp>
+    </p:spTree>
+    <p:extLst>
+      <p:ext uri="{BB962C8B-B14F-4D97-AF65-F5344CB8AC3E}">
+        <p14:creationId xmlns:p14="http://schemas.microsoft.com/office/powerpoint/2010/main" val="4124915008"/>
+      </p:ext>
+    </p:extLst>
+  </p:cSld>
+  <p:clrMapOvr>
+    <a:masterClrMapping/>
+  </p:clrMapOvr>
+</p:notes>
+</file>
+
+<file path=ppt/notesSlides/notesSlide5.xml><?xml version="1.0" encoding="utf-8"?>
+<p:notes xmlns:a="http://schemas.openxmlformats.org/drawingml/2006/main" xmlns:r="http://schemas.openxmlformats.org/officeDocument/2006/relationships" xmlns:p="http://schemas.openxmlformats.org/presentationml/2006/main">
+  <p:cSld>
+    <p:spTree>
+      <p:nvGrpSpPr>
+        <p:cNvPr id="1" name=""/>
+        <p:cNvGrpSpPr/>
+        <p:nvPr/>
+      </p:nvGrpSpPr>
+      <p:grpSpPr>
+        <a:xfrm>
+          <a:off x="0" y="0"/>
+          <a:ext cx="0" cy="0"/>
+          <a:chOff x="0" y="0"/>
+          <a:chExt cx="0" cy="0"/>
+        </a:xfrm>
+      </p:grpSpPr>
+      <p:sp>
+        <p:nvSpPr>
+          <p:cNvPr id="2" name="Slide Image Placeholder 1"/>
+          <p:cNvSpPr>
+            <a:spLocks noGrp="1" noRot="1" noChangeAspect="1"/>
+          </p:cNvSpPr>
+          <p:nvPr>
+            <p:ph type="sldImg"/>
+          </p:nvPr>
+        </p:nvSpPr>
+        <p:spPr/>
+      </p:sp>
+      <p:sp>
+        <p:nvSpPr>
+          <p:cNvPr id="3" name="Notes Placeholder 2"/>
+          <p:cNvSpPr>
+            <a:spLocks noGrp="1"/>
+          </p:cNvSpPr>
+          <p:nvPr>
+            <p:ph type="body" idx="1"/>
+          </p:nvPr>
+        </p:nvSpPr>
+        <p:spPr/>
+        <p:txBody>
+          <a:bodyPr/>
+          <a:lstStyle/>
+          <a:p>
+            <a:endParaRPr lang="en-US" dirty="0"/>
+          </a:p>
+        </p:txBody>
+      </p:sp>
+      <p:sp>
+        <p:nvSpPr>
+          <p:cNvPr id="4" name="Slide Number Placeholder 3"/>
+          <p:cNvSpPr>
+            <a:spLocks noGrp="1"/>
+          </p:cNvSpPr>
+          <p:nvPr>
+            <p:ph type="sldNum" sz="quarter" idx="5"/>
+          </p:nvPr>
+        </p:nvSpPr>
+        <p:spPr/>
+        <p:txBody>
+          <a:bodyPr/>
+          <a:lstStyle/>
+          <a:p>
+            <a:fld id="{DCD6F726-F7CD-4CEC-AAE9-A601129F916A}" type="slidenum">
+              <a:rPr lang="en-US" smtClean="0"/>
+              <a:t>10</a:t>
+            </a:fld>
+            <a:endParaRPr lang="en-US"/>
+          </a:p>
+        </p:txBody>
+      </p:sp>
+    </p:spTree>
+    <p:extLst>
+      <p:ext uri="{BB962C8B-B14F-4D97-AF65-F5344CB8AC3E}">
+        <p14:creationId xmlns:p14="http://schemas.microsoft.com/office/powerpoint/2010/main" val="4104345923"/>
+      </p:ext>
+    </p:extLst>
+  </p:cSld>
+  <p:clrMapOvr>
+    <a:masterClrMapping/>
+  </p:clrMapOvr>
+</p:notes>
 </file>
 
 <file path=ppt/slideLayouts/slideLayout1.xml><?xml version="1.0" encoding="utf-8"?>
@@ -317,7 +1104,7 @@
           <a:p>
             <a:fld id="{C9115477-E791-443D-94C4-175269EE6F8E}" type="datetimeFigureOut">
               <a:rPr lang="en-US" smtClean="0"/>
-              <a:t>7/11/2021</a:t>
+              <a:t>7/12/2021</a:t>
             </a:fld>
             <a:endParaRPr lang="en-US"/>
           </a:p>
@@ -455,7 +1242,7 @@
     </p:spTree>
     <p:extLst>
       <p:ext uri="{BB962C8B-B14F-4D97-AF65-F5344CB8AC3E}">
-        <p14:creationId xmlns:p14="http://schemas.microsoft.com/office/powerpoint/2010/main" val="3235423088"/>
+        <p14:creationId xmlns:p14="http://schemas.microsoft.com/office/powerpoint/2010/main" val="242725279"/>
       </p:ext>
     </p:extLst>
   </p:cSld>
@@ -655,7 +1442,7 @@
           <a:p>
             <a:fld id="{C9115477-E791-443D-94C4-175269EE6F8E}" type="datetimeFigureOut">
               <a:rPr lang="en-US" smtClean="0"/>
-              <a:t>7/11/2021</a:t>
+              <a:t>7/12/2021</a:t>
             </a:fld>
             <a:endParaRPr lang="en-US"/>
           </a:p>
@@ -793,7 +1580,7 @@
     </p:spTree>
     <p:extLst>
       <p:ext uri="{BB962C8B-B14F-4D97-AF65-F5344CB8AC3E}">
-        <p14:creationId xmlns:p14="http://schemas.microsoft.com/office/powerpoint/2010/main" val="1761103417"/>
+        <p14:creationId xmlns:p14="http://schemas.microsoft.com/office/powerpoint/2010/main" val="2425509429"/>
       </p:ext>
     </p:extLst>
   </p:cSld>
@@ -1056,7 +1843,7 @@
           <a:p>
             <a:fld id="{C9115477-E791-443D-94C4-175269EE6F8E}" type="datetimeFigureOut">
               <a:rPr lang="en-US" smtClean="0"/>
-              <a:t>7/11/2021</a:t>
+              <a:t>7/12/2021</a:t>
             </a:fld>
             <a:endParaRPr lang="en-US"/>
           </a:p>
@@ -1270,7 +2057,7 @@
     </p:spTree>
     <p:extLst>
       <p:ext uri="{BB962C8B-B14F-4D97-AF65-F5344CB8AC3E}">
-        <p14:creationId xmlns:p14="http://schemas.microsoft.com/office/powerpoint/2010/main" val="1219195635"/>
+        <p14:creationId xmlns:p14="http://schemas.microsoft.com/office/powerpoint/2010/main" val="2696109741"/>
       </p:ext>
     </p:extLst>
   </p:cSld>
@@ -1392,7 +2179,7 @@
           <a:p>
             <a:fld id="{C9115477-E791-443D-94C4-175269EE6F8E}" type="datetimeFigureOut">
               <a:rPr lang="en-US" smtClean="0"/>
-              <a:t>7/11/2021</a:t>
+              <a:t>7/12/2021</a:t>
             </a:fld>
             <a:endParaRPr lang="en-US"/>
           </a:p>
@@ -1530,7 +2317,7 @@
     </p:spTree>
     <p:extLst>
       <p:ext uri="{BB962C8B-B14F-4D97-AF65-F5344CB8AC3E}">
-        <p14:creationId xmlns:p14="http://schemas.microsoft.com/office/powerpoint/2010/main" val="2165250351"/>
+        <p14:creationId xmlns:p14="http://schemas.microsoft.com/office/powerpoint/2010/main" val="2153227121"/>
       </p:ext>
     </p:extLst>
   </p:cSld>
@@ -1712,7 +2499,7 @@
           <a:p>
             <a:fld id="{C9115477-E791-443D-94C4-175269EE6F8E}" type="datetimeFigureOut">
               <a:rPr lang="en-US" smtClean="0"/>
-              <a:t>7/11/2021</a:t>
+              <a:t>7/12/2021</a:t>
             </a:fld>
             <a:endParaRPr lang="en-US"/>
           </a:p>
@@ -1926,7 +2713,7 @@
     </p:spTree>
     <p:extLst>
       <p:ext uri="{BB962C8B-B14F-4D97-AF65-F5344CB8AC3E}">
-        <p14:creationId xmlns:p14="http://schemas.microsoft.com/office/powerpoint/2010/main" val="1639541613"/>
+        <p14:creationId xmlns:p14="http://schemas.microsoft.com/office/powerpoint/2010/main" val="3728162608"/>
       </p:ext>
     </p:extLst>
   </p:cSld>
@@ -2108,7 +2895,7 @@
           <a:p>
             <a:fld id="{C9115477-E791-443D-94C4-175269EE6F8E}" type="datetimeFigureOut">
               <a:rPr lang="en-US" smtClean="0"/>
-              <a:t>7/11/2021</a:t>
+              <a:t>7/12/2021</a:t>
             </a:fld>
             <a:endParaRPr lang="en-US"/>
           </a:p>
@@ -2246,7 +3033,7 @@
     </p:spTree>
     <p:extLst>
       <p:ext uri="{BB962C8B-B14F-4D97-AF65-F5344CB8AC3E}">
-        <p14:creationId xmlns:p14="http://schemas.microsoft.com/office/powerpoint/2010/main" val="423005197"/>
+        <p14:creationId xmlns:p14="http://schemas.microsoft.com/office/powerpoint/2010/main" val="238773294"/>
       </p:ext>
     </p:extLst>
   </p:cSld>
@@ -2365,7 +3152,7 @@
           <a:p>
             <a:fld id="{C9115477-E791-443D-94C4-175269EE6F8E}" type="datetimeFigureOut">
               <a:rPr lang="en-US" smtClean="0"/>
-              <a:t>7/11/2021</a:t>
+              <a:t>7/12/2021</a:t>
             </a:fld>
             <a:endParaRPr lang="en-US"/>
           </a:p>
@@ -2498,7 +3285,7 @@
     </p:spTree>
     <p:extLst>
       <p:ext uri="{BB962C8B-B14F-4D97-AF65-F5344CB8AC3E}">
-        <p14:creationId xmlns:p14="http://schemas.microsoft.com/office/powerpoint/2010/main" val="1266390058"/>
+        <p14:creationId xmlns:p14="http://schemas.microsoft.com/office/powerpoint/2010/main" val="667544849"/>
       </p:ext>
     </p:extLst>
   </p:cSld>
@@ -2627,7 +3414,7 @@
           <a:p>
             <a:fld id="{C9115477-E791-443D-94C4-175269EE6F8E}" type="datetimeFigureOut">
               <a:rPr lang="en-US" smtClean="0"/>
-              <a:t>7/11/2021</a:t>
+              <a:t>7/12/2021</a:t>
             </a:fld>
             <a:endParaRPr lang="en-US"/>
           </a:p>
@@ -2760,7 +3547,7 @@
     </p:spTree>
     <p:extLst>
       <p:ext uri="{BB962C8B-B14F-4D97-AF65-F5344CB8AC3E}">
-        <p14:creationId xmlns:p14="http://schemas.microsoft.com/office/powerpoint/2010/main" val="1385898542"/>
+        <p14:creationId xmlns:p14="http://schemas.microsoft.com/office/powerpoint/2010/main" val="1578240921"/>
       </p:ext>
     </p:extLst>
   </p:cSld>
@@ -2889,7 +3676,7 @@
           <a:p>
             <a:fld id="{C9115477-E791-443D-94C4-175269EE6F8E}" type="datetimeFigureOut">
               <a:rPr lang="en-US" smtClean="0"/>
-              <a:t>7/11/2021</a:t>
+              <a:t>7/12/2021</a:t>
             </a:fld>
             <a:endParaRPr lang="en-US"/>
           </a:p>
@@ -3022,7 +3809,7 @@
     </p:spTree>
     <p:extLst>
       <p:ext uri="{BB962C8B-B14F-4D97-AF65-F5344CB8AC3E}">
-        <p14:creationId xmlns:p14="http://schemas.microsoft.com/office/powerpoint/2010/main" val="82286908"/>
+        <p14:creationId xmlns:p14="http://schemas.microsoft.com/office/powerpoint/2010/main" val="1863946630"/>
       </p:ext>
     </p:extLst>
   </p:cSld>
@@ -3218,7 +4005,7 @@
           <a:p>
             <a:fld id="{C9115477-E791-443D-94C4-175269EE6F8E}" type="datetimeFigureOut">
               <a:rPr lang="en-US" smtClean="0"/>
-              <a:t>7/11/2021</a:t>
+              <a:t>7/12/2021</a:t>
             </a:fld>
             <a:endParaRPr lang="en-US"/>
           </a:p>
@@ -3356,7 +4143,7 @@
     </p:spTree>
     <p:extLst>
       <p:ext uri="{BB962C8B-B14F-4D97-AF65-F5344CB8AC3E}">
-        <p14:creationId xmlns:p14="http://schemas.microsoft.com/office/powerpoint/2010/main" val="166286156"/>
+        <p14:creationId xmlns:p14="http://schemas.microsoft.com/office/powerpoint/2010/main" val="1179920947"/>
       </p:ext>
     </p:extLst>
   </p:cSld>
@@ -3541,7 +4328,7 @@
           <a:p>
             <a:fld id="{C9115477-E791-443D-94C4-175269EE6F8E}" type="datetimeFigureOut">
               <a:rPr lang="en-US" smtClean="0"/>
-              <a:t>7/11/2021</a:t>
+              <a:t>7/12/2021</a:t>
             </a:fld>
             <a:endParaRPr lang="en-US"/>
           </a:p>
@@ -3679,7 +4466,7 @@
     </p:spTree>
     <p:extLst>
       <p:ext uri="{BB962C8B-B14F-4D97-AF65-F5344CB8AC3E}">
-        <p14:creationId xmlns:p14="http://schemas.microsoft.com/office/powerpoint/2010/main" val="796510685"/>
+        <p14:creationId xmlns:p14="http://schemas.microsoft.com/office/powerpoint/2010/main" val="1084494020"/>
       </p:ext>
     </p:extLst>
   </p:cSld>
@@ -3998,7 +4785,7 @@
           <a:p>
             <a:fld id="{C9115477-E791-443D-94C4-175269EE6F8E}" type="datetimeFigureOut">
               <a:rPr lang="en-US" smtClean="0"/>
-              <a:t>7/11/2021</a:t>
+              <a:t>7/12/2021</a:t>
             </a:fld>
             <a:endParaRPr lang="en-US"/>
           </a:p>
@@ -4136,7 +4923,7 @@
     </p:spTree>
     <p:extLst>
       <p:ext uri="{BB962C8B-B14F-4D97-AF65-F5344CB8AC3E}">
-        <p14:creationId xmlns:p14="http://schemas.microsoft.com/office/powerpoint/2010/main" val="4208428324"/>
+        <p14:creationId xmlns:p14="http://schemas.microsoft.com/office/powerpoint/2010/main" val="3200720830"/>
       </p:ext>
     </p:extLst>
   </p:cSld>
@@ -4203,7 +4990,7 @@
           <a:p>
             <a:fld id="{C9115477-E791-443D-94C4-175269EE6F8E}" type="datetimeFigureOut">
               <a:rPr lang="en-US" smtClean="0"/>
-              <a:t>7/11/2021</a:t>
+              <a:t>7/12/2021</a:t>
             </a:fld>
             <a:endParaRPr lang="en-US"/>
           </a:p>
@@ -4336,7 +5123,7 @@
     </p:spTree>
     <p:extLst>
       <p:ext uri="{BB962C8B-B14F-4D97-AF65-F5344CB8AC3E}">
-        <p14:creationId xmlns:p14="http://schemas.microsoft.com/office/powerpoint/2010/main" val="911530035"/>
+        <p14:creationId xmlns:p14="http://schemas.microsoft.com/office/powerpoint/2010/main" val="2200118310"/>
       </p:ext>
     </p:extLst>
   </p:cSld>
@@ -4380,7 +5167,7 @@
           <a:p>
             <a:fld id="{C9115477-E791-443D-94C4-175269EE6F8E}" type="datetimeFigureOut">
               <a:rPr lang="en-US" smtClean="0"/>
-              <a:t>7/11/2021</a:t>
+              <a:t>7/12/2021</a:t>
             </a:fld>
             <a:endParaRPr lang="en-US"/>
           </a:p>
@@ -4513,7 +5300,7 @@
     </p:spTree>
     <p:extLst>
       <p:ext uri="{BB962C8B-B14F-4D97-AF65-F5344CB8AC3E}">
-        <p14:creationId xmlns:p14="http://schemas.microsoft.com/office/powerpoint/2010/main" val="4234925926"/>
+        <p14:creationId xmlns:p14="http://schemas.microsoft.com/office/powerpoint/2010/main" val="4036104911"/>
       </p:ext>
     </p:extLst>
   </p:cSld>
@@ -4713,7 +5500,7 @@
           <a:p>
             <a:fld id="{C9115477-E791-443D-94C4-175269EE6F8E}" type="datetimeFigureOut">
               <a:rPr lang="en-US" smtClean="0"/>
-              <a:t>7/11/2021</a:t>
+              <a:t>7/12/2021</a:t>
             </a:fld>
             <a:endParaRPr lang="en-US"/>
           </a:p>
@@ -4846,7 +5633,7 @@
     </p:spTree>
     <p:extLst>
       <p:ext uri="{BB962C8B-B14F-4D97-AF65-F5344CB8AC3E}">
-        <p14:creationId xmlns:p14="http://schemas.microsoft.com/office/powerpoint/2010/main" val="1840787358"/>
+        <p14:creationId xmlns:p14="http://schemas.microsoft.com/office/powerpoint/2010/main" val="2633295449"/>
       </p:ext>
     </p:extLst>
   </p:cSld>
@@ -5058,7 +5845,7 @@
           <a:p>
             <a:fld id="{C9115477-E791-443D-94C4-175269EE6F8E}" type="datetimeFigureOut">
               <a:rPr lang="en-US" smtClean="0"/>
-              <a:t>7/11/2021</a:t>
+              <a:t>7/12/2021</a:t>
             </a:fld>
             <a:endParaRPr lang="en-US"/>
           </a:p>
@@ -5196,7 +5983,7 @@
     </p:spTree>
     <p:extLst>
       <p:ext uri="{BB962C8B-B14F-4D97-AF65-F5344CB8AC3E}">
-        <p14:creationId xmlns:p14="http://schemas.microsoft.com/office/powerpoint/2010/main" val="3035026195"/>
+        <p14:creationId xmlns:p14="http://schemas.microsoft.com/office/powerpoint/2010/main" val="2365195088"/>
       </p:ext>
     </p:extLst>
   </p:cSld>
@@ -7175,7 +7962,7 @@
           <a:p>
             <a:fld id="{C9115477-E791-443D-94C4-175269EE6F8E}" type="datetimeFigureOut">
               <a:rPr lang="en-US" smtClean="0"/>
-              <a:t>7/11/2021</a:t>
+              <a:t>7/12/2021</a:t>
             </a:fld>
             <a:endParaRPr lang="en-US"/>
           </a:p>
@@ -7260,28 +8047,28 @@
     </p:spTree>
     <p:extLst>
       <p:ext uri="{BB962C8B-B14F-4D97-AF65-F5344CB8AC3E}">
-        <p14:creationId xmlns:p14="http://schemas.microsoft.com/office/powerpoint/2010/main" val="294082062"/>
+        <p14:creationId xmlns:p14="http://schemas.microsoft.com/office/powerpoint/2010/main" val="2455082321"/>
       </p:ext>
     </p:extLst>
   </p:cSld>
   <p:clrMap bg1="lt1" tx1="dk1" bg2="lt2" tx2="dk2" accent1="accent1" accent2="accent2" accent3="accent3" accent4="accent4" accent5="accent5" accent6="accent6" hlink="hlink" folHlink="folHlink"/>
   <p:sldLayoutIdLst>
-    <p:sldLayoutId id="2147483673" r:id="rId1"/>
-    <p:sldLayoutId id="2147483674" r:id="rId2"/>
-    <p:sldLayoutId id="2147483675" r:id="rId3"/>
-    <p:sldLayoutId id="2147483676" r:id="rId4"/>
-    <p:sldLayoutId id="2147483677" r:id="rId5"/>
-    <p:sldLayoutId id="2147483678" r:id="rId6"/>
-    <p:sldLayoutId id="2147483679" r:id="rId7"/>
-    <p:sldLayoutId id="2147483680" r:id="rId8"/>
-    <p:sldLayoutId id="2147483681" r:id="rId9"/>
-    <p:sldLayoutId id="2147483682" r:id="rId10"/>
-    <p:sldLayoutId id="2147483683" r:id="rId11"/>
-    <p:sldLayoutId id="2147483684" r:id="rId12"/>
-    <p:sldLayoutId id="2147483685" r:id="rId13"/>
-    <p:sldLayoutId id="2147483686" r:id="rId14"/>
-    <p:sldLayoutId id="2147483687" r:id="rId15"/>
-    <p:sldLayoutId id="2147483688" r:id="rId16"/>
+    <p:sldLayoutId id="2147483724" r:id="rId1"/>
+    <p:sldLayoutId id="2147483725" r:id="rId2"/>
+    <p:sldLayoutId id="2147483726" r:id="rId3"/>
+    <p:sldLayoutId id="2147483727" r:id="rId4"/>
+    <p:sldLayoutId id="2147483728" r:id="rId5"/>
+    <p:sldLayoutId id="2147483729" r:id="rId6"/>
+    <p:sldLayoutId id="2147483730" r:id="rId7"/>
+    <p:sldLayoutId id="2147483731" r:id="rId8"/>
+    <p:sldLayoutId id="2147483732" r:id="rId9"/>
+    <p:sldLayoutId id="2147483733" r:id="rId10"/>
+    <p:sldLayoutId id="2147483734" r:id="rId11"/>
+    <p:sldLayoutId id="2147483735" r:id="rId12"/>
+    <p:sldLayoutId id="2147483736" r:id="rId13"/>
+    <p:sldLayoutId id="2147483737" r:id="rId14"/>
+    <p:sldLayoutId id="2147483738" r:id="rId15"/>
+    <p:sldLayoutId id="2147483739" r:id="rId16"/>
   </p:sldLayoutIdLst>
   <p:txStyles>
     <p:titleStyle>
@@ -7819,6 +8606,141 @@
           <p:cNvPr id="2" name="Title 1">
             <a:extLst>
               <a:ext uri="{FF2B5EF4-FFF2-40B4-BE49-F238E27FC236}">
+                <a16:creationId xmlns:a16="http://schemas.microsoft.com/office/drawing/2014/main" id="{7F791375-5D32-4FE7-848D-32869D1478AD}"/>
+              </a:ext>
+            </a:extLst>
+          </p:cNvPr>
+          <p:cNvSpPr>
+            <a:spLocks noGrp="1"/>
+          </p:cNvSpPr>
+          <p:nvPr>
+            <p:ph type="title"/>
+          </p:nvPr>
+        </p:nvSpPr>
+        <p:spPr/>
+        <p:txBody>
+          <a:bodyPr/>
+          <a:lstStyle/>
+          <a:p>
+            <a:r>
+              <a:rPr lang="en-US" sz="3200" dirty="0"/>
+              <a:t>Evaluation Criterion #5:</a:t>
+            </a:r>
+            <a:br>
+              <a:rPr lang="en-US" dirty="0"/>
+            </a:br>
+            <a:r>
+              <a:rPr lang="en-US" dirty="0"/>
+              <a:t>Scalability and Interoperability</a:t>
+            </a:r>
+          </a:p>
+        </p:txBody>
+      </p:sp>
+      <p:sp>
+        <p:nvSpPr>
+          <p:cNvPr id="3" name="Content Placeholder 2">
+            <a:extLst>
+              <a:ext uri="{FF2B5EF4-FFF2-40B4-BE49-F238E27FC236}">
+                <a16:creationId xmlns:a16="http://schemas.microsoft.com/office/drawing/2014/main" id="{5E94E539-35F2-4E44-9BAF-8A1E5CD7AAFE}"/>
+              </a:ext>
+            </a:extLst>
+          </p:cNvPr>
+          <p:cNvSpPr>
+            <a:spLocks noGrp="1"/>
+          </p:cNvSpPr>
+          <p:nvPr>
+            <p:ph idx="1"/>
+          </p:nvPr>
+        </p:nvSpPr>
+        <p:spPr/>
+        <p:txBody>
+          <a:bodyPr/>
+          <a:lstStyle/>
+          <a:p>
+            <a:r>
+              <a:rPr lang="en-US" dirty="0"/>
+              <a:t>Built on GS1 Standards</a:t>
+            </a:r>
+          </a:p>
+          <a:p>
+            <a:pPr lvl="1"/>
+            <a:r>
+              <a:rPr lang="en-US" dirty="0"/>
+              <a:t>EPCIS</a:t>
+            </a:r>
+          </a:p>
+          <a:p>
+            <a:pPr lvl="1"/>
+            <a:r>
+              <a:rPr lang="en-US" dirty="0"/>
+              <a:t>GS1 Digital Link</a:t>
+            </a:r>
+          </a:p>
+          <a:p>
+            <a:pPr lvl="1"/>
+            <a:r>
+              <a:rPr lang="en-US" dirty="0"/>
+              <a:t>GS1 Web Vocab</a:t>
+            </a:r>
+          </a:p>
+          <a:p>
+            <a:r>
+              <a:rPr lang="en-US" dirty="0"/>
+              <a:t>The Traceability Driver enables any solution provider to become interoperable.</a:t>
+            </a:r>
+          </a:p>
+          <a:p>
+            <a:r>
+              <a:rPr lang="en-US" dirty="0"/>
+              <a:t>Compatible with Mac, Linux, and Windows.</a:t>
+            </a:r>
+          </a:p>
+          <a:p>
+            <a:r>
+              <a:rPr lang="en-US" dirty="0"/>
+              <a:t>Open Source and Free</a:t>
+            </a:r>
+          </a:p>
+          <a:p>
+            <a:endParaRPr lang="en-US" dirty="0"/>
+          </a:p>
+        </p:txBody>
+      </p:sp>
+    </p:spTree>
+    <p:extLst>
+      <p:ext uri="{BB962C8B-B14F-4D97-AF65-F5344CB8AC3E}">
+        <p14:creationId xmlns:p14="http://schemas.microsoft.com/office/powerpoint/2010/main" val="2385257806"/>
+      </p:ext>
+    </p:extLst>
+  </p:cSld>
+  <p:clrMapOvr>
+    <a:masterClrMapping/>
+  </p:clrMapOvr>
+</p:sld>
+</file>
+
+<file path=ppt/slides/slide11.xml><?xml version="1.0" encoding="utf-8"?>
+<p:sld xmlns:a="http://schemas.openxmlformats.org/drawingml/2006/main" xmlns:r="http://schemas.openxmlformats.org/officeDocument/2006/relationships" xmlns:p="http://schemas.openxmlformats.org/presentationml/2006/main">
+  <p:cSld>
+    <p:spTree>
+      <p:nvGrpSpPr>
+        <p:cNvPr id="1" name=""/>
+        <p:cNvGrpSpPr/>
+        <p:nvPr/>
+      </p:nvGrpSpPr>
+      <p:grpSpPr>
+        <a:xfrm>
+          <a:off x="0" y="0"/>
+          <a:ext cx="0" cy="0"/>
+          <a:chOff x="0" y="0"/>
+          <a:chExt cx="0" cy="0"/>
+        </a:xfrm>
+      </p:grpSpPr>
+      <p:sp>
+        <p:nvSpPr>
+          <p:cNvPr id="2" name="Title 1">
+            <a:extLst>
+              <a:ext uri="{FF2B5EF4-FFF2-40B4-BE49-F238E27FC236}">
                 <a16:creationId xmlns:a16="http://schemas.microsoft.com/office/drawing/2014/main" id="{9A6D1BBC-F957-4919-A9DD-92F44C11FF0C}"/>
               </a:ext>
             </a:extLst>
@@ -7863,12 +8785,13 @@
           <a:bodyPr/>
           <a:lstStyle/>
           <a:p>
-            <a:pPr marL="0" indent="0">
-              <a:buNone/>
+            <a:pPr>
+              <a:buFontTx/>
+              <a:buChar char="-"/>
             </a:pPr>
             <a:r>
               <a:rPr lang="en-US" dirty="0"/>
-              <a:t>- We plan to continue assisting the industry in enabling interoperability by providing software and programming APIs that reduce the cost of implementing standards while also increasing the consistency in which those standards are implemented.</a:t>
+              <a:t>We plan to continue assisting the industry in enabling interoperability by providing software and programming APIs that reduce the cost of implementing standards while also increasing the consistency in which those standards are implemented.</a:t>
             </a:r>
           </a:p>
         </p:txBody>
@@ -7877,6 +8800,2187 @@
     <p:extLst>
       <p:ext uri="{BB962C8B-B14F-4D97-AF65-F5344CB8AC3E}">
         <p14:creationId xmlns:p14="http://schemas.microsoft.com/office/powerpoint/2010/main" val="4021952984"/>
+      </p:ext>
+    </p:extLst>
+  </p:cSld>
+  <p:clrMapOvr>
+    <a:masterClrMapping/>
+  </p:clrMapOvr>
+</p:sld>
+</file>
+
+<file path=ppt/slides/slide12.xml><?xml version="1.0" encoding="utf-8"?>
+<p:sld xmlns:a="http://schemas.openxmlformats.org/drawingml/2006/main" xmlns:r="http://schemas.openxmlformats.org/officeDocument/2006/relationships" xmlns:p="http://schemas.openxmlformats.org/presentationml/2006/main">
+  <p:cSld>
+    <p:spTree>
+      <p:nvGrpSpPr>
+        <p:cNvPr id="1" name=""/>
+        <p:cNvGrpSpPr/>
+        <p:nvPr/>
+      </p:nvGrpSpPr>
+      <p:grpSpPr>
+        <a:xfrm>
+          <a:off x="0" y="0"/>
+          <a:ext cx="0" cy="0"/>
+          <a:chOff x="0" y="0"/>
+          <a:chExt cx="0" cy="0"/>
+        </a:xfrm>
+      </p:grpSpPr>
+      <p:sp>
+        <p:nvSpPr>
+          <p:cNvPr id="2" name="Title 1">
+            <a:extLst>
+              <a:ext uri="{FF2B5EF4-FFF2-40B4-BE49-F238E27FC236}">
+                <a16:creationId xmlns:a16="http://schemas.microsoft.com/office/drawing/2014/main" id="{1C15DF8B-EFC8-4CBF-8053-CC39E47A72C4}"/>
+              </a:ext>
+            </a:extLst>
+          </p:cNvPr>
+          <p:cNvSpPr>
+            <a:spLocks noGrp="1"/>
+          </p:cNvSpPr>
+          <p:nvPr>
+            <p:ph type="title"/>
+          </p:nvPr>
+        </p:nvSpPr>
+        <p:spPr/>
+        <p:txBody>
+          <a:bodyPr/>
+          <a:lstStyle/>
+          <a:p>
+            <a:r>
+              <a:rPr lang="en-US" dirty="0"/>
+              <a:t>Appendix 1</a:t>
+            </a:r>
+          </a:p>
+        </p:txBody>
+      </p:sp>
+      <p:pic>
+        <p:nvPicPr>
+          <p:cNvPr id="4" name="Picture 3">
+            <a:extLst>
+              <a:ext uri="{FF2B5EF4-FFF2-40B4-BE49-F238E27FC236}">
+                <a16:creationId xmlns:a16="http://schemas.microsoft.com/office/drawing/2014/main" id="{D77D7E89-1E7C-42BC-A9D2-2ED31EA6FC23}"/>
+              </a:ext>
+            </a:extLst>
+          </p:cNvPr>
+          <p:cNvPicPr/>
+          <p:nvPr/>
+        </p:nvPicPr>
+        <p:blipFill>
+          <a:blip r:embed="rId2"/>
+          <a:stretch>
+            <a:fillRect/>
+          </a:stretch>
+        </p:blipFill>
+        <p:spPr>
+          <a:xfrm>
+            <a:off x="1499191" y="1635745"/>
+            <a:ext cx="10005421" cy="4598145"/>
+          </a:xfrm>
+          <a:prstGeom prst="rect">
+            <a:avLst/>
+          </a:prstGeom>
+        </p:spPr>
+      </p:pic>
+    </p:spTree>
+    <p:extLst>
+      <p:ext uri="{BB962C8B-B14F-4D97-AF65-F5344CB8AC3E}">
+        <p14:creationId xmlns:p14="http://schemas.microsoft.com/office/powerpoint/2010/main" val="2642269764"/>
+      </p:ext>
+    </p:extLst>
+  </p:cSld>
+  <p:clrMapOvr>
+    <a:masterClrMapping/>
+  </p:clrMapOvr>
+</p:sld>
+</file>
+
+<file path=ppt/slides/slide13.xml><?xml version="1.0" encoding="utf-8"?>
+<p:sld xmlns:a="http://schemas.openxmlformats.org/drawingml/2006/main" xmlns:r="http://schemas.openxmlformats.org/officeDocument/2006/relationships" xmlns:p="http://schemas.openxmlformats.org/presentationml/2006/main">
+  <p:cSld>
+    <p:spTree>
+      <p:nvGrpSpPr>
+        <p:cNvPr id="1" name=""/>
+        <p:cNvGrpSpPr/>
+        <p:nvPr/>
+      </p:nvGrpSpPr>
+      <p:grpSpPr>
+        <a:xfrm>
+          <a:off x="0" y="0"/>
+          <a:ext cx="0" cy="0"/>
+          <a:chOff x="0" y="0"/>
+          <a:chExt cx="0" cy="0"/>
+        </a:xfrm>
+      </p:grpSpPr>
+      <p:sp>
+        <p:nvSpPr>
+          <p:cNvPr id="2" name="Title 1">
+            <a:extLst>
+              <a:ext uri="{FF2B5EF4-FFF2-40B4-BE49-F238E27FC236}">
+                <a16:creationId xmlns:a16="http://schemas.microsoft.com/office/drawing/2014/main" id="{EBE90984-9F83-4064-A297-0BA95E61966E}"/>
+              </a:ext>
+            </a:extLst>
+          </p:cNvPr>
+          <p:cNvSpPr>
+            <a:spLocks noGrp="1"/>
+          </p:cNvSpPr>
+          <p:nvPr>
+            <p:ph type="title"/>
+          </p:nvPr>
+        </p:nvSpPr>
+        <p:spPr/>
+        <p:txBody>
+          <a:bodyPr/>
+          <a:lstStyle/>
+          <a:p>
+            <a:r>
+              <a:rPr lang="en-US" dirty="0"/>
+              <a:t>Appendix 2</a:t>
+            </a:r>
+          </a:p>
+        </p:txBody>
+      </p:sp>
+      <p:sp>
+        <p:nvSpPr>
+          <p:cNvPr id="4" name="Flowchart: Connector 3">
+            <a:extLst>
+              <a:ext uri="{FF2B5EF4-FFF2-40B4-BE49-F238E27FC236}">
+                <a16:creationId xmlns:a16="http://schemas.microsoft.com/office/drawing/2014/main" id="{FF23ABF4-0164-4BA0-9734-B531D3C2205E}"/>
+              </a:ext>
+            </a:extLst>
+          </p:cNvPr>
+          <p:cNvSpPr/>
+          <p:nvPr/>
+        </p:nvSpPr>
+        <p:spPr>
+          <a:xfrm>
+            <a:off x="2660902" y="3550458"/>
+            <a:ext cx="1006547" cy="910333"/>
+          </a:xfrm>
+          <a:prstGeom prst="flowChartConnector">
+            <a:avLst/>
+          </a:prstGeom>
+        </p:spPr>
+        <p:style>
+          <a:lnRef idx="2">
+            <a:schemeClr val="accent1">
+              <a:shade val="50000"/>
+            </a:schemeClr>
+          </a:lnRef>
+          <a:fillRef idx="1">
+            <a:schemeClr val="accent1"/>
+          </a:fillRef>
+          <a:effectRef idx="0">
+            <a:schemeClr val="accent1"/>
+          </a:effectRef>
+          <a:fontRef idx="minor">
+            <a:schemeClr val="lt1"/>
+          </a:fontRef>
+        </p:style>
+        <p:txBody>
+          <a:bodyPr rtlCol="0" anchor="ctr"/>
+          <a:lstStyle/>
+          <a:p>
+            <a:pPr algn="ctr"/>
+            <a:r>
+              <a:rPr lang="en-US" sz="1050" dirty="0"/>
+              <a:t>Solution Provider #5</a:t>
+            </a:r>
+          </a:p>
+        </p:txBody>
+      </p:sp>
+      <p:sp>
+        <p:nvSpPr>
+          <p:cNvPr id="5" name="Flowchart: Connector 4">
+            <a:extLst>
+              <a:ext uri="{FF2B5EF4-FFF2-40B4-BE49-F238E27FC236}">
+                <a16:creationId xmlns:a16="http://schemas.microsoft.com/office/drawing/2014/main" id="{636F63F6-A4B2-4904-B756-226EB848403D}"/>
+              </a:ext>
+            </a:extLst>
+          </p:cNvPr>
+          <p:cNvSpPr/>
+          <p:nvPr/>
+        </p:nvSpPr>
+        <p:spPr>
+          <a:xfrm>
+            <a:off x="2995010" y="2614155"/>
+            <a:ext cx="1006547" cy="910333"/>
+          </a:xfrm>
+          <a:prstGeom prst="flowChartConnector">
+            <a:avLst/>
+          </a:prstGeom>
+        </p:spPr>
+        <p:style>
+          <a:lnRef idx="2">
+            <a:schemeClr val="accent1">
+              <a:shade val="50000"/>
+            </a:schemeClr>
+          </a:lnRef>
+          <a:fillRef idx="1">
+            <a:schemeClr val="accent1"/>
+          </a:fillRef>
+          <a:effectRef idx="0">
+            <a:schemeClr val="accent1"/>
+          </a:effectRef>
+          <a:fontRef idx="minor">
+            <a:schemeClr val="lt1"/>
+          </a:fontRef>
+        </p:style>
+        <p:txBody>
+          <a:bodyPr rtlCol="0" anchor="ctr"/>
+          <a:lstStyle/>
+          <a:p>
+            <a:pPr algn="ctr"/>
+            <a:r>
+              <a:rPr lang="en-US" sz="1000" dirty="0"/>
+              <a:t>Solution Provider #6</a:t>
+            </a:r>
+          </a:p>
+        </p:txBody>
+      </p:sp>
+      <p:sp>
+        <p:nvSpPr>
+          <p:cNvPr id="6" name="Flowchart: Connector 5">
+            <a:extLst>
+              <a:ext uri="{FF2B5EF4-FFF2-40B4-BE49-F238E27FC236}">
+                <a16:creationId xmlns:a16="http://schemas.microsoft.com/office/drawing/2014/main" id="{B13C883A-BE22-43D4-B3E9-C44B4ACB3FB4}"/>
+              </a:ext>
+            </a:extLst>
+          </p:cNvPr>
+          <p:cNvSpPr/>
+          <p:nvPr/>
+        </p:nvSpPr>
+        <p:spPr>
+          <a:xfrm>
+            <a:off x="3144424" y="4472179"/>
+            <a:ext cx="1006547" cy="910333"/>
+          </a:xfrm>
+          <a:prstGeom prst="flowChartConnector">
+            <a:avLst/>
+          </a:prstGeom>
+        </p:spPr>
+        <p:style>
+          <a:lnRef idx="2">
+            <a:schemeClr val="accent1">
+              <a:shade val="50000"/>
+            </a:schemeClr>
+          </a:lnRef>
+          <a:fillRef idx="1">
+            <a:schemeClr val="accent1"/>
+          </a:fillRef>
+          <a:effectRef idx="0">
+            <a:schemeClr val="accent1"/>
+          </a:effectRef>
+          <a:fontRef idx="minor">
+            <a:schemeClr val="lt1"/>
+          </a:fontRef>
+        </p:style>
+        <p:txBody>
+          <a:bodyPr rtlCol="0" anchor="ctr"/>
+          <a:lstStyle/>
+          <a:p>
+            <a:pPr algn="ctr"/>
+            <a:r>
+              <a:rPr lang="en-US" sz="1000" dirty="0"/>
+              <a:t>Solution Provider #4</a:t>
+            </a:r>
+          </a:p>
+        </p:txBody>
+      </p:sp>
+      <p:sp>
+        <p:nvSpPr>
+          <p:cNvPr id="7" name="Flowchart: Connector 6">
+            <a:extLst>
+              <a:ext uri="{FF2B5EF4-FFF2-40B4-BE49-F238E27FC236}">
+                <a16:creationId xmlns:a16="http://schemas.microsoft.com/office/drawing/2014/main" id="{E88F3469-BD7D-4BED-8230-6A741E56DD49}"/>
+              </a:ext>
+            </a:extLst>
+          </p:cNvPr>
+          <p:cNvSpPr/>
+          <p:nvPr/>
+        </p:nvSpPr>
+        <p:spPr>
+          <a:xfrm>
+            <a:off x="4335289" y="4431148"/>
+            <a:ext cx="1006544" cy="910330"/>
+          </a:xfrm>
+          <a:prstGeom prst="flowChartConnector">
+            <a:avLst/>
+          </a:prstGeom>
+        </p:spPr>
+        <p:style>
+          <a:lnRef idx="2">
+            <a:schemeClr val="accent1">
+              <a:shade val="50000"/>
+            </a:schemeClr>
+          </a:lnRef>
+          <a:fillRef idx="1">
+            <a:schemeClr val="accent1"/>
+          </a:fillRef>
+          <a:effectRef idx="0">
+            <a:schemeClr val="accent1"/>
+          </a:effectRef>
+          <a:fontRef idx="minor">
+            <a:schemeClr val="lt1"/>
+          </a:fontRef>
+        </p:style>
+        <p:txBody>
+          <a:bodyPr rtlCol="0" anchor="ctr"/>
+          <a:lstStyle/>
+          <a:p>
+            <a:pPr algn="ctr"/>
+            <a:r>
+              <a:rPr lang="en-US" sz="1050" dirty="0"/>
+              <a:t>Solution Provider #3</a:t>
+            </a:r>
+          </a:p>
+        </p:txBody>
+      </p:sp>
+      <p:sp>
+        <p:nvSpPr>
+          <p:cNvPr id="8" name="Flowchart: Connector 7">
+            <a:extLst>
+              <a:ext uri="{FF2B5EF4-FFF2-40B4-BE49-F238E27FC236}">
+                <a16:creationId xmlns:a16="http://schemas.microsoft.com/office/drawing/2014/main" id="{6F25CB73-F93F-44B2-BFC3-AC2D00979861}"/>
+              </a:ext>
+            </a:extLst>
+          </p:cNvPr>
+          <p:cNvSpPr/>
+          <p:nvPr/>
+        </p:nvSpPr>
+        <p:spPr>
+          <a:xfrm>
+            <a:off x="4721142" y="3520815"/>
+            <a:ext cx="1006547" cy="910333"/>
+          </a:xfrm>
+          <a:prstGeom prst="flowChartConnector">
+            <a:avLst/>
+          </a:prstGeom>
+        </p:spPr>
+        <p:style>
+          <a:lnRef idx="2">
+            <a:schemeClr val="accent1">
+              <a:shade val="50000"/>
+            </a:schemeClr>
+          </a:lnRef>
+          <a:fillRef idx="1">
+            <a:schemeClr val="accent1"/>
+          </a:fillRef>
+          <a:effectRef idx="0">
+            <a:schemeClr val="accent1"/>
+          </a:effectRef>
+          <a:fontRef idx="minor">
+            <a:schemeClr val="lt1"/>
+          </a:fontRef>
+        </p:style>
+        <p:txBody>
+          <a:bodyPr rtlCol="0" anchor="ctr"/>
+          <a:lstStyle/>
+          <a:p>
+            <a:pPr algn="ctr"/>
+            <a:r>
+              <a:rPr lang="en-US" sz="1050" dirty="0"/>
+              <a:t>Solution Provider #2</a:t>
+            </a:r>
+          </a:p>
+        </p:txBody>
+      </p:sp>
+      <p:sp>
+        <p:nvSpPr>
+          <p:cNvPr id="9" name="Flowchart: Connector 8">
+            <a:extLst>
+              <a:ext uri="{FF2B5EF4-FFF2-40B4-BE49-F238E27FC236}">
+                <a16:creationId xmlns:a16="http://schemas.microsoft.com/office/drawing/2014/main" id="{C4FCE537-8EC5-476C-B3EF-2DCF42C327F1}"/>
+              </a:ext>
+            </a:extLst>
+          </p:cNvPr>
+          <p:cNvSpPr/>
+          <p:nvPr/>
+        </p:nvSpPr>
+        <p:spPr>
+          <a:xfrm>
+            <a:off x="4371466" y="2612319"/>
+            <a:ext cx="1006547" cy="910333"/>
+          </a:xfrm>
+          <a:prstGeom prst="flowChartConnector">
+            <a:avLst/>
+          </a:prstGeom>
+        </p:spPr>
+        <p:style>
+          <a:lnRef idx="2">
+            <a:schemeClr val="accent1">
+              <a:shade val="50000"/>
+            </a:schemeClr>
+          </a:lnRef>
+          <a:fillRef idx="1">
+            <a:schemeClr val="accent1"/>
+          </a:fillRef>
+          <a:effectRef idx="0">
+            <a:schemeClr val="accent1"/>
+          </a:effectRef>
+          <a:fontRef idx="minor">
+            <a:schemeClr val="lt1"/>
+          </a:fontRef>
+        </p:style>
+        <p:txBody>
+          <a:bodyPr rtlCol="0" anchor="ctr"/>
+          <a:lstStyle/>
+          <a:p>
+            <a:pPr algn="ctr"/>
+            <a:r>
+              <a:rPr lang="en-US" sz="1050" dirty="0"/>
+              <a:t>Solution Provider #1</a:t>
+            </a:r>
+            <a:endParaRPr lang="en-US" sz="500" dirty="0"/>
+          </a:p>
+        </p:txBody>
+      </p:sp>
+      <p:cxnSp>
+        <p:nvCxnSpPr>
+          <p:cNvPr id="10" name="Straight Arrow Connector 9">
+            <a:extLst>
+              <a:ext uri="{FF2B5EF4-FFF2-40B4-BE49-F238E27FC236}">
+                <a16:creationId xmlns:a16="http://schemas.microsoft.com/office/drawing/2014/main" id="{E1138434-C462-42DF-88BD-09CBA609C82A}"/>
+              </a:ext>
+            </a:extLst>
+          </p:cNvPr>
+          <p:cNvCxnSpPr>
+            <a:cxnSpLocks/>
+            <a:stCxn id="9" idx="3"/>
+            <a:endCxn id="6" idx="7"/>
+          </p:cNvCxnSpPr>
+          <p:nvPr/>
+        </p:nvCxnSpPr>
+        <p:spPr>
+          <a:xfrm flipH="1">
+            <a:off x="4003566" y="3389337"/>
+            <a:ext cx="515305" cy="1216157"/>
+          </a:xfrm>
+          <a:prstGeom prst="straightConnector1">
+            <a:avLst/>
+          </a:prstGeom>
+          <a:ln>
+            <a:tailEnd type="triangle"/>
+          </a:ln>
+        </p:spPr>
+        <p:style>
+          <a:lnRef idx="1">
+            <a:schemeClr val="accent1"/>
+          </a:lnRef>
+          <a:fillRef idx="0">
+            <a:schemeClr val="accent1"/>
+          </a:fillRef>
+          <a:effectRef idx="0">
+            <a:schemeClr val="accent1"/>
+          </a:effectRef>
+          <a:fontRef idx="minor">
+            <a:schemeClr val="tx1"/>
+          </a:fontRef>
+        </p:style>
+      </p:cxnSp>
+      <p:cxnSp>
+        <p:nvCxnSpPr>
+          <p:cNvPr id="11" name="Straight Arrow Connector 10">
+            <a:extLst>
+              <a:ext uri="{FF2B5EF4-FFF2-40B4-BE49-F238E27FC236}">
+                <a16:creationId xmlns:a16="http://schemas.microsoft.com/office/drawing/2014/main" id="{12F1D898-0E45-4484-BD28-2D2464487E5C}"/>
+              </a:ext>
+            </a:extLst>
+          </p:cNvPr>
+          <p:cNvCxnSpPr>
+            <a:cxnSpLocks/>
+            <a:stCxn id="9" idx="3"/>
+            <a:endCxn id="4" idx="6"/>
+          </p:cNvCxnSpPr>
+          <p:nvPr/>
+        </p:nvCxnSpPr>
+        <p:spPr>
+          <a:xfrm flipH="1">
+            <a:off x="3667449" y="3389337"/>
+            <a:ext cx="851422" cy="616288"/>
+          </a:xfrm>
+          <a:prstGeom prst="straightConnector1">
+            <a:avLst/>
+          </a:prstGeom>
+          <a:ln>
+            <a:tailEnd type="triangle"/>
+          </a:ln>
+        </p:spPr>
+        <p:style>
+          <a:lnRef idx="1">
+            <a:schemeClr val="accent1"/>
+          </a:lnRef>
+          <a:fillRef idx="0">
+            <a:schemeClr val="accent1"/>
+          </a:fillRef>
+          <a:effectRef idx="0">
+            <a:schemeClr val="accent1"/>
+          </a:effectRef>
+          <a:fontRef idx="minor">
+            <a:schemeClr val="tx1"/>
+          </a:fontRef>
+        </p:style>
+      </p:cxnSp>
+      <p:cxnSp>
+        <p:nvCxnSpPr>
+          <p:cNvPr id="12" name="Straight Arrow Connector 11">
+            <a:extLst>
+              <a:ext uri="{FF2B5EF4-FFF2-40B4-BE49-F238E27FC236}">
+                <a16:creationId xmlns:a16="http://schemas.microsoft.com/office/drawing/2014/main" id="{83CA85F6-BEED-47B2-9B1F-836AE7DB49B8}"/>
+              </a:ext>
+            </a:extLst>
+          </p:cNvPr>
+          <p:cNvCxnSpPr>
+            <a:cxnSpLocks/>
+            <a:stCxn id="9" idx="3"/>
+            <a:endCxn id="5" idx="5"/>
+          </p:cNvCxnSpPr>
+          <p:nvPr/>
+        </p:nvCxnSpPr>
+        <p:spPr>
+          <a:xfrm flipH="1">
+            <a:off x="3854152" y="3389337"/>
+            <a:ext cx="664719" cy="1836"/>
+          </a:xfrm>
+          <a:prstGeom prst="straightConnector1">
+            <a:avLst/>
+          </a:prstGeom>
+          <a:ln>
+            <a:tailEnd type="triangle"/>
+          </a:ln>
+        </p:spPr>
+        <p:style>
+          <a:lnRef idx="1">
+            <a:schemeClr val="accent1"/>
+          </a:lnRef>
+          <a:fillRef idx="0">
+            <a:schemeClr val="accent1"/>
+          </a:fillRef>
+          <a:effectRef idx="0">
+            <a:schemeClr val="accent1"/>
+          </a:effectRef>
+          <a:fontRef idx="minor">
+            <a:schemeClr val="tx1"/>
+          </a:fontRef>
+        </p:style>
+      </p:cxnSp>
+      <p:cxnSp>
+        <p:nvCxnSpPr>
+          <p:cNvPr id="13" name="Straight Arrow Connector 12">
+            <a:extLst>
+              <a:ext uri="{FF2B5EF4-FFF2-40B4-BE49-F238E27FC236}">
+                <a16:creationId xmlns:a16="http://schemas.microsoft.com/office/drawing/2014/main" id="{BA85F5AB-6951-4263-840B-57095CECB862}"/>
+              </a:ext>
+            </a:extLst>
+          </p:cNvPr>
+          <p:cNvCxnSpPr>
+            <a:cxnSpLocks/>
+            <a:stCxn id="9" idx="3"/>
+            <a:endCxn id="8" idx="2"/>
+          </p:cNvCxnSpPr>
+          <p:nvPr/>
+        </p:nvCxnSpPr>
+        <p:spPr>
+          <a:xfrm>
+            <a:off x="4518871" y="3389337"/>
+            <a:ext cx="202271" cy="586645"/>
+          </a:xfrm>
+          <a:prstGeom prst="straightConnector1">
+            <a:avLst/>
+          </a:prstGeom>
+          <a:ln>
+            <a:tailEnd type="triangle"/>
+          </a:ln>
+        </p:spPr>
+        <p:style>
+          <a:lnRef idx="1">
+            <a:schemeClr val="accent1"/>
+          </a:lnRef>
+          <a:fillRef idx="0">
+            <a:schemeClr val="accent1"/>
+          </a:fillRef>
+          <a:effectRef idx="0">
+            <a:schemeClr val="accent1"/>
+          </a:effectRef>
+          <a:fontRef idx="minor">
+            <a:schemeClr val="tx1"/>
+          </a:fontRef>
+        </p:style>
+      </p:cxnSp>
+      <p:cxnSp>
+        <p:nvCxnSpPr>
+          <p:cNvPr id="14" name="Straight Arrow Connector 13">
+            <a:extLst>
+              <a:ext uri="{FF2B5EF4-FFF2-40B4-BE49-F238E27FC236}">
+                <a16:creationId xmlns:a16="http://schemas.microsoft.com/office/drawing/2014/main" id="{35BEFA3A-8C62-4A69-9C94-86642B6DD658}"/>
+              </a:ext>
+            </a:extLst>
+          </p:cNvPr>
+          <p:cNvCxnSpPr>
+            <a:cxnSpLocks/>
+            <a:stCxn id="7" idx="1"/>
+            <a:endCxn id="6" idx="7"/>
+          </p:cNvCxnSpPr>
+          <p:nvPr/>
+        </p:nvCxnSpPr>
+        <p:spPr>
+          <a:xfrm flipH="1">
+            <a:off x="4003566" y="4564463"/>
+            <a:ext cx="479128" cy="41031"/>
+          </a:xfrm>
+          <a:prstGeom prst="straightConnector1">
+            <a:avLst/>
+          </a:prstGeom>
+          <a:ln>
+            <a:tailEnd type="triangle"/>
+          </a:ln>
+        </p:spPr>
+        <p:style>
+          <a:lnRef idx="1">
+            <a:schemeClr val="accent1"/>
+          </a:lnRef>
+          <a:fillRef idx="0">
+            <a:schemeClr val="accent1"/>
+          </a:fillRef>
+          <a:effectRef idx="0">
+            <a:schemeClr val="accent1"/>
+          </a:effectRef>
+          <a:fontRef idx="minor">
+            <a:schemeClr val="tx1"/>
+          </a:fontRef>
+        </p:style>
+      </p:cxnSp>
+      <p:cxnSp>
+        <p:nvCxnSpPr>
+          <p:cNvPr id="15" name="Straight Arrow Connector 14">
+            <a:extLst>
+              <a:ext uri="{FF2B5EF4-FFF2-40B4-BE49-F238E27FC236}">
+                <a16:creationId xmlns:a16="http://schemas.microsoft.com/office/drawing/2014/main" id="{ABA5075D-25D1-4D93-BEAA-6A108495AD17}"/>
+              </a:ext>
+            </a:extLst>
+          </p:cNvPr>
+          <p:cNvCxnSpPr>
+            <a:cxnSpLocks/>
+            <a:stCxn id="7" idx="1"/>
+            <a:endCxn id="4" idx="6"/>
+          </p:cNvCxnSpPr>
+          <p:nvPr/>
+        </p:nvCxnSpPr>
+        <p:spPr>
+          <a:xfrm flipH="1" flipV="1">
+            <a:off x="3667449" y="4005625"/>
+            <a:ext cx="815245" cy="558838"/>
+          </a:xfrm>
+          <a:prstGeom prst="straightConnector1">
+            <a:avLst/>
+          </a:prstGeom>
+          <a:ln>
+            <a:tailEnd type="triangle"/>
+          </a:ln>
+        </p:spPr>
+        <p:style>
+          <a:lnRef idx="1">
+            <a:schemeClr val="accent1"/>
+          </a:lnRef>
+          <a:fillRef idx="0">
+            <a:schemeClr val="accent1"/>
+          </a:fillRef>
+          <a:effectRef idx="0">
+            <a:schemeClr val="accent1"/>
+          </a:effectRef>
+          <a:fontRef idx="minor">
+            <a:schemeClr val="tx1"/>
+          </a:fontRef>
+        </p:style>
+      </p:cxnSp>
+      <p:cxnSp>
+        <p:nvCxnSpPr>
+          <p:cNvPr id="16" name="Straight Arrow Connector 15">
+            <a:extLst>
+              <a:ext uri="{FF2B5EF4-FFF2-40B4-BE49-F238E27FC236}">
+                <a16:creationId xmlns:a16="http://schemas.microsoft.com/office/drawing/2014/main" id="{C6D9284C-58E7-4E93-B146-5FC22CB6692A}"/>
+              </a:ext>
+            </a:extLst>
+          </p:cNvPr>
+          <p:cNvCxnSpPr>
+            <a:cxnSpLocks/>
+            <a:stCxn id="7" idx="1"/>
+            <a:endCxn id="5" idx="5"/>
+          </p:cNvCxnSpPr>
+          <p:nvPr/>
+        </p:nvCxnSpPr>
+        <p:spPr>
+          <a:xfrm flipH="1" flipV="1">
+            <a:off x="3854152" y="3391173"/>
+            <a:ext cx="628542" cy="1173290"/>
+          </a:xfrm>
+          <a:prstGeom prst="straightConnector1">
+            <a:avLst/>
+          </a:prstGeom>
+          <a:ln>
+            <a:tailEnd type="triangle"/>
+          </a:ln>
+        </p:spPr>
+        <p:style>
+          <a:lnRef idx="1">
+            <a:schemeClr val="accent1"/>
+          </a:lnRef>
+          <a:fillRef idx="0">
+            <a:schemeClr val="accent1"/>
+          </a:fillRef>
+          <a:effectRef idx="0">
+            <a:schemeClr val="accent1"/>
+          </a:effectRef>
+          <a:fontRef idx="minor">
+            <a:schemeClr val="tx1"/>
+          </a:fontRef>
+        </p:style>
+      </p:cxnSp>
+      <p:cxnSp>
+        <p:nvCxnSpPr>
+          <p:cNvPr id="17" name="Straight Arrow Connector 16">
+            <a:extLst>
+              <a:ext uri="{FF2B5EF4-FFF2-40B4-BE49-F238E27FC236}">
+                <a16:creationId xmlns:a16="http://schemas.microsoft.com/office/drawing/2014/main" id="{983802E5-9D5C-4262-9072-E995A853F20C}"/>
+              </a:ext>
+            </a:extLst>
+          </p:cNvPr>
+          <p:cNvCxnSpPr>
+            <a:cxnSpLocks/>
+            <a:stCxn id="7" idx="1"/>
+            <a:endCxn id="8" idx="2"/>
+          </p:cNvCxnSpPr>
+          <p:nvPr/>
+        </p:nvCxnSpPr>
+        <p:spPr>
+          <a:xfrm flipV="1">
+            <a:off x="4482694" y="3975982"/>
+            <a:ext cx="238448" cy="588481"/>
+          </a:xfrm>
+          <a:prstGeom prst="straightConnector1">
+            <a:avLst/>
+          </a:prstGeom>
+          <a:ln>
+            <a:tailEnd type="triangle"/>
+          </a:ln>
+        </p:spPr>
+        <p:style>
+          <a:lnRef idx="1">
+            <a:schemeClr val="accent1"/>
+          </a:lnRef>
+          <a:fillRef idx="0">
+            <a:schemeClr val="accent1"/>
+          </a:fillRef>
+          <a:effectRef idx="0">
+            <a:schemeClr val="accent1"/>
+          </a:effectRef>
+          <a:fontRef idx="minor">
+            <a:schemeClr val="tx1"/>
+          </a:fontRef>
+        </p:style>
+      </p:cxnSp>
+      <p:cxnSp>
+        <p:nvCxnSpPr>
+          <p:cNvPr id="18" name="Straight Arrow Connector 17">
+            <a:extLst>
+              <a:ext uri="{FF2B5EF4-FFF2-40B4-BE49-F238E27FC236}">
+                <a16:creationId xmlns:a16="http://schemas.microsoft.com/office/drawing/2014/main" id="{8A6C0E3D-0A33-4A15-95E6-2E5DCE3211CE}"/>
+              </a:ext>
+            </a:extLst>
+          </p:cNvPr>
+          <p:cNvCxnSpPr>
+            <a:cxnSpLocks/>
+            <a:stCxn id="4" idx="6"/>
+            <a:endCxn id="6" idx="7"/>
+          </p:cNvCxnSpPr>
+          <p:nvPr/>
+        </p:nvCxnSpPr>
+        <p:spPr>
+          <a:xfrm>
+            <a:off x="3667449" y="4005625"/>
+            <a:ext cx="336117" cy="599869"/>
+          </a:xfrm>
+          <a:prstGeom prst="straightConnector1">
+            <a:avLst/>
+          </a:prstGeom>
+          <a:ln>
+            <a:tailEnd type="triangle"/>
+          </a:ln>
+        </p:spPr>
+        <p:style>
+          <a:lnRef idx="1">
+            <a:schemeClr val="accent1"/>
+          </a:lnRef>
+          <a:fillRef idx="0">
+            <a:schemeClr val="accent1"/>
+          </a:fillRef>
+          <a:effectRef idx="0">
+            <a:schemeClr val="accent1"/>
+          </a:effectRef>
+          <a:fontRef idx="minor">
+            <a:schemeClr val="tx1"/>
+          </a:fontRef>
+        </p:style>
+      </p:cxnSp>
+      <p:cxnSp>
+        <p:nvCxnSpPr>
+          <p:cNvPr id="19" name="Straight Arrow Connector 18">
+            <a:extLst>
+              <a:ext uri="{FF2B5EF4-FFF2-40B4-BE49-F238E27FC236}">
+                <a16:creationId xmlns:a16="http://schemas.microsoft.com/office/drawing/2014/main" id="{C4459A9F-C38F-4E24-921D-5F304C46EB9A}"/>
+              </a:ext>
+            </a:extLst>
+          </p:cNvPr>
+          <p:cNvCxnSpPr>
+            <a:cxnSpLocks/>
+            <a:stCxn id="4" idx="6"/>
+            <a:endCxn id="5" idx="5"/>
+          </p:cNvCxnSpPr>
+          <p:nvPr/>
+        </p:nvCxnSpPr>
+        <p:spPr>
+          <a:xfrm flipV="1">
+            <a:off x="3667449" y="3391173"/>
+            <a:ext cx="186703" cy="614452"/>
+          </a:xfrm>
+          <a:prstGeom prst="straightConnector1">
+            <a:avLst/>
+          </a:prstGeom>
+          <a:ln>
+            <a:tailEnd type="triangle"/>
+          </a:ln>
+        </p:spPr>
+        <p:style>
+          <a:lnRef idx="1">
+            <a:schemeClr val="accent1"/>
+          </a:lnRef>
+          <a:fillRef idx="0">
+            <a:schemeClr val="accent1"/>
+          </a:fillRef>
+          <a:effectRef idx="0">
+            <a:schemeClr val="accent1"/>
+          </a:effectRef>
+          <a:fontRef idx="minor">
+            <a:schemeClr val="tx1"/>
+          </a:fontRef>
+        </p:style>
+      </p:cxnSp>
+      <p:cxnSp>
+        <p:nvCxnSpPr>
+          <p:cNvPr id="20" name="Straight Arrow Connector 19">
+            <a:extLst>
+              <a:ext uri="{FF2B5EF4-FFF2-40B4-BE49-F238E27FC236}">
+                <a16:creationId xmlns:a16="http://schemas.microsoft.com/office/drawing/2014/main" id="{F61B6248-84C6-4968-9CC9-9CC418E35105}"/>
+              </a:ext>
+            </a:extLst>
+          </p:cNvPr>
+          <p:cNvCxnSpPr>
+            <a:cxnSpLocks/>
+            <a:stCxn id="4" idx="6"/>
+            <a:endCxn id="8" idx="2"/>
+          </p:cNvCxnSpPr>
+          <p:nvPr/>
+        </p:nvCxnSpPr>
+        <p:spPr>
+          <a:xfrm flipV="1">
+            <a:off x="3667449" y="3975982"/>
+            <a:ext cx="1053693" cy="29643"/>
+          </a:xfrm>
+          <a:prstGeom prst="straightConnector1">
+            <a:avLst/>
+          </a:prstGeom>
+          <a:ln>
+            <a:tailEnd type="triangle"/>
+          </a:ln>
+        </p:spPr>
+        <p:style>
+          <a:lnRef idx="1">
+            <a:schemeClr val="accent1"/>
+          </a:lnRef>
+          <a:fillRef idx="0">
+            <a:schemeClr val="accent1"/>
+          </a:fillRef>
+          <a:effectRef idx="0">
+            <a:schemeClr val="accent1"/>
+          </a:effectRef>
+          <a:fontRef idx="minor">
+            <a:schemeClr val="tx1"/>
+          </a:fontRef>
+        </p:style>
+      </p:cxnSp>
+      <p:cxnSp>
+        <p:nvCxnSpPr>
+          <p:cNvPr id="21" name="Straight Arrow Connector 20">
+            <a:extLst>
+              <a:ext uri="{FF2B5EF4-FFF2-40B4-BE49-F238E27FC236}">
+                <a16:creationId xmlns:a16="http://schemas.microsoft.com/office/drawing/2014/main" id="{B7020513-1D1C-4DB8-B0DB-47EAD2F25654}"/>
+              </a:ext>
+            </a:extLst>
+          </p:cNvPr>
+          <p:cNvCxnSpPr>
+            <a:cxnSpLocks/>
+            <a:stCxn id="6" idx="7"/>
+            <a:endCxn id="8" idx="2"/>
+          </p:cNvCxnSpPr>
+          <p:nvPr/>
+        </p:nvCxnSpPr>
+        <p:spPr>
+          <a:xfrm flipV="1">
+            <a:off x="4003566" y="3975982"/>
+            <a:ext cx="717576" cy="629512"/>
+          </a:xfrm>
+          <a:prstGeom prst="straightConnector1">
+            <a:avLst/>
+          </a:prstGeom>
+          <a:ln>
+            <a:tailEnd type="triangle"/>
+          </a:ln>
+        </p:spPr>
+        <p:style>
+          <a:lnRef idx="1">
+            <a:schemeClr val="accent1"/>
+          </a:lnRef>
+          <a:fillRef idx="0">
+            <a:schemeClr val="accent1"/>
+          </a:fillRef>
+          <a:effectRef idx="0">
+            <a:schemeClr val="accent1"/>
+          </a:effectRef>
+          <a:fontRef idx="minor">
+            <a:schemeClr val="tx1"/>
+          </a:fontRef>
+        </p:style>
+      </p:cxnSp>
+      <p:cxnSp>
+        <p:nvCxnSpPr>
+          <p:cNvPr id="22" name="Straight Arrow Connector 21">
+            <a:extLst>
+              <a:ext uri="{FF2B5EF4-FFF2-40B4-BE49-F238E27FC236}">
+                <a16:creationId xmlns:a16="http://schemas.microsoft.com/office/drawing/2014/main" id="{BDEE6120-7F7E-4B40-90B9-4E80DE8D6B0F}"/>
+              </a:ext>
+            </a:extLst>
+          </p:cNvPr>
+          <p:cNvCxnSpPr>
+            <a:cxnSpLocks/>
+            <a:stCxn id="6" idx="7"/>
+            <a:endCxn id="4" idx="6"/>
+          </p:cNvCxnSpPr>
+          <p:nvPr/>
+        </p:nvCxnSpPr>
+        <p:spPr>
+          <a:xfrm flipH="1" flipV="1">
+            <a:off x="3667449" y="4005625"/>
+            <a:ext cx="336117" cy="599869"/>
+          </a:xfrm>
+          <a:prstGeom prst="straightConnector1">
+            <a:avLst/>
+          </a:prstGeom>
+          <a:ln>
+            <a:tailEnd type="triangle"/>
+          </a:ln>
+        </p:spPr>
+        <p:style>
+          <a:lnRef idx="1">
+            <a:schemeClr val="accent1"/>
+          </a:lnRef>
+          <a:fillRef idx="0">
+            <a:schemeClr val="accent1"/>
+          </a:fillRef>
+          <a:effectRef idx="0">
+            <a:schemeClr val="accent1"/>
+          </a:effectRef>
+          <a:fontRef idx="minor">
+            <a:schemeClr val="tx1"/>
+          </a:fontRef>
+        </p:style>
+      </p:cxnSp>
+      <p:cxnSp>
+        <p:nvCxnSpPr>
+          <p:cNvPr id="23" name="Straight Arrow Connector 22">
+            <a:extLst>
+              <a:ext uri="{FF2B5EF4-FFF2-40B4-BE49-F238E27FC236}">
+                <a16:creationId xmlns:a16="http://schemas.microsoft.com/office/drawing/2014/main" id="{D597BFC5-3C0C-466F-BFE0-D6FCFB87DDB5}"/>
+              </a:ext>
+            </a:extLst>
+          </p:cNvPr>
+          <p:cNvCxnSpPr>
+            <a:cxnSpLocks/>
+            <a:stCxn id="6" idx="7"/>
+            <a:endCxn id="5" idx="5"/>
+          </p:cNvCxnSpPr>
+          <p:nvPr/>
+        </p:nvCxnSpPr>
+        <p:spPr>
+          <a:xfrm flipH="1" flipV="1">
+            <a:off x="3854152" y="3391173"/>
+            <a:ext cx="149414" cy="1214321"/>
+          </a:xfrm>
+          <a:prstGeom prst="straightConnector1">
+            <a:avLst/>
+          </a:prstGeom>
+          <a:ln>
+            <a:tailEnd type="triangle"/>
+          </a:ln>
+        </p:spPr>
+        <p:style>
+          <a:lnRef idx="1">
+            <a:schemeClr val="accent1"/>
+          </a:lnRef>
+          <a:fillRef idx="0">
+            <a:schemeClr val="accent1"/>
+          </a:fillRef>
+          <a:effectRef idx="0">
+            <a:schemeClr val="accent1"/>
+          </a:effectRef>
+          <a:fontRef idx="minor">
+            <a:schemeClr val="tx1"/>
+          </a:fontRef>
+        </p:style>
+      </p:cxnSp>
+      <p:cxnSp>
+        <p:nvCxnSpPr>
+          <p:cNvPr id="24" name="Straight Arrow Connector 23">
+            <a:extLst>
+              <a:ext uri="{FF2B5EF4-FFF2-40B4-BE49-F238E27FC236}">
+                <a16:creationId xmlns:a16="http://schemas.microsoft.com/office/drawing/2014/main" id="{F1C78E6A-6B62-4CC0-AB20-E0988038A7A7}"/>
+              </a:ext>
+            </a:extLst>
+          </p:cNvPr>
+          <p:cNvCxnSpPr>
+            <a:cxnSpLocks/>
+            <a:stCxn id="5" idx="5"/>
+            <a:endCxn id="8" idx="2"/>
+          </p:cNvCxnSpPr>
+          <p:nvPr/>
+        </p:nvCxnSpPr>
+        <p:spPr>
+          <a:xfrm>
+            <a:off x="3854152" y="3391173"/>
+            <a:ext cx="866990" cy="584809"/>
+          </a:xfrm>
+          <a:prstGeom prst="straightConnector1">
+            <a:avLst/>
+          </a:prstGeom>
+          <a:ln>
+            <a:tailEnd type="triangle"/>
+          </a:ln>
+        </p:spPr>
+        <p:style>
+          <a:lnRef idx="1">
+            <a:schemeClr val="accent1"/>
+          </a:lnRef>
+          <a:fillRef idx="0">
+            <a:schemeClr val="accent1"/>
+          </a:fillRef>
+          <a:effectRef idx="0">
+            <a:schemeClr val="accent1"/>
+          </a:effectRef>
+          <a:fontRef idx="minor">
+            <a:schemeClr val="tx1"/>
+          </a:fontRef>
+        </p:style>
+      </p:cxnSp>
+      <p:cxnSp>
+        <p:nvCxnSpPr>
+          <p:cNvPr id="25" name="Straight Arrow Connector 24">
+            <a:extLst>
+              <a:ext uri="{FF2B5EF4-FFF2-40B4-BE49-F238E27FC236}">
+                <a16:creationId xmlns:a16="http://schemas.microsoft.com/office/drawing/2014/main" id="{247A80D6-B647-455D-B075-A0B74B013B7C}"/>
+              </a:ext>
+            </a:extLst>
+          </p:cNvPr>
+          <p:cNvCxnSpPr>
+            <a:cxnSpLocks/>
+            <a:stCxn id="5" idx="5"/>
+            <a:endCxn id="4" idx="6"/>
+          </p:cNvCxnSpPr>
+          <p:nvPr/>
+        </p:nvCxnSpPr>
+        <p:spPr>
+          <a:xfrm flipH="1">
+            <a:off x="3667449" y="3391173"/>
+            <a:ext cx="186703" cy="614452"/>
+          </a:xfrm>
+          <a:prstGeom prst="straightConnector1">
+            <a:avLst/>
+          </a:prstGeom>
+          <a:ln>
+            <a:tailEnd type="triangle"/>
+          </a:ln>
+        </p:spPr>
+        <p:style>
+          <a:lnRef idx="1">
+            <a:schemeClr val="accent1"/>
+          </a:lnRef>
+          <a:fillRef idx="0">
+            <a:schemeClr val="accent1"/>
+          </a:fillRef>
+          <a:effectRef idx="0">
+            <a:schemeClr val="accent1"/>
+          </a:effectRef>
+          <a:fontRef idx="minor">
+            <a:schemeClr val="tx1"/>
+          </a:fontRef>
+        </p:style>
+      </p:cxnSp>
+      <p:cxnSp>
+        <p:nvCxnSpPr>
+          <p:cNvPr id="26" name="Straight Arrow Connector 25">
+            <a:extLst>
+              <a:ext uri="{FF2B5EF4-FFF2-40B4-BE49-F238E27FC236}">
+                <a16:creationId xmlns:a16="http://schemas.microsoft.com/office/drawing/2014/main" id="{27ADB324-AD6C-47BB-A8C3-A88F5D14C714}"/>
+              </a:ext>
+            </a:extLst>
+          </p:cNvPr>
+          <p:cNvCxnSpPr>
+            <a:cxnSpLocks/>
+            <a:stCxn id="5" idx="5"/>
+            <a:endCxn id="6" idx="7"/>
+          </p:cNvCxnSpPr>
+          <p:nvPr/>
+        </p:nvCxnSpPr>
+        <p:spPr>
+          <a:xfrm>
+            <a:off x="3854152" y="3391173"/>
+            <a:ext cx="149414" cy="1214321"/>
+          </a:xfrm>
+          <a:prstGeom prst="straightConnector1">
+            <a:avLst/>
+          </a:prstGeom>
+          <a:ln>
+            <a:tailEnd type="triangle"/>
+          </a:ln>
+        </p:spPr>
+        <p:style>
+          <a:lnRef idx="1">
+            <a:schemeClr val="accent1"/>
+          </a:lnRef>
+          <a:fillRef idx="0">
+            <a:schemeClr val="accent1"/>
+          </a:fillRef>
+          <a:effectRef idx="0">
+            <a:schemeClr val="accent1"/>
+          </a:effectRef>
+          <a:fontRef idx="minor">
+            <a:schemeClr val="tx1"/>
+          </a:fontRef>
+        </p:style>
+      </p:cxnSp>
+      <p:sp>
+        <p:nvSpPr>
+          <p:cNvPr id="27" name="Flowchart: Connector 26">
+            <a:extLst>
+              <a:ext uri="{FF2B5EF4-FFF2-40B4-BE49-F238E27FC236}">
+                <a16:creationId xmlns:a16="http://schemas.microsoft.com/office/drawing/2014/main" id="{610D22CA-5D17-4479-862B-03FFC3194F31}"/>
+              </a:ext>
+            </a:extLst>
+          </p:cNvPr>
+          <p:cNvSpPr/>
+          <p:nvPr/>
+        </p:nvSpPr>
+        <p:spPr>
+          <a:xfrm>
+            <a:off x="6509126" y="3591780"/>
+            <a:ext cx="1006547" cy="910333"/>
+          </a:xfrm>
+          <a:prstGeom prst="flowChartConnector">
+            <a:avLst/>
+          </a:prstGeom>
+        </p:spPr>
+        <p:style>
+          <a:lnRef idx="2">
+            <a:schemeClr val="accent1">
+              <a:shade val="50000"/>
+            </a:schemeClr>
+          </a:lnRef>
+          <a:fillRef idx="1">
+            <a:schemeClr val="accent1"/>
+          </a:fillRef>
+          <a:effectRef idx="0">
+            <a:schemeClr val="accent1"/>
+          </a:effectRef>
+          <a:fontRef idx="minor">
+            <a:schemeClr val="lt1"/>
+          </a:fontRef>
+        </p:style>
+        <p:txBody>
+          <a:bodyPr rtlCol="0" anchor="ctr"/>
+          <a:lstStyle/>
+          <a:p>
+            <a:pPr algn="ctr"/>
+            <a:r>
+              <a:rPr lang="en-US" sz="1000" dirty="0"/>
+              <a:t>Solution Provider #5</a:t>
+            </a:r>
+            <a:endParaRPr lang="en-US" sz="200" dirty="0"/>
+          </a:p>
+        </p:txBody>
+      </p:sp>
+      <p:sp>
+        <p:nvSpPr>
+          <p:cNvPr id="28" name="Flowchart: Connector 27">
+            <a:extLst>
+              <a:ext uri="{FF2B5EF4-FFF2-40B4-BE49-F238E27FC236}">
+                <a16:creationId xmlns:a16="http://schemas.microsoft.com/office/drawing/2014/main" id="{F4C9A750-A5B1-41C8-858B-AB1ABCAD3AD3}"/>
+              </a:ext>
+            </a:extLst>
+          </p:cNvPr>
+          <p:cNvSpPr/>
+          <p:nvPr/>
+        </p:nvSpPr>
+        <p:spPr>
+          <a:xfrm>
+            <a:off x="6940736" y="2725107"/>
+            <a:ext cx="1006547" cy="910333"/>
+          </a:xfrm>
+          <a:prstGeom prst="flowChartConnector">
+            <a:avLst/>
+          </a:prstGeom>
+        </p:spPr>
+        <p:style>
+          <a:lnRef idx="2">
+            <a:schemeClr val="accent1">
+              <a:shade val="50000"/>
+            </a:schemeClr>
+          </a:lnRef>
+          <a:fillRef idx="1">
+            <a:schemeClr val="accent1"/>
+          </a:fillRef>
+          <a:effectRef idx="0">
+            <a:schemeClr val="accent1"/>
+          </a:effectRef>
+          <a:fontRef idx="minor">
+            <a:schemeClr val="lt1"/>
+          </a:fontRef>
+        </p:style>
+        <p:txBody>
+          <a:bodyPr rtlCol="0" anchor="ctr"/>
+          <a:lstStyle/>
+          <a:p>
+            <a:pPr algn="ctr"/>
+            <a:r>
+              <a:rPr lang="en-US" sz="1050" dirty="0"/>
+              <a:t>Solution Provider #6</a:t>
+            </a:r>
+            <a:endParaRPr lang="en-US" sz="300" dirty="0"/>
+          </a:p>
+        </p:txBody>
+      </p:sp>
+      <p:sp>
+        <p:nvSpPr>
+          <p:cNvPr id="29" name="Flowchart: Connector 28">
+            <a:extLst>
+              <a:ext uri="{FF2B5EF4-FFF2-40B4-BE49-F238E27FC236}">
+                <a16:creationId xmlns:a16="http://schemas.microsoft.com/office/drawing/2014/main" id="{EB9F1861-DA8A-4FAA-B393-CC5F5AA0751E}"/>
+              </a:ext>
+            </a:extLst>
+          </p:cNvPr>
+          <p:cNvSpPr/>
+          <p:nvPr/>
+        </p:nvSpPr>
+        <p:spPr>
+          <a:xfrm>
+            <a:off x="6916930" y="4531766"/>
+            <a:ext cx="1006547" cy="910333"/>
+          </a:xfrm>
+          <a:prstGeom prst="flowChartConnector">
+            <a:avLst/>
+          </a:prstGeom>
+        </p:spPr>
+        <p:style>
+          <a:lnRef idx="2">
+            <a:schemeClr val="accent1">
+              <a:shade val="50000"/>
+            </a:schemeClr>
+          </a:lnRef>
+          <a:fillRef idx="1">
+            <a:schemeClr val="accent1"/>
+          </a:fillRef>
+          <a:effectRef idx="0">
+            <a:schemeClr val="accent1"/>
+          </a:effectRef>
+          <a:fontRef idx="minor">
+            <a:schemeClr val="lt1"/>
+          </a:fontRef>
+        </p:style>
+        <p:txBody>
+          <a:bodyPr rtlCol="0" anchor="ctr"/>
+          <a:lstStyle/>
+          <a:p>
+            <a:pPr algn="ctr"/>
+            <a:r>
+              <a:rPr lang="en-US" sz="1050" dirty="0"/>
+              <a:t>Solution Provider #4</a:t>
+            </a:r>
+            <a:endParaRPr lang="en-US" sz="300" dirty="0"/>
+          </a:p>
+        </p:txBody>
+      </p:sp>
+      <p:sp>
+        <p:nvSpPr>
+          <p:cNvPr id="30" name="Flowchart: Connector 29">
+            <a:extLst>
+              <a:ext uri="{FF2B5EF4-FFF2-40B4-BE49-F238E27FC236}">
+                <a16:creationId xmlns:a16="http://schemas.microsoft.com/office/drawing/2014/main" id="{D6E2618E-4D1A-4D91-9F31-4D0298817DC1}"/>
+              </a:ext>
+            </a:extLst>
+          </p:cNvPr>
+          <p:cNvSpPr/>
+          <p:nvPr/>
+        </p:nvSpPr>
+        <p:spPr>
+          <a:xfrm>
+            <a:off x="8671332" y="4473187"/>
+            <a:ext cx="1071318" cy="968912"/>
+          </a:xfrm>
+          <a:prstGeom prst="flowChartConnector">
+            <a:avLst/>
+          </a:prstGeom>
+        </p:spPr>
+        <p:style>
+          <a:lnRef idx="2">
+            <a:schemeClr val="accent1">
+              <a:shade val="50000"/>
+            </a:schemeClr>
+          </a:lnRef>
+          <a:fillRef idx="1">
+            <a:schemeClr val="accent1"/>
+          </a:fillRef>
+          <a:effectRef idx="0">
+            <a:schemeClr val="accent1"/>
+          </a:effectRef>
+          <a:fontRef idx="minor">
+            <a:schemeClr val="lt1"/>
+          </a:fontRef>
+        </p:style>
+        <p:txBody>
+          <a:bodyPr rtlCol="0" anchor="ctr"/>
+          <a:lstStyle/>
+          <a:p>
+            <a:pPr algn="ctr"/>
+            <a:r>
+              <a:rPr lang="en-US" sz="1050" dirty="0"/>
+              <a:t>Solution Provider #3</a:t>
+            </a:r>
+            <a:endParaRPr lang="en-US" sz="400" dirty="0"/>
+          </a:p>
+        </p:txBody>
+      </p:sp>
+      <p:sp>
+        <p:nvSpPr>
+          <p:cNvPr id="31" name="Flowchart: Connector 30">
+            <a:extLst>
+              <a:ext uri="{FF2B5EF4-FFF2-40B4-BE49-F238E27FC236}">
+                <a16:creationId xmlns:a16="http://schemas.microsoft.com/office/drawing/2014/main" id="{D56F57E0-2F2C-475C-AE13-56FC6FF82F40}"/>
+              </a:ext>
+            </a:extLst>
+          </p:cNvPr>
+          <p:cNvSpPr/>
+          <p:nvPr/>
+        </p:nvSpPr>
+        <p:spPr>
+          <a:xfrm>
+            <a:off x="9106407" y="3575129"/>
+            <a:ext cx="1006547" cy="910333"/>
+          </a:xfrm>
+          <a:prstGeom prst="flowChartConnector">
+            <a:avLst/>
+          </a:prstGeom>
+        </p:spPr>
+        <p:style>
+          <a:lnRef idx="2">
+            <a:schemeClr val="accent1">
+              <a:shade val="50000"/>
+            </a:schemeClr>
+          </a:lnRef>
+          <a:fillRef idx="1">
+            <a:schemeClr val="accent1"/>
+          </a:fillRef>
+          <a:effectRef idx="0">
+            <a:schemeClr val="accent1"/>
+          </a:effectRef>
+          <a:fontRef idx="minor">
+            <a:schemeClr val="lt1"/>
+          </a:fontRef>
+        </p:style>
+        <p:txBody>
+          <a:bodyPr rtlCol="0" anchor="ctr"/>
+          <a:lstStyle/>
+          <a:p>
+            <a:pPr algn="ctr"/>
+            <a:r>
+              <a:rPr lang="en-US" sz="1100" dirty="0"/>
+              <a:t>Solution Provider #2</a:t>
+            </a:r>
+            <a:endParaRPr lang="en-US" sz="600" dirty="0"/>
+          </a:p>
+        </p:txBody>
+      </p:sp>
+      <p:sp>
+        <p:nvSpPr>
+          <p:cNvPr id="32" name="Flowchart: Connector 31">
+            <a:extLst>
+              <a:ext uri="{FF2B5EF4-FFF2-40B4-BE49-F238E27FC236}">
+                <a16:creationId xmlns:a16="http://schemas.microsoft.com/office/drawing/2014/main" id="{54F4B92C-6A94-47DC-BC02-B2629910FADD}"/>
+              </a:ext>
+            </a:extLst>
+          </p:cNvPr>
+          <p:cNvSpPr/>
+          <p:nvPr/>
+        </p:nvSpPr>
+        <p:spPr>
+          <a:xfrm>
+            <a:off x="8552167" y="2682018"/>
+            <a:ext cx="1006547" cy="910333"/>
+          </a:xfrm>
+          <a:prstGeom prst="flowChartConnector">
+            <a:avLst/>
+          </a:prstGeom>
+        </p:spPr>
+        <p:style>
+          <a:lnRef idx="2">
+            <a:schemeClr val="accent1">
+              <a:shade val="50000"/>
+            </a:schemeClr>
+          </a:lnRef>
+          <a:fillRef idx="1">
+            <a:schemeClr val="accent1"/>
+          </a:fillRef>
+          <a:effectRef idx="0">
+            <a:schemeClr val="accent1"/>
+          </a:effectRef>
+          <a:fontRef idx="minor">
+            <a:schemeClr val="lt1"/>
+          </a:fontRef>
+        </p:style>
+        <p:txBody>
+          <a:bodyPr rtlCol="0" anchor="ctr"/>
+          <a:lstStyle/>
+          <a:p>
+            <a:pPr algn="ctr"/>
+            <a:r>
+              <a:rPr lang="en-US" sz="1050" dirty="0"/>
+              <a:t>Solution Provider #1</a:t>
+            </a:r>
+            <a:endParaRPr lang="en-US" sz="500" dirty="0"/>
+          </a:p>
+        </p:txBody>
+      </p:sp>
+      <p:sp>
+        <p:nvSpPr>
+          <p:cNvPr id="33" name="Oval 32">
+            <a:extLst>
+              <a:ext uri="{FF2B5EF4-FFF2-40B4-BE49-F238E27FC236}">
+                <a16:creationId xmlns:a16="http://schemas.microsoft.com/office/drawing/2014/main" id="{B14E8E27-4706-4B6C-8C06-624868B2EB7D}"/>
+              </a:ext>
+            </a:extLst>
+          </p:cNvPr>
+          <p:cNvSpPr/>
+          <p:nvPr/>
+        </p:nvSpPr>
+        <p:spPr>
+          <a:xfrm>
+            <a:off x="7858295" y="3597870"/>
+            <a:ext cx="872633" cy="864853"/>
+          </a:xfrm>
+          <a:prstGeom prst="ellipse">
+            <a:avLst/>
+          </a:prstGeom>
+        </p:spPr>
+        <p:style>
+          <a:lnRef idx="2">
+            <a:schemeClr val="accent4">
+              <a:shade val="50000"/>
+            </a:schemeClr>
+          </a:lnRef>
+          <a:fillRef idx="1">
+            <a:schemeClr val="accent4"/>
+          </a:fillRef>
+          <a:effectRef idx="0">
+            <a:schemeClr val="accent4"/>
+          </a:effectRef>
+          <a:fontRef idx="minor">
+            <a:schemeClr val="lt1"/>
+          </a:fontRef>
+        </p:style>
+        <p:txBody>
+          <a:bodyPr rtlCol="0" anchor="ctr"/>
+          <a:lstStyle/>
+          <a:p>
+            <a:pPr algn="ctr"/>
+            <a:r>
+              <a:rPr lang="en-US" sz="700" dirty="0">
+                <a:solidFill>
+                  <a:schemeClr val="tx1"/>
+                </a:solidFill>
+              </a:rPr>
+              <a:t>Traceability Driver</a:t>
+            </a:r>
+          </a:p>
+        </p:txBody>
+      </p:sp>
+      <p:cxnSp>
+        <p:nvCxnSpPr>
+          <p:cNvPr id="34" name="Straight Arrow Connector 33">
+            <a:extLst>
+              <a:ext uri="{FF2B5EF4-FFF2-40B4-BE49-F238E27FC236}">
+                <a16:creationId xmlns:a16="http://schemas.microsoft.com/office/drawing/2014/main" id="{F2DFBD68-CB25-474B-A875-ED413C93B48E}"/>
+              </a:ext>
+            </a:extLst>
+          </p:cNvPr>
+          <p:cNvCxnSpPr>
+            <a:cxnSpLocks/>
+            <a:stCxn id="32" idx="3"/>
+            <a:endCxn id="33" idx="7"/>
+          </p:cNvCxnSpPr>
+          <p:nvPr/>
+        </p:nvCxnSpPr>
+        <p:spPr>
+          <a:xfrm flipH="1">
+            <a:off x="8603134" y="3459036"/>
+            <a:ext cx="96438" cy="265489"/>
+          </a:xfrm>
+          <a:prstGeom prst="straightConnector1">
+            <a:avLst/>
+          </a:prstGeom>
+          <a:ln>
+            <a:tailEnd type="triangle"/>
+          </a:ln>
+        </p:spPr>
+        <p:style>
+          <a:lnRef idx="1">
+            <a:schemeClr val="accent1"/>
+          </a:lnRef>
+          <a:fillRef idx="0">
+            <a:schemeClr val="accent1"/>
+          </a:fillRef>
+          <a:effectRef idx="0">
+            <a:schemeClr val="accent1"/>
+          </a:effectRef>
+          <a:fontRef idx="minor">
+            <a:schemeClr val="tx1"/>
+          </a:fontRef>
+        </p:style>
+      </p:cxnSp>
+      <p:cxnSp>
+        <p:nvCxnSpPr>
+          <p:cNvPr id="35" name="Straight Arrow Connector 34">
+            <a:extLst>
+              <a:ext uri="{FF2B5EF4-FFF2-40B4-BE49-F238E27FC236}">
+                <a16:creationId xmlns:a16="http://schemas.microsoft.com/office/drawing/2014/main" id="{A7E257CD-F5E3-437C-8FAC-B3EB4366633B}"/>
+              </a:ext>
+            </a:extLst>
+          </p:cNvPr>
+          <p:cNvCxnSpPr>
+            <a:cxnSpLocks/>
+            <a:stCxn id="28" idx="5"/>
+            <a:endCxn id="33" idx="1"/>
+          </p:cNvCxnSpPr>
+          <p:nvPr/>
+        </p:nvCxnSpPr>
+        <p:spPr>
+          <a:xfrm>
+            <a:off x="7799878" y="3502125"/>
+            <a:ext cx="186211" cy="222400"/>
+          </a:xfrm>
+          <a:prstGeom prst="straightConnector1">
+            <a:avLst/>
+          </a:prstGeom>
+          <a:ln>
+            <a:tailEnd type="triangle"/>
+          </a:ln>
+        </p:spPr>
+        <p:style>
+          <a:lnRef idx="1">
+            <a:schemeClr val="accent1"/>
+          </a:lnRef>
+          <a:fillRef idx="0">
+            <a:schemeClr val="accent1"/>
+          </a:fillRef>
+          <a:effectRef idx="0">
+            <a:schemeClr val="accent1"/>
+          </a:effectRef>
+          <a:fontRef idx="minor">
+            <a:schemeClr val="tx1"/>
+          </a:fontRef>
+        </p:style>
+      </p:cxnSp>
+      <p:cxnSp>
+        <p:nvCxnSpPr>
+          <p:cNvPr id="36" name="Straight Arrow Connector 35">
+            <a:extLst>
+              <a:ext uri="{FF2B5EF4-FFF2-40B4-BE49-F238E27FC236}">
+                <a16:creationId xmlns:a16="http://schemas.microsoft.com/office/drawing/2014/main" id="{3A58E27E-49E1-40AB-9EDD-A5500AA66727}"/>
+              </a:ext>
+            </a:extLst>
+          </p:cNvPr>
+          <p:cNvCxnSpPr>
+            <a:cxnSpLocks/>
+            <a:stCxn id="27" idx="6"/>
+            <a:endCxn id="33" idx="2"/>
+          </p:cNvCxnSpPr>
+          <p:nvPr/>
+        </p:nvCxnSpPr>
+        <p:spPr>
+          <a:xfrm flipV="1">
+            <a:off x="7515673" y="4030297"/>
+            <a:ext cx="342622" cy="16650"/>
+          </a:xfrm>
+          <a:prstGeom prst="straightConnector1">
+            <a:avLst/>
+          </a:prstGeom>
+          <a:ln>
+            <a:tailEnd type="triangle"/>
+          </a:ln>
+        </p:spPr>
+        <p:style>
+          <a:lnRef idx="1">
+            <a:schemeClr val="accent1"/>
+          </a:lnRef>
+          <a:fillRef idx="0">
+            <a:schemeClr val="accent1"/>
+          </a:fillRef>
+          <a:effectRef idx="0">
+            <a:schemeClr val="accent1"/>
+          </a:effectRef>
+          <a:fontRef idx="minor">
+            <a:schemeClr val="tx1"/>
+          </a:fontRef>
+        </p:style>
+      </p:cxnSp>
+      <p:cxnSp>
+        <p:nvCxnSpPr>
+          <p:cNvPr id="37" name="Straight Arrow Connector 36">
+            <a:extLst>
+              <a:ext uri="{FF2B5EF4-FFF2-40B4-BE49-F238E27FC236}">
+                <a16:creationId xmlns:a16="http://schemas.microsoft.com/office/drawing/2014/main" id="{59C9BA54-EEC7-48D1-826E-5D8017705F0F}"/>
+              </a:ext>
+            </a:extLst>
+          </p:cNvPr>
+          <p:cNvCxnSpPr>
+            <a:cxnSpLocks/>
+            <a:stCxn id="29" idx="7"/>
+            <a:endCxn id="33" idx="3"/>
+          </p:cNvCxnSpPr>
+          <p:nvPr/>
+        </p:nvCxnSpPr>
+        <p:spPr>
+          <a:xfrm flipV="1">
+            <a:off x="7776072" y="4336068"/>
+            <a:ext cx="210017" cy="329013"/>
+          </a:xfrm>
+          <a:prstGeom prst="straightConnector1">
+            <a:avLst/>
+          </a:prstGeom>
+          <a:ln>
+            <a:tailEnd type="triangle"/>
+          </a:ln>
+        </p:spPr>
+        <p:style>
+          <a:lnRef idx="1">
+            <a:schemeClr val="accent1"/>
+          </a:lnRef>
+          <a:fillRef idx="0">
+            <a:schemeClr val="accent1"/>
+          </a:fillRef>
+          <a:effectRef idx="0">
+            <a:schemeClr val="accent1"/>
+          </a:effectRef>
+          <a:fontRef idx="minor">
+            <a:schemeClr val="tx1"/>
+          </a:fontRef>
+        </p:style>
+      </p:cxnSp>
+      <p:cxnSp>
+        <p:nvCxnSpPr>
+          <p:cNvPr id="38" name="Straight Arrow Connector 37">
+            <a:extLst>
+              <a:ext uri="{FF2B5EF4-FFF2-40B4-BE49-F238E27FC236}">
+                <a16:creationId xmlns:a16="http://schemas.microsoft.com/office/drawing/2014/main" id="{2A45D907-D0A1-4693-91AF-2420A28D449D}"/>
+              </a:ext>
+            </a:extLst>
+          </p:cNvPr>
+          <p:cNvCxnSpPr>
+            <a:cxnSpLocks/>
+            <a:stCxn id="30" idx="1"/>
+            <a:endCxn id="33" idx="5"/>
+          </p:cNvCxnSpPr>
+          <p:nvPr/>
+        </p:nvCxnSpPr>
+        <p:spPr>
+          <a:xfrm flipH="1" flipV="1">
+            <a:off x="8603134" y="4336068"/>
+            <a:ext cx="225089" cy="279013"/>
+          </a:xfrm>
+          <a:prstGeom prst="straightConnector1">
+            <a:avLst/>
+          </a:prstGeom>
+          <a:ln>
+            <a:tailEnd type="triangle"/>
+          </a:ln>
+        </p:spPr>
+        <p:style>
+          <a:lnRef idx="1">
+            <a:schemeClr val="accent1"/>
+          </a:lnRef>
+          <a:fillRef idx="0">
+            <a:schemeClr val="accent1"/>
+          </a:fillRef>
+          <a:effectRef idx="0">
+            <a:schemeClr val="accent1"/>
+          </a:effectRef>
+          <a:fontRef idx="minor">
+            <a:schemeClr val="tx1"/>
+          </a:fontRef>
+        </p:style>
+      </p:cxnSp>
+      <p:cxnSp>
+        <p:nvCxnSpPr>
+          <p:cNvPr id="39" name="Straight Arrow Connector 38">
+            <a:extLst>
+              <a:ext uri="{FF2B5EF4-FFF2-40B4-BE49-F238E27FC236}">
+                <a16:creationId xmlns:a16="http://schemas.microsoft.com/office/drawing/2014/main" id="{9A9ED9B2-B988-45C4-ABFB-B58523C28668}"/>
+              </a:ext>
+            </a:extLst>
+          </p:cNvPr>
+          <p:cNvCxnSpPr>
+            <a:cxnSpLocks/>
+            <a:stCxn id="31" idx="2"/>
+            <a:endCxn id="33" idx="6"/>
+          </p:cNvCxnSpPr>
+          <p:nvPr/>
+        </p:nvCxnSpPr>
+        <p:spPr>
+          <a:xfrm flipH="1">
+            <a:off x="8730928" y="4030296"/>
+            <a:ext cx="375479" cy="1"/>
+          </a:xfrm>
+          <a:prstGeom prst="straightConnector1">
+            <a:avLst/>
+          </a:prstGeom>
+          <a:ln>
+            <a:tailEnd type="triangle"/>
+          </a:ln>
+        </p:spPr>
+        <p:style>
+          <a:lnRef idx="1">
+            <a:schemeClr val="accent1"/>
+          </a:lnRef>
+          <a:fillRef idx="0">
+            <a:schemeClr val="accent1"/>
+          </a:fillRef>
+          <a:effectRef idx="0">
+            <a:schemeClr val="accent1"/>
+          </a:effectRef>
+          <a:fontRef idx="minor">
+            <a:schemeClr val="tx1"/>
+          </a:fontRef>
+        </p:style>
+      </p:cxnSp>
+      <p:cxnSp>
+        <p:nvCxnSpPr>
+          <p:cNvPr id="40" name="Straight Arrow Connector 39">
+            <a:extLst>
+              <a:ext uri="{FF2B5EF4-FFF2-40B4-BE49-F238E27FC236}">
+                <a16:creationId xmlns:a16="http://schemas.microsoft.com/office/drawing/2014/main" id="{7EB83A5C-A107-4134-A499-063BA955FE57}"/>
+              </a:ext>
+            </a:extLst>
+          </p:cNvPr>
+          <p:cNvCxnSpPr>
+            <a:cxnSpLocks/>
+            <a:stCxn id="33" idx="3"/>
+            <a:endCxn id="29" idx="7"/>
+          </p:cNvCxnSpPr>
+          <p:nvPr/>
+        </p:nvCxnSpPr>
+        <p:spPr>
+          <a:xfrm flipH="1">
+            <a:off x="7776072" y="4336068"/>
+            <a:ext cx="210017" cy="329013"/>
+          </a:xfrm>
+          <a:prstGeom prst="straightConnector1">
+            <a:avLst/>
+          </a:prstGeom>
+          <a:ln>
+            <a:tailEnd type="triangle"/>
+          </a:ln>
+        </p:spPr>
+        <p:style>
+          <a:lnRef idx="1">
+            <a:schemeClr val="accent1"/>
+          </a:lnRef>
+          <a:fillRef idx="0">
+            <a:schemeClr val="accent1"/>
+          </a:fillRef>
+          <a:effectRef idx="0">
+            <a:schemeClr val="accent1"/>
+          </a:effectRef>
+          <a:fontRef idx="minor">
+            <a:schemeClr val="tx1"/>
+          </a:fontRef>
+        </p:style>
+      </p:cxnSp>
+      <p:cxnSp>
+        <p:nvCxnSpPr>
+          <p:cNvPr id="41" name="Straight Arrow Connector 40">
+            <a:extLst>
+              <a:ext uri="{FF2B5EF4-FFF2-40B4-BE49-F238E27FC236}">
+                <a16:creationId xmlns:a16="http://schemas.microsoft.com/office/drawing/2014/main" id="{129DCA41-60FA-40B6-A31F-673752EFAED2}"/>
+              </a:ext>
+            </a:extLst>
+          </p:cNvPr>
+          <p:cNvCxnSpPr>
+            <a:cxnSpLocks/>
+            <a:stCxn id="33" idx="5"/>
+            <a:endCxn id="30" idx="1"/>
+          </p:cNvCxnSpPr>
+          <p:nvPr/>
+        </p:nvCxnSpPr>
+        <p:spPr>
+          <a:xfrm>
+            <a:off x="8603134" y="4336068"/>
+            <a:ext cx="225089" cy="279013"/>
+          </a:xfrm>
+          <a:prstGeom prst="straightConnector1">
+            <a:avLst/>
+          </a:prstGeom>
+          <a:ln>
+            <a:tailEnd type="triangle"/>
+          </a:ln>
+        </p:spPr>
+        <p:style>
+          <a:lnRef idx="1">
+            <a:schemeClr val="accent1"/>
+          </a:lnRef>
+          <a:fillRef idx="0">
+            <a:schemeClr val="accent1"/>
+          </a:fillRef>
+          <a:effectRef idx="0">
+            <a:schemeClr val="accent1"/>
+          </a:effectRef>
+          <a:fontRef idx="minor">
+            <a:schemeClr val="tx1"/>
+          </a:fontRef>
+        </p:style>
+      </p:cxnSp>
+      <p:cxnSp>
+        <p:nvCxnSpPr>
+          <p:cNvPr id="42" name="Straight Arrow Connector 41">
+            <a:extLst>
+              <a:ext uri="{FF2B5EF4-FFF2-40B4-BE49-F238E27FC236}">
+                <a16:creationId xmlns:a16="http://schemas.microsoft.com/office/drawing/2014/main" id="{9159649A-868E-4A76-9638-409433133523}"/>
+              </a:ext>
+            </a:extLst>
+          </p:cNvPr>
+          <p:cNvCxnSpPr>
+            <a:cxnSpLocks/>
+            <a:stCxn id="33" idx="6"/>
+            <a:endCxn id="31" idx="2"/>
+          </p:cNvCxnSpPr>
+          <p:nvPr/>
+        </p:nvCxnSpPr>
+        <p:spPr>
+          <a:xfrm flipV="1">
+            <a:off x="8730928" y="4030296"/>
+            <a:ext cx="375479" cy="1"/>
+          </a:xfrm>
+          <a:prstGeom prst="straightConnector1">
+            <a:avLst/>
+          </a:prstGeom>
+          <a:ln>
+            <a:tailEnd type="triangle"/>
+          </a:ln>
+        </p:spPr>
+        <p:style>
+          <a:lnRef idx="1">
+            <a:schemeClr val="accent1"/>
+          </a:lnRef>
+          <a:fillRef idx="0">
+            <a:schemeClr val="accent1"/>
+          </a:fillRef>
+          <a:effectRef idx="0">
+            <a:schemeClr val="accent1"/>
+          </a:effectRef>
+          <a:fontRef idx="minor">
+            <a:schemeClr val="tx1"/>
+          </a:fontRef>
+        </p:style>
+      </p:cxnSp>
+      <p:cxnSp>
+        <p:nvCxnSpPr>
+          <p:cNvPr id="43" name="Straight Arrow Connector 42">
+            <a:extLst>
+              <a:ext uri="{FF2B5EF4-FFF2-40B4-BE49-F238E27FC236}">
+                <a16:creationId xmlns:a16="http://schemas.microsoft.com/office/drawing/2014/main" id="{5B98E667-5A6C-4087-B8FF-9EE21F743CC8}"/>
+              </a:ext>
+            </a:extLst>
+          </p:cNvPr>
+          <p:cNvCxnSpPr>
+            <a:cxnSpLocks/>
+            <a:stCxn id="33" idx="7"/>
+            <a:endCxn id="32" idx="3"/>
+          </p:cNvCxnSpPr>
+          <p:nvPr/>
+        </p:nvCxnSpPr>
+        <p:spPr>
+          <a:xfrm flipV="1">
+            <a:off x="8603134" y="3459036"/>
+            <a:ext cx="96438" cy="265489"/>
+          </a:xfrm>
+          <a:prstGeom prst="straightConnector1">
+            <a:avLst/>
+          </a:prstGeom>
+          <a:ln>
+            <a:tailEnd type="triangle"/>
+          </a:ln>
+        </p:spPr>
+        <p:style>
+          <a:lnRef idx="1">
+            <a:schemeClr val="accent1"/>
+          </a:lnRef>
+          <a:fillRef idx="0">
+            <a:schemeClr val="accent1"/>
+          </a:fillRef>
+          <a:effectRef idx="0">
+            <a:schemeClr val="accent1"/>
+          </a:effectRef>
+          <a:fontRef idx="minor">
+            <a:schemeClr val="tx1"/>
+          </a:fontRef>
+        </p:style>
+      </p:cxnSp>
+      <p:cxnSp>
+        <p:nvCxnSpPr>
+          <p:cNvPr id="44" name="Straight Arrow Connector 43">
+            <a:extLst>
+              <a:ext uri="{FF2B5EF4-FFF2-40B4-BE49-F238E27FC236}">
+                <a16:creationId xmlns:a16="http://schemas.microsoft.com/office/drawing/2014/main" id="{D3949BDF-2DD8-4B1A-A28D-2EB8DB9C4DB9}"/>
+              </a:ext>
+            </a:extLst>
+          </p:cNvPr>
+          <p:cNvCxnSpPr>
+            <a:cxnSpLocks/>
+            <a:stCxn id="33" idx="1"/>
+            <a:endCxn id="28" idx="5"/>
+          </p:cNvCxnSpPr>
+          <p:nvPr/>
+        </p:nvCxnSpPr>
+        <p:spPr>
+          <a:xfrm flipH="1" flipV="1">
+            <a:off x="7799878" y="3502125"/>
+            <a:ext cx="186211" cy="222400"/>
+          </a:xfrm>
+          <a:prstGeom prst="straightConnector1">
+            <a:avLst/>
+          </a:prstGeom>
+          <a:ln>
+            <a:tailEnd type="triangle"/>
+          </a:ln>
+        </p:spPr>
+        <p:style>
+          <a:lnRef idx="1">
+            <a:schemeClr val="accent1"/>
+          </a:lnRef>
+          <a:fillRef idx="0">
+            <a:schemeClr val="accent1"/>
+          </a:fillRef>
+          <a:effectRef idx="0">
+            <a:schemeClr val="accent1"/>
+          </a:effectRef>
+          <a:fontRef idx="minor">
+            <a:schemeClr val="tx1"/>
+          </a:fontRef>
+        </p:style>
+      </p:cxnSp>
+      <p:sp>
+        <p:nvSpPr>
+          <p:cNvPr id="45" name="Rectangle 44">
+            <a:extLst>
+              <a:ext uri="{FF2B5EF4-FFF2-40B4-BE49-F238E27FC236}">
+                <a16:creationId xmlns:a16="http://schemas.microsoft.com/office/drawing/2014/main" id="{0E0373B0-E6C3-4883-9074-138B139275CA}"/>
+              </a:ext>
+            </a:extLst>
+          </p:cNvPr>
+          <p:cNvSpPr/>
+          <p:nvPr/>
+        </p:nvSpPr>
+        <p:spPr>
+          <a:xfrm>
+            <a:off x="2945352" y="1851938"/>
+            <a:ext cx="2411238" cy="692497"/>
+          </a:xfrm>
+          <a:prstGeom prst="rect">
+            <a:avLst/>
+          </a:prstGeom>
+          <a:noFill/>
+        </p:spPr>
+        <p:txBody>
+          <a:bodyPr wrap="none" lIns="91440" tIns="45720" rIns="91440" bIns="45720">
+            <a:spAutoFit/>
+          </a:bodyPr>
+          <a:lstStyle/>
+          <a:p>
+            <a:pPr algn="ctr"/>
+            <a:r>
+              <a:rPr lang="en-US" sz="2800" b="0" cap="none" spc="0" dirty="0">
+                <a:ln w="0"/>
+                <a:solidFill>
+                  <a:schemeClr val="accent1"/>
+                </a:solidFill>
+                <a:effectLst>
+                  <a:outerShdw blurRad="38100" dist="25400" dir="5400000" algn="ctr" rotWithShape="0">
+                    <a:srgbClr val="6E747A">
+                      <a:alpha val="43000"/>
+                    </a:srgbClr>
+                  </a:outerShdw>
+                </a:effectLst>
+              </a:rPr>
+              <a:t>Now / Today</a:t>
+            </a:r>
+            <a:br>
+              <a:rPr lang="en-US" sz="2800" b="0" cap="none" spc="0" dirty="0">
+                <a:ln w="0"/>
+                <a:solidFill>
+                  <a:schemeClr val="accent1"/>
+                </a:solidFill>
+                <a:effectLst>
+                  <a:outerShdw blurRad="38100" dist="25400" dir="5400000" algn="ctr" rotWithShape="0">
+                    <a:srgbClr val="6E747A">
+                      <a:alpha val="43000"/>
+                    </a:srgbClr>
+                  </a:outerShdw>
+                </a:effectLst>
+              </a:rPr>
+            </a:br>
+            <a:r>
+              <a:rPr lang="en-US" sz="1100" b="0" cap="none" spc="0" dirty="0">
+                <a:ln w="0"/>
+                <a:solidFill>
+                  <a:schemeClr val="accent1"/>
+                </a:solidFill>
+                <a:effectLst>
+                  <a:outerShdw blurRad="38100" dist="25400" dir="5400000" algn="ctr" rotWithShape="0">
+                    <a:srgbClr val="6E747A">
+                      <a:alpha val="43000"/>
+                    </a:srgbClr>
+                  </a:outerShdw>
+                </a:effectLst>
+              </a:rPr>
+              <a:t>14 Integrations</a:t>
+            </a:r>
+            <a:endParaRPr lang="en-US" sz="2800" b="0" cap="none" spc="0" dirty="0">
+              <a:ln w="0"/>
+              <a:solidFill>
+                <a:schemeClr val="accent1"/>
+              </a:solidFill>
+              <a:effectLst>
+                <a:outerShdw blurRad="38100" dist="25400" dir="5400000" algn="ctr" rotWithShape="0">
+                  <a:srgbClr val="6E747A">
+                    <a:alpha val="43000"/>
+                  </a:srgbClr>
+                </a:outerShdw>
+              </a:effectLst>
+            </a:endParaRPr>
+          </a:p>
+        </p:txBody>
+      </p:sp>
+      <p:sp>
+        <p:nvSpPr>
+          <p:cNvPr id="46" name="Rectangle 45">
+            <a:extLst>
+              <a:ext uri="{FF2B5EF4-FFF2-40B4-BE49-F238E27FC236}">
+                <a16:creationId xmlns:a16="http://schemas.microsoft.com/office/drawing/2014/main" id="{2C5B309F-084D-4818-8F4D-4752D514116C}"/>
+              </a:ext>
+            </a:extLst>
+          </p:cNvPr>
+          <p:cNvSpPr/>
+          <p:nvPr/>
+        </p:nvSpPr>
+        <p:spPr>
+          <a:xfrm>
+            <a:off x="6916930" y="1905000"/>
+            <a:ext cx="2682145" cy="646331"/>
+          </a:xfrm>
+          <a:prstGeom prst="rect">
+            <a:avLst/>
+          </a:prstGeom>
+          <a:noFill/>
+        </p:spPr>
+        <p:txBody>
+          <a:bodyPr wrap="none" lIns="91440" tIns="45720" rIns="91440" bIns="45720">
+            <a:spAutoFit/>
+          </a:bodyPr>
+          <a:lstStyle/>
+          <a:p>
+            <a:pPr algn="ctr"/>
+            <a:r>
+              <a:rPr lang="en-US" sz="2400" b="0" cap="none" spc="0" dirty="0">
+                <a:ln w="0"/>
+                <a:solidFill>
+                  <a:schemeClr val="accent1"/>
+                </a:solidFill>
+                <a:effectLst>
+                  <a:outerShdw blurRad="38100" dist="25400" dir="5400000" algn="ctr" rotWithShape="0">
+                    <a:srgbClr val="6E747A">
+                      <a:alpha val="43000"/>
+                    </a:srgbClr>
+                  </a:outerShdw>
+                </a:effectLst>
+              </a:rPr>
+              <a:t>With Trace Driver</a:t>
+            </a:r>
+            <a:endParaRPr lang="en-US" sz="3200" b="0" cap="none" spc="0" dirty="0">
+              <a:ln w="0"/>
+              <a:solidFill>
+                <a:schemeClr val="accent1"/>
+              </a:solidFill>
+              <a:effectLst>
+                <a:outerShdw blurRad="38100" dist="25400" dir="5400000" algn="ctr" rotWithShape="0">
+                  <a:srgbClr val="6E747A">
+                    <a:alpha val="43000"/>
+                  </a:srgbClr>
+                </a:outerShdw>
+              </a:effectLst>
+            </a:endParaRPr>
+          </a:p>
+          <a:p>
+            <a:pPr algn="ctr"/>
+            <a:r>
+              <a:rPr lang="en-US" sz="1200" dirty="0">
+                <a:ln w="0"/>
+                <a:solidFill>
+                  <a:schemeClr val="accent1"/>
+                </a:solidFill>
+                <a:effectLst>
+                  <a:outerShdw blurRad="38100" dist="25400" dir="5400000" algn="ctr" rotWithShape="0">
+                    <a:srgbClr val="6E747A">
+                      <a:alpha val="43000"/>
+                    </a:srgbClr>
+                  </a:outerShdw>
+                </a:effectLst>
+              </a:rPr>
+              <a:t>6 Integrations</a:t>
+            </a:r>
+            <a:endParaRPr lang="en-US" sz="1200" b="0" cap="none" spc="0" dirty="0">
+              <a:ln w="0"/>
+              <a:solidFill>
+                <a:schemeClr val="accent1"/>
+              </a:solidFill>
+              <a:effectLst>
+                <a:outerShdw blurRad="38100" dist="25400" dir="5400000" algn="ctr" rotWithShape="0">
+                  <a:srgbClr val="6E747A">
+                    <a:alpha val="43000"/>
+                  </a:srgbClr>
+                </a:outerShdw>
+              </a:effectLst>
+            </a:endParaRPr>
+          </a:p>
+        </p:txBody>
+      </p:sp>
+    </p:spTree>
+    <p:extLst>
+      <p:ext uri="{BB962C8B-B14F-4D97-AF65-F5344CB8AC3E}">
+        <p14:creationId xmlns:p14="http://schemas.microsoft.com/office/powerpoint/2010/main" val="2595992"/>
       </p:ext>
     </p:extLst>
   </p:cSld>
@@ -7908,7 +11012,7 @@
           <p:cNvPr id="2" name="Title 1">
             <a:extLst>
               <a:ext uri="{FF2B5EF4-FFF2-40B4-BE49-F238E27FC236}">
-                <a16:creationId xmlns:a16="http://schemas.microsoft.com/office/drawing/2014/main" id="{926EA5F5-D2FA-4580-AFE7-81D597343CB1}"/>
+                <a16:creationId xmlns:a16="http://schemas.microsoft.com/office/drawing/2014/main" id="{E314EA75-9EE3-4DAC-9912-88915A071AB6}"/>
               </a:ext>
             </a:extLst>
           </p:cNvPr>
@@ -7919,62 +11023,32 @@
             <p:ph type="title"/>
           </p:nvPr>
         </p:nvSpPr>
-        <p:spPr/>
-        <p:txBody>
-          <a:bodyPr/>
+        <p:spPr>
+          <a:xfrm>
+            <a:off x="2559525" y="4633402"/>
+            <a:ext cx="8060817" cy="584775"/>
+          </a:xfrm>
+        </p:spPr>
+        <p:txBody>
+          <a:bodyPr>
+            <a:normAutofit fontScale="90000"/>
+          </a:bodyPr>
           <a:lstStyle/>
           <a:p>
-            <a:r>
-              <a:rPr lang="en-US" dirty="0"/>
-              <a:t>Description of Entrant</a:t>
-            </a:r>
-          </a:p>
-        </p:txBody>
-      </p:sp>
-      <p:sp>
-        <p:nvSpPr>
-          <p:cNvPr id="3" name="Content Placeholder 2">
+            <a:pPr algn="ctr"/>
+            <a:r>
+              <a:rPr lang="en-US" b="1" dirty="0"/>
+              <a:t>FDA Traceability Challenge Submission</a:t>
+            </a:r>
+          </a:p>
+        </p:txBody>
+      </p:sp>
+      <p:pic>
+        <p:nvPicPr>
+          <p:cNvPr id="4" name="Picture 3" descr="Logo&#10;&#10;Description automatically generated">
             <a:extLst>
               <a:ext uri="{FF2B5EF4-FFF2-40B4-BE49-F238E27FC236}">
-                <a16:creationId xmlns:a16="http://schemas.microsoft.com/office/drawing/2014/main" id="{6DB8C4ED-21D2-4A5D-A7B2-AEAB452EAD26}"/>
-              </a:ext>
-            </a:extLst>
-          </p:cNvPr>
-          <p:cNvSpPr>
-            <a:spLocks noGrp="1"/>
-          </p:cNvSpPr>
-          <p:nvPr>
-            <p:ph idx="1"/>
-          </p:nvPr>
-        </p:nvSpPr>
-        <p:spPr>
-          <a:xfrm>
-            <a:off x="2141343" y="4259425"/>
-            <a:ext cx="8915400" cy="1280890"/>
-          </a:xfrm>
-        </p:spPr>
-        <p:txBody>
-          <a:bodyPr>
-            <a:normAutofit/>
-          </a:bodyPr>
-          <a:lstStyle/>
-          <a:p>
-            <a:pPr marL="0" indent="0">
-              <a:buNone/>
-            </a:pPr>
-            <a:r>
-              <a:rPr lang="en-US" dirty="0"/>
-              <a:t>The Traceability Internet Organization was founded to help reduce the cost of interoperability. We do this by providing free open-source software tools that allow traceability solutions to communicate with each other using standardized communication protocols and standardized data formats.</a:t>
-            </a:r>
-          </a:p>
-        </p:txBody>
-      </p:sp>
-      <p:pic>
-        <p:nvPicPr>
-          <p:cNvPr id="5" name="Picture 4" descr="Logo&#10;&#10;Description automatically generated">
-            <a:extLst>
-              <a:ext uri="{FF2B5EF4-FFF2-40B4-BE49-F238E27FC236}">
-                <a16:creationId xmlns:a16="http://schemas.microsoft.com/office/drawing/2014/main" id="{1260D83E-A353-4508-A276-241B8CD9E1E0}"/>
+                <a16:creationId xmlns:a16="http://schemas.microsoft.com/office/drawing/2014/main" id="{7DAE3112-C9F6-4BA0-A3EF-34DC5CA8D68E}"/>
               </a:ext>
             </a:extLst>
           </p:cNvPr>
@@ -7983,32 +11057,90 @@
           </p:cNvPicPr>
           <p:nvPr/>
         </p:nvPicPr>
-        <p:blipFill>
-          <a:blip r:embed="rId2">
+        <p:blipFill rotWithShape="1">
+          <a:blip r:embed="rId3">
             <a:extLst>
               <a:ext uri="{28A0092B-C50C-407E-A947-70E740481C1C}">
                 <a14:useLocalDpi xmlns:a14="http://schemas.microsoft.com/office/drawing/2010/main" val="0"/>
               </a:ext>
             </a:extLst>
           </a:blip>
-          <a:stretch>
-            <a:fillRect/>
-          </a:stretch>
+          <a:srcRect l="13257" t="20892" r="13296" b="20136"/>
+          <a:stretch/>
         </p:blipFill>
         <p:spPr>
           <a:xfrm>
-            <a:off x="3313842" y="223934"/>
-            <a:ext cx="5564315" cy="5561534"/>
+            <a:off x="3580794" y="96050"/>
+            <a:ext cx="6018280" cy="4829740"/>
           </a:xfrm>
           <a:prstGeom prst="rect">
             <a:avLst/>
           </a:prstGeom>
         </p:spPr>
       </p:pic>
+      <p:sp>
+        <p:nvSpPr>
+          <p:cNvPr id="5" name="TextBox 4">
+            <a:extLst>
+              <a:ext uri="{FF2B5EF4-FFF2-40B4-BE49-F238E27FC236}">
+                <a16:creationId xmlns:a16="http://schemas.microsoft.com/office/drawing/2014/main" id="{7B02D828-8B9E-4B18-812D-175F92593084}"/>
+              </a:ext>
+            </a:extLst>
+          </p:cNvPr>
+          <p:cNvSpPr txBox="1"/>
+          <p:nvPr/>
+        </p:nvSpPr>
+        <p:spPr>
+          <a:xfrm>
+            <a:off x="4360799" y="5571990"/>
+            <a:ext cx="4458272" cy="830997"/>
+          </a:xfrm>
+          <a:prstGeom prst="rect">
+            <a:avLst/>
+          </a:prstGeom>
+          <a:noFill/>
+        </p:spPr>
+        <p:txBody>
+          <a:bodyPr wrap="none" rtlCol="0">
+            <a:spAutoFit/>
+          </a:bodyPr>
+          <a:lstStyle/>
+          <a:p>
+            <a:pPr algn="ctr"/>
+            <a:r>
+              <a:rPr lang="en-US" sz="2000" b="1" dirty="0"/>
+              <a:t>Developed by: Philip L. Heggelund</a:t>
+            </a:r>
+            <a:br>
+              <a:rPr lang="en-US" b="1" dirty="0"/>
+            </a:br>
+            <a:r>
+              <a:rPr lang="en-US" sz="1400" dirty="0"/>
+              <a:t>With help from </a:t>
+            </a:r>
+            <a:r>
+              <a:rPr lang="en-US" sz="1400" b="1" dirty="0"/>
+              <a:t>John Heggelund</a:t>
+            </a:r>
+            <a:br>
+              <a:rPr lang="en-US" sz="1400" dirty="0"/>
+            </a:br>
+            <a:r>
+              <a:rPr lang="en-US" sz="1400" dirty="0"/>
+              <a:t>and special thanks to </a:t>
+            </a:r>
+            <a:r>
+              <a:rPr lang="en-US" sz="1400" b="1" dirty="0"/>
+              <a:t>Thomas Burke</a:t>
+            </a:r>
+            <a:endParaRPr lang="en-US" b="1" dirty="0"/>
+          </a:p>
+        </p:txBody>
+      </p:sp>
     </p:spTree>
     <p:extLst>
       <p:ext uri="{BB962C8B-B14F-4D97-AF65-F5344CB8AC3E}">
-        <p14:creationId xmlns:p14="http://schemas.microsoft.com/office/powerpoint/2010/main" val="924428667"/>
+        <p14:creationId xmlns:p14="http://schemas.microsoft.com/office/powerpoint/2010/main" val="2701252248"/>
       </p:ext>
     </p:extLst>
   </p:cSld>
@@ -8037,10 +11169,95 @@
       </p:grpSpPr>
       <p:sp>
         <p:nvSpPr>
-          <p:cNvPr id="2" name="Title 1">
+          <p:cNvPr id="3" name="Content Placeholder 2">
             <a:extLst>
               <a:ext uri="{FF2B5EF4-FFF2-40B4-BE49-F238E27FC236}">
-                <a16:creationId xmlns:a16="http://schemas.microsoft.com/office/drawing/2014/main" id="{8EFB7833-AA91-44C8-88BA-40DA76863E65}"/>
+                <a16:creationId xmlns:a16="http://schemas.microsoft.com/office/drawing/2014/main" id="{6DB8C4ED-21D2-4A5D-A7B2-AEAB452EAD26}"/>
+              </a:ext>
+            </a:extLst>
+          </p:cNvPr>
+          <p:cNvSpPr>
+            <a:spLocks noGrp="1"/>
+          </p:cNvSpPr>
+          <p:nvPr>
+            <p:ph idx="1"/>
+          </p:nvPr>
+        </p:nvSpPr>
+        <p:spPr>
+          <a:xfrm>
+            <a:off x="2278734" y="3288563"/>
+            <a:ext cx="8915400" cy="1280890"/>
+          </a:xfrm>
+        </p:spPr>
+        <p:txBody>
+          <a:bodyPr>
+            <a:normAutofit/>
+          </a:bodyPr>
+          <a:lstStyle/>
+          <a:p>
+            <a:pPr marL="0" indent="0">
+              <a:buNone/>
+            </a:pPr>
+            <a:r>
+              <a:rPr lang="en-US" dirty="0"/>
+              <a:t>The Traceability Driver was developed to reduce the cost of interoperability. It’s an addon service that can be installed onto existing traceability solutions with minimum work and enables any traceability solution to interoperate with all other traceability solutions that install the Traceability Driver.</a:t>
+            </a:r>
+          </a:p>
+          <a:p>
+            <a:pPr marL="0" indent="0">
+              <a:buNone/>
+            </a:pPr>
+            <a:endParaRPr lang="en-US" dirty="0"/>
+          </a:p>
+          <a:p>
+            <a:pPr marL="0" indent="0">
+              <a:buNone/>
+            </a:pPr>
+            <a:endParaRPr lang="en-US" dirty="0"/>
+          </a:p>
+        </p:txBody>
+      </p:sp>
+      <p:pic>
+        <p:nvPicPr>
+          <p:cNvPr id="6" name="Picture 5" descr="Logo&#10;&#10;Description automatically generated">
+            <a:extLst>
+              <a:ext uri="{FF2B5EF4-FFF2-40B4-BE49-F238E27FC236}">
+                <a16:creationId xmlns:a16="http://schemas.microsoft.com/office/drawing/2014/main" id="{1C5EA772-019A-4734-B8C9-4255E761AFC7}"/>
+              </a:ext>
+            </a:extLst>
+          </p:cNvPr>
+          <p:cNvPicPr>
+            <a:picLocks noChangeAspect="1"/>
+          </p:cNvPicPr>
+          <p:nvPr/>
+        </p:nvPicPr>
+        <p:blipFill rotWithShape="1">
+          <a:blip r:embed="rId3">
+            <a:extLst>
+              <a:ext uri="{28A0092B-C50C-407E-A947-70E740481C1C}">
+                <a14:useLocalDpi xmlns:a14="http://schemas.microsoft.com/office/drawing/2010/main" val="0"/>
+              </a:ext>
+            </a:extLst>
+          </a:blip>
+          <a:srcRect l="13325" t="22364" r="13218" b="21742"/>
+          <a:stretch/>
+        </p:blipFill>
+        <p:spPr>
+          <a:xfrm>
+            <a:off x="4426330" y="386836"/>
+            <a:ext cx="4086808" cy="3109755"/>
+          </a:xfrm>
+          <a:prstGeom prst="rect">
+            <a:avLst/>
+          </a:prstGeom>
+        </p:spPr>
+      </p:pic>
+      <p:sp>
+        <p:nvSpPr>
+          <p:cNvPr id="9" name="Title 1">
+            <a:extLst>
+              <a:ext uri="{FF2B5EF4-FFF2-40B4-BE49-F238E27FC236}">
+                <a16:creationId xmlns:a16="http://schemas.microsoft.com/office/drawing/2014/main" id="{86AD50ED-3F3A-45AE-B472-4E045BE6AD9A}"/>
               </a:ext>
             </a:extLst>
           </p:cNvPr>
@@ -8051,58 +11268,62 @@
             <p:ph type="title"/>
           </p:nvPr>
         </p:nvSpPr>
-        <p:spPr/>
+        <p:spPr>
+          <a:xfrm>
+            <a:off x="1764250" y="660824"/>
+            <a:ext cx="8911687" cy="1280890"/>
+          </a:xfrm>
+        </p:spPr>
         <p:txBody>
           <a:bodyPr/>
           <a:lstStyle/>
           <a:p>
             <a:r>
               <a:rPr lang="en-US" dirty="0"/>
-              <a:t>Summary of Concept</a:t>
-            </a:r>
-          </a:p>
-        </p:txBody>
-      </p:sp>
-      <p:sp>
-        <p:nvSpPr>
-          <p:cNvPr id="3" name="Content Placeholder 2">
+              <a:t>Entrant</a:t>
+            </a:r>
+          </a:p>
+        </p:txBody>
+      </p:sp>
+      <p:sp>
+        <p:nvSpPr>
+          <p:cNvPr id="11" name="TextBox 10">
             <a:extLst>
               <a:ext uri="{FF2B5EF4-FFF2-40B4-BE49-F238E27FC236}">
-                <a16:creationId xmlns:a16="http://schemas.microsoft.com/office/drawing/2014/main" id="{3F438322-66E5-4737-8F45-9AD0CE054CC5}"/>
+                <a16:creationId xmlns:a16="http://schemas.microsoft.com/office/drawing/2014/main" id="{3D75E9A8-A90B-4AA4-95DB-F1B512ABE97A}"/>
               </a:ext>
             </a:extLst>
           </p:cNvPr>
-          <p:cNvSpPr>
-            <a:spLocks noGrp="1"/>
-          </p:cNvSpPr>
-          <p:nvPr>
-            <p:ph idx="1"/>
-          </p:nvPr>
-        </p:nvSpPr>
-        <p:spPr/>
-        <p:txBody>
-          <a:bodyPr/>
+          <p:cNvSpPr txBox="1"/>
+          <p:nvPr/>
+        </p:nvSpPr>
+        <p:spPr>
+          <a:xfrm>
+            <a:off x="3276868" y="4831368"/>
+            <a:ext cx="7467332" cy="1384995"/>
+          </a:xfrm>
+          <a:prstGeom prst="rect">
+            <a:avLst/>
+          </a:prstGeom>
+          <a:noFill/>
+        </p:spPr>
+        <p:txBody>
+          <a:bodyPr wrap="square" rtlCol="0">
+            <a:spAutoFit/>
+          </a:bodyPr>
           <a:lstStyle/>
           <a:p>
             <a:r>
-              <a:rPr lang="en-US" sz="1800" dirty="0">
-                <a:effectLst/>
-                <a:latin typeface="Calibri" panose="020F0502020204030204" pitchFamily="34" charset="0"/>
-                <a:ea typeface="Calibri" panose="020F0502020204030204" pitchFamily="34" charset="0"/>
-                <a:cs typeface="Times New Roman" panose="02020603050405020304" pitchFamily="18" charset="0"/>
-              </a:rPr>
-              <a:t>The Traceability Driver is a service that can be installed into an existing traceability solution that allows for the solution to become interoperable with other traceability solutions that also implement the Traceability Driver.</a:t>
-            </a:r>
-          </a:p>
-          <a:p>
-            <a:endParaRPr lang="en-US" dirty="0"/>
+              <a:rPr lang="en-US" sz="2800" i="1" dirty="0"/>
+              <a:t>“Food companies are drowning in traceability solution options but are starving for interoperability.”</a:t>
+            </a:r>
           </a:p>
         </p:txBody>
       </p:sp>
     </p:spTree>
     <p:extLst>
       <p:ext uri="{BB962C8B-B14F-4D97-AF65-F5344CB8AC3E}">
-        <p14:creationId xmlns:p14="http://schemas.microsoft.com/office/powerpoint/2010/main" val="4019428247"/>
+        <p14:creationId xmlns:p14="http://schemas.microsoft.com/office/powerpoint/2010/main" val="924428667"/>
       </p:ext>
     </p:extLst>
   </p:cSld>
@@ -8134,7 +11355,7 @@
           <p:cNvPr id="2" name="Title 1">
             <a:extLst>
               <a:ext uri="{FF2B5EF4-FFF2-40B4-BE49-F238E27FC236}">
-                <a16:creationId xmlns:a16="http://schemas.microsoft.com/office/drawing/2014/main" id="{9D781ABF-36B7-4200-B19E-EB3ADAE430DE}"/>
+                <a16:creationId xmlns:a16="http://schemas.microsoft.com/office/drawing/2014/main" id="{8EFB7833-AA91-44C8-88BA-40DA76863E65}"/>
               </a:ext>
             </a:extLst>
           </p:cNvPr>
@@ -8152,43 +11373,99 @@
           <a:p>
             <a:r>
               <a:rPr lang="en-US" dirty="0"/>
-              <a:t>Description of Technical Design</a:t>
-            </a:r>
-          </a:p>
-        </p:txBody>
-      </p:sp>
-      <p:pic>
-        <p:nvPicPr>
-          <p:cNvPr id="4" name="Picture 3">
+              <a:t>Summary of Concept</a:t>
+            </a:r>
+          </a:p>
+        </p:txBody>
+      </p:sp>
+      <p:sp>
+        <p:nvSpPr>
+          <p:cNvPr id="3" name="Content Placeholder 2">
             <a:extLst>
               <a:ext uri="{FF2B5EF4-FFF2-40B4-BE49-F238E27FC236}">
-                <a16:creationId xmlns:a16="http://schemas.microsoft.com/office/drawing/2014/main" id="{B8372AC9-584B-458D-B373-4C747D019B3C}"/>
+                <a16:creationId xmlns:a16="http://schemas.microsoft.com/office/drawing/2014/main" id="{3F438322-66E5-4737-8F45-9AD0CE054CC5}"/>
               </a:ext>
             </a:extLst>
           </p:cNvPr>
-          <p:cNvPicPr/>
-          <p:nvPr/>
-        </p:nvPicPr>
-        <p:blipFill>
-          <a:blip r:embed="rId2"/>
-          <a:stretch>
-            <a:fillRect/>
-          </a:stretch>
-        </p:blipFill>
+          <p:cNvSpPr>
+            <a:spLocks noGrp="1"/>
+          </p:cNvSpPr>
+          <p:nvPr>
+            <p:ph idx="1"/>
+          </p:nvPr>
+        </p:nvSpPr>
         <p:spPr>
           <a:xfrm>
-            <a:off x="958047" y="1690687"/>
-            <a:ext cx="10005421" cy="4598145"/>
+            <a:off x="2592924" y="1337609"/>
+            <a:ext cx="9313941" cy="5387656"/>
           </a:xfrm>
-          <a:prstGeom prst="rect">
-            <a:avLst/>
-          </a:prstGeom>
         </p:spPr>
-      </p:pic>
+        <p:txBody>
+          <a:bodyPr>
+            <a:normAutofit/>
+          </a:bodyPr>
+          <a:lstStyle/>
+          <a:p>
+            <a:r>
+              <a:rPr lang="en-US" sz="1600" dirty="0"/>
+              <a:t>A software tool that can be used to make an existing traceability solution interoperable using the GS1 standards.</a:t>
+            </a:r>
+          </a:p>
+          <a:p>
+            <a:r>
+              <a:rPr lang="en-US" sz="1600" dirty="0"/>
+              <a:t>Each traceability solution that implements the Traceability Driver will be interoperable with every other traceability solution that implements the Traceability Driver.</a:t>
+            </a:r>
+          </a:p>
+          <a:p>
+            <a:pPr lvl="1"/>
+            <a:r>
+              <a:rPr lang="en-US" dirty="0"/>
+              <a:t>Each traceability solution writes a mapper between the common data models in the Traceability Driver and their data models.</a:t>
+            </a:r>
+          </a:p>
+          <a:p>
+            <a:pPr lvl="1"/>
+            <a:r>
+              <a:rPr lang="en-US" dirty="0"/>
+              <a:t>When TS #1 wants to exchange data with TS #2, they TS #1 uses their mapper to map to the common data model. Then the common data model is sent to TS #2 using their Traceability Driver. Then TS #2 uses their mapper to map to their local format.</a:t>
+            </a:r>
+          </a:p>
+          <a:p>
+            <a:pPr lvl="2"/>
+            <a:r>
+              <a:rPr lang="en-US" dirty="0"/>
+              <a:t>Think wheel and spoke approach.</a:t>
+            </a:r>
+          </a:p>
+          <a:p>
+            <a:pPr lvl="2"/>
+            <a:r>
+              <a:rPr lang="en-US" dirty="0"/>
+              <a:t>TS = Traceability Solution</a:t>
+            </a:r>
+          </a:p>
+          <a:p>
+            <a:r>
+              <a:rPr lang="en-US" sz="1600" dirty="0"/>
+              <a:t>The tool is installed as an addon to any existing traceability solution.</a:t>
+            </a:r>
+          </a:p>
+          <a:p>
+            <a:r>
+              <a:rPr lang="en-US" sz="1600" dirty="0"/>
+              <a:t>Cross Platform and available on Linux, Windows, and Mac.</a:t>
+            </a:r>
+          </a:p>
+          <a:p>
+            <a:endParaRPr lang="en-US" sz="1600" dirty="0"/>
+          </a:p>
+        </p:txBody>
+      </p:sp>
     </p:spTree>
     <p:extLst>
       <p:ext uri="{BB962C8B-B14F-4D97-AF65-F5344CB8AC3E}">
-        <p14:creationId xmlns:p14="http://schemas.microsoft.com/office/powerpoint/2010/main" val="1136099656"/>
+        <p14:creationId xmlns:p14="http://schemas.microsoft.com/office/powerpoint/2010/main" val="4019428247"/>
       </p:ext>
     </p:extLst>
   </p:cSld>
@@ -8220,7 +11497,7 @@
           <p:cNvPr id="2" name="Title 1">
             <a:extLst>
               <a:ext uri="{FF2B5EF4-FFF2-40B4-BE49-F238E27FC236}">
-                <a16:creationId xmlns:a16="http://schemas.microsoft.com/office/drawing/2014/main" id="{C7522E19-1F7A-4191-BC77-58E53407E517}"/>
+                <a16:creationId xmlns:a16="http://schemas.microsoft.com/office/drawing/2014/main" id="{9D781ABF-36B7-4200-B19E-EB3ADAE430DE}"/>
               </a:ext>
             </a:extLst>
           </p:cNvPr>
@@ -8237,93 +11514,1627 @@
           <a:lstStyle/>
           <a:p>
             <a:r>
-              <a:rPr lang="en-US" sz="3200" dirty="0"/>
-              <a:t>Evaluation Criterion #1:</a:t>
-            </a:r>
-            <a:br>
               <a:rPr lang="en-US" dirty="0"/>
-            </a:br>
-            <a:r>
-              <a:rPr lang="en-US" dirty="0"/>
-              <a:t>Needs-based</a:t>
-            </a:r>
-          </a:p>
-        </p:txBody>
-      </p:sp>
-      <p:sp>
-        <p:nvSpPr>
-          <p:cNvPr id="3" name="Content Placeholder 2">
+              <a:t>Description of Technical Design</a:t>
+            </a:r>
+          </a:p>
+        </p:txBody>
+      </p:sp>
+      <p:grpSp>
+        <p:nvGrpSpPr>
+          <p:cNvPr id="12" name="Group 11">
             <a:extLst>
               <a:ext uri="{FF2B5EF4-FFF2-40B4-BE49-F238E27FC236}">
-                <a16:creationId xmlns:a16="http://schemas.microsoft.com/office/drawing/2014/main" id="{EF3057A1-1EAF-4E50-A629-40213ADDE2C0}"/>
+                <a16:creationId xmlns:a16="http://schemas.microsoft.com/office/drawing/2014/main" id="{117E1FCB-FED5-4C04-9F35-53379979CF9D}"/>
               </a:ext>
             </a:extLst>
           </p:cNvPr>
-          <p:cNvSpPr>
-            <a:spLocks noGrp="1"/>
-          </p:cNvSpPr>
-          <p:nvPr>
-            <p:ph idx="1"/>
-          </p:nvPr>
-        </p:nvSpPr>
-        <p:spPr/>
-        <p:txBody>
-          <a:bodyPr/>
+          <p:cNvGrpSpPr/>
+          <p:nvPr/>
+        </p:nvGrpSpPr>
+        <p:grpSpPr>
+          <a:xfrm>
+            <a:off x="2369416" y="1435039"/>
+            <a:ext cx="3029527" cy="1822222"/>
+            <a:chOff x="3731491" y="1844614"/>
+            <a:chExt cx="3029527" cy="1822222"/>
+          </a:xfrm>
+        </p:grpSpPr>
+        <p:sp>
+          <p:nvSpPr>
+            <p:cNvPr id="5" name="Flowchart: Magnetic Disk 4">
+              <a:extLst>
+                <a:ext uri="{FF2B5EF4-FFF2-40B4-BE49-F238E27FC236}">
+                  <a16:creationId xmlns:a16="http://schemas.microsoft.com/office/drawing/2014/main" id="{A8BB1526-098C-49FE-A7FC-0D6EAA252D20}"/>
+                </a:ext>
+              </a:extLst>
+            </p:cNvPr>
+            <p:cNvSpPr/>
+            <p:nvPr/>
+          </p:nvSpPr>
+          <p:spPr>
+            <a:xfrm>
+              <a:off x="5126182" y="1844614"/>
+              <a:ext cx="1634836" cy="1822222"/>
+            </a:xfrm>
+            <a:prstGeom prst="flowChartMagneticDisk">
+              <a:avLst/>
+            </a:prstGeom>
+          </p:spPr>
+          <p:style>
+            <a:lnRef idx="2">
+              <a:schemeClr val="accent1">
+                <a:shade val="50000"/>
+              </a:schemeClr>
+            </a:lnRef>
+            <a:fillRef idx="1">
+              <a:schemeClr val="accent1"/>
+            </a:fillRef>
+            <a:effectRef idx="0">
+              <a:schemeClr val="accent1"/>
+            </a:effectRef>
+            <a:fontRef idx="minor">
+              <a:schemeClr val="lt1"/>
+            </a:fontRef>
+          </p:style>
+          <p:txBody>
+            <a:bodyPr rtlCol="0" anchor="ctr"/>
+            <a:lstStyle/>
+            <a:p>
+              <a:pPr algn="ctr"/>
+              <a:r>
+                <a:rPr lang="en-US" sz="1200" dirty="0"/>
+                <a:t>Traceability Driver</a:t>
+              </a:r>
+              <a:br>
+                <a:rPr lang="en-US" sz="1200" dirty="0"/>
+              </a:br>
+              <a:br>
+                <a:rPr lang="en-US" sz="1200" dirty="0"/>
+              </a:br>
+              <a:br>
+                <a:rPr lang="en-US" sz="1200" dirty="0"/>
+              </a:br>
+              <a:endParaRPr lang="en-US" sz="1200" dirty="0"/>
+            </a:p>
+          </p:txBody>
+        </p:sp>
+        <p:sp>
+          <p:nvSpPr>
+            <p:cNvPr id="7" name="Rectangle 6">
+              <a:extLst>
+                <a:ext uri="{FF2B5EF4-FFF2-40B4-BE49-F238E27FC236}">
+                  <a16:creationId xmlns:a16="http://schemas.microsoft.com/office/drawing/2014/main" id="{CFFEC951-DEF9-491C-AF7A-F0C68B8FE71C}"/>
+                </a:ext>
+              </a:extLst>
+            </p:cNvPr>
+            <p:cNvSpPr/>
+            <p:nvPr/>
+          </p:nvSpPr>
+          <p:spPr>
+            <a:xfrm>
+              <a:off x="5384802" y="2819400"/>
+              <a:ext cx="1170526" cy="230909"/>
+            </a:xfrm>
+            <a:prstGeom prst="rect">
+              <a:avLst/>
+            </a:prstGeom>
+          </p:spPr>
+          <p:style>
+            <a:lnRef idx="2">
+              <a:schemeClr val="accent2">
+                <a:shade val="50000"/>
+              </a:schemeClr>
+            </a:lnRef>
+            <a:fillRef idx="1">
+              <a:schemeClr val="accent2"/>
+            </a:fillRef>
+            <a:effectRef idx="0">
+              <a:schemeClr val="accent2"/>
+            </a:effectRef>
+            <a:fontRef idx="minor">
+              <a:schemeClr val="lt1"/>
+            </a:fontRef>
+          </p:style>
+          <p:txBody>
+            <a:bodyPr rtlCol="0" anchor="ctr"/>
+            <a:lstStyle/>
+            <a:p>
+              <a:pPr algn="ctr"/>
+              <a:r>
+                <a:rPr lang="en-US" sz="1050" dirty="0"/>
+                <a:t>GS1 Digital Link</a:t>
+              </a:r>
+            </a:p>
+          </p:txBody>
+        </p:sp>
+        <p:sp>
+          <p:nvSpPr>
+            <p:cNvPr id="8" name="Rectangle 7">
+              <a:extLst>
+                <a:ext uri="{FF2B5EF4-FFF2-40B4-BE49-F238E27FC236}">
+                  <a16:creationId xmlns:a16="http://schemas.microsoft.com/office/drawing/2014/main" id="{12E02615-C0CB-4282-9813-9538D7141497}"/>
+                </a:ext>
+              </a:extLst>
+            </p:cNvPr>
+            <p:cNvSpPr/>
+            <p:nvPr/>
+          </p:nvSpPr>
+          <p:spPr>
+            <a:xfrm>
+              <a:off x="5384802" y="3065117"/>
+              <a:ext cx="1170526" cy="230909"/>
+            </a:xfrm>
+            <a:prstGeom prst="rect">
+              <a:avLst/>
+            </a:prstGeom>
+          </p:spPr>
+          <p:style>
+            <a:lnRef idx="2">
+              <a:schemeClr val="accent2">
+                <a:shade val="50000"/>
+              </a:schemeClr>
+            </a:lnRef>
+            <a:fillRef idx="1">
+              <a:schemeClr val="accent2"/>
+            </a:fillRef>
+            <a:effectRef idx="0">
+              <a:schemeClr val="accent2"/>
+            </a:effectRef>
+            <a:fontRef idx="minor">
+              <a:schemeClr val="lt1"/>
+            </a:fontRef>
+          </p:style>
+          <p:txBody>
+            <a:bodyPr rtlCol="0" anchor="ctr"/>
+            <a:lstStyle/>
+            <a:p>
+              <a:pPr algn="ctr"/>
+              <a:r>
+                <a:rPr lang="en-US" sz="1050" dirty="0"/>
+                <a:t>EPCIS Interface</a:t>
+              </a:r>
+            </a:p>
+          </p:txBody>
+        </p:sp>
+        <p:sp>
+          <p:nvSpPr>
+            <p:cNvPr id="9" name="Rectangle 8">
+              <a:extLst>
+                <a:ext uri="{FF2B5EF4-FFF2-40B4-BE49-F238E27FC236}">
+                  <a16:creationId xmlns:a16="http://schemas.microsoft.com/office/drawing/2014/main" id="{9A4714DA-F4CF-405A-B058-73990A54D4C9}"/>
+                </a:ext>
+              </a:extLst>
+            </p:cNvPr>
+            <p:cNvSpPr/>
+            <p:nvPr/>
+          </p:nvSpPr>
+          <p:spPr>
+            <a:xfrm>
+              <a:off x="5384802" y="3310834"/>
+              <a:ext cx="1170526" cy="230909"/>
+            </a:xfrm>
+            <a:prstGeom prst="rect">
+              <a:avLst/>
+            </a:prstGeom>
+          </p:spPr>
+          <p:style>
+            <a:lnRef idx="2">
+              <a:schemeClr val="accent2">
+                <a:shade val="50000"/>
+              </a:schemeClr>
+            </a:lnRef>
+            <a:fillRef idx="1">
+              <a:schemeClr val="accent2"/>
+            </a:fillRef>
+            <a:effectRef idx="0">
+              <a:schemeClr val="accent2"/>
+            </a:effectRef>
+            <a:fontRef idx="minor">
+              <a:schemeClr val="lt1"/>
+            </a:fontRef>
+          </p:style>
+          <p:txBody>
+            <a:bodyPr rtlCol="0" anchor="ctr"/>
+            <a:lstStyle/>
+            <a:p>
+              <a:pPr algn="ctr"/>
+              <a:r>
+                <a:rPr lang="en-US" sz="900" dirty="0"/>
+                <a:t>Master Data API</a:t>
+              </a:r>
+            </a:p>
+          </p:txBody>
+        </p:sp>
+        <p:sp>
+          <p:nvSpPr>
+            <p:cNvPr id="3" name="Rectangle 2">
+              <a:extLst>
+                <a:ext uri="{FF2B5EF4-FFF2-40B4-BE49-F238E27FC236}">
+                  <a16:creationId xmlns:a16="http://schemas.microsoft.com/office/drawing/2014/main" id="{5EF202D5-0528-455E-B268-745D112FA89B}"/>
+                </a:ext>
+              </a:extLst>
+            </p:cNvPr>
+            <p:cNvSpPr/>
+            <p:nvPr/>
+          </p:nvSpPr>
+          <p:spPr>
+            <a:xfrm>
+              <a:off x="3731491" y="2215570"/>
+              <a:ext cx="1394690" cy="1122971"/>
+            </a:xfrm>
+            <a:prstGeom prst="rect">
+              <a:avLst/>
+            </a:prstGeom>
+          </p:spPr>
+          <p:style>
+            <a:lnRef idx="2">
+              <a:schemeClr val="accent1">
+                <a:shade val="50000"/>
+              </a:schemeClr>
+            </a:lnRef>
+            <a:fillRef idx="1">
+              <a:schemeClr val="accent1"/>
+            </a:fillRef>
+            <a:effectRef idx="0">
+              <a:schemeClr val="accent1"/>
+            </a:effectRef>
+            <a:fontRef idx="minor">
+              <a:schemeClr val="lt1"/>
+            </a:fontRef>
+          </p:style>
+          <p:txBody>
+            <a:bodyPr rtlCol="0" anchor="ctr"/>
+            <a:lstStyle/>
+            <a:p>
+              <a:pPr algn="ctr"/>
+              <a:r>
+                <a:rPr lang="en-US" sz="1050" dirty="0"/>
+                <a:t>Solution Provider</a:t>
+              </a:r>
+              <a:br>
+                <a:rPr lang="en-US" sz="1050" dirty="0"/>
+              </a:br>
+              <a:br>
+                <a:rPr lang="en-US" sz="1050" dirty="0"/>
+              </a:br>
+              <a:br>
+                <a:rPr lang="en-US" sz="1050" dirty="0"/>
+              </a:br>
+              <a:br>
+                <a:rPr lang="en-US" sz="1050" dirty="0"/>
+              </a:br>
+              <a:endParaRPr lang="en-US" sz="1050" dirty="0"/>
+            </a:p>
+          </p:txBody>
+        </p:sp>
+        <p:pic>
+          <p:nvPicPr>
+            <p:cNvPr id="11" name="Picture 10" descr="Shape&#10;&#10;Description automatically generated with low confidence">
+              <a:extLst>
+                <a:ext uri="{FF2B5EF4-FFF2-40B4-BE49-F238E27FC236}">
+                  <a16:creationId xmlns:a16="http://schemas.microsoft.com/office/drawing/2014/main" id="{75F7B00F-1827-4FDC-A7CB-EA0B4A344D3D}"/>
+                </a:ext>
+              </a:extLst>
+            </p:cNvPr>
+            <p:cNvPicPr>
+              <a:picLocks noChangeAspect="1"/>
+            </p:cNvPicPr>
+            <p:nvPr/>
+          </p:nvPicPr>
+          <p:blipFill>
+            <a:blip r:embed="rId2">
+              <a:extLst>
+                <a:ext uri="{28A0092B-C50C-407E-A947-70E740481C1C}">
+                  <a14:useLocalDpi xmlns:a14="http://schemas.microsoft.com/office/drawing/2010/main" val="0"/>
+                </a:ext>
+              </a:extLst>
+            </a:blip>
+            <a:stretch>
+              <a:fillRect/>
+            </a:stretch>
+          </p:blipFill>
+          <p:spPr>
+            <a:xfrm>
+              <a:off x="4093516" y="2584555"/>
+              <a:ext cx="670639" cy="670639"/>
+            </a:xfrm>
+            <a:prstGeom prst="rect">
+              <a:avLst/>
+            </a:prstGeom>
+            <a:solidFill>
+              <a:schemeClr val="bg1"/>
+            </a:solidFill>
+          </p:spPr>
+        </p:pic>
+      </p:grpSp>
+      <p:grpSp>
+        <p:nvGrpSpPr>
+          <p:cNvPr id="13" name="Group 12">
+            <a:extLst>
+              <a:ext uri="{FF2B5EF4-FFF2-40B4-BE49-F238E27FC236}">
+                <a16:creationId xmlns:a16="http://schemas.microsoft.com/office/drawing/2014/main" id="{99CD7AA4-917D-49AB-B585-6B2DEE12232D}"/>
+              </a:ext>
+            </a:extLst>
+          </p:cNvPr>
+          <p:cNvGrpSpPr/>
+          <p:nvPr/>
+        </p:nvGrpSpPr>
+        <p:grpSpPr>
+          <a:xfrm>
+            <a:off x="2369416" y="3929035"/>
+            <a:ext cx="3029527" cy="1822222"/>
+            <a:chOff x="3731491" y="1844614"/>
+            <a:chExt cx="3029527" cy="1822222"/>
+          </a:xfrm>
+        </p:grpSpPr>
+        <p:sp>
+          <p:nvSpPr>
+            <p:cNvPr id="14" name="Flowchart: Magnetic Disk 13">
+              <a:extLst>
+                <a:ext uri="{FF2B5EF4-FFF2-40B4-BE49-F238E27FC236}">
+                  <a16:creationId xmlns:a16="http://schemas.microsoft.com/office/drawing/2014/main" id="{43F5A298-263D-46E5-B086-B08883A86988}"/>
+                </a:ext>
+              </a:extLst>
+            </p:cNvPr>
+            <p:cNvSpPr/>
+            <p:nvPr/>
+          </p:nvSpPr>
+          <p:spPr>
+            <a:xfrm>
+              <a:off x="5126182" y="1844614"/>
+              <a:ext cx="1634836" cy="1822222"/>
+            </a:xfrm>
+            <a:prstGeom prst="flowChartMagneticDisk">
+              <a:avLst/>
+            </a:prstGeom>
+          </p:spPr>
+          <p:style>
+            <a:lnRef idx="2">
+              <a:schemeClr val="accent1">
+                <a:shade val="50000"/>
+              </a:schemeClr>
+            </a:lnRef>
+            <a:fillRef idx="1">
+              <a:schemeClr val="accent1"/>
+            </a:fillRef>
+            <a:effectRef idx="0">
+              <a:schemeClr val="accent1"/>
+            </a:effectRef>
+            <a:fontRef idx="minor">
+              <a:schemeClr val="lt1"/>
+            </a:fontRef>
+          </p:style>
+          <p:txBody>
+            <a:bodyPr rtlCol="0" anchor="ctr"/>
+            <a:lstStyle/>
+            <a:p>
+              <a:pPr algn="ctr"/>
+              <a:r>
+                <a:rPr lang="en-US" sz="1200" dirty="0"/>
+                <a:t>Traceability Driver</a:t>
+              </a:r>
+              <a:br>
+                <a:rPr lang="en-US" sz="1200" dirty="0"/>
+              </a:br>
+              <a:br>
+                <a:rPr lang="en-US" sz="1200" dirty="0"/>
+              </a:br>
+              <a:br>
+                <a:rPr lang="en-US" sz="1200" dirty="0"/>
+              </a:br>
+              <a:endParaRPr lang="en-US" sz="1200" dirty="0"/>
+            </a:p>
+          </p:txBody>
+        </p:sp>
+        <p:sp>
+          <p:nvSpPr>
+            <p:cNvPr id="15" name="Rectangle 14">
+              <a:extLst>
+                <a:ext uri="{FF2B5EF4-FFF2-40B4-BE49-F238E27FC236}">
+                  <a16:creationId xmlns:a16="http://schemas.microsoft.com/office/drawing/2014/main" id="{6417AE59-B795-4134-A39A-44410EA0B136}"/>
+                </a:ext>
+              </a:extLst>
+            </p:cNvPr>
+            <p:cNvSpPr/>
+            <p:nvPr/>
+          </p:nvSpPr>
+          <p:spPr>
+            <a:xfrm>
+              <a:off x="5384802" y="2819400"/>
+              <a:ext cx="1170526" cy="230909"/>
+            </a:xfrm>
+            <a:prstGeom prst="rect">
+              <a:avLst/>
+            </a:prstGeom>
+          </p:spPr>
+          <p:style>
+            <a:lnRef idx="2">
+              <a:schemeClr val="accent2">
+                <a:shade val="50000"/>
+              </a:schemeClr>
+            </a:lnRef>
+            <a:fillRef idx="1">
+              <a:schemeClr val="accent2"/>
+            </a:fillRef>
+            <a:effectRef idx="0">
+              <a:schemeClr val="accent2"/>
+            </a:effectRef>
+            <a:fontRef idx="minor">
+              <a:schemeClr val="lt1"/>
+            </a:fontRef>
+          </p:style>
+          <p:txBody>
+            <a:bodyPr rtlCol="0" anchor="ctr"/>
+            <a:lstStyle/>
+            <a:p>
+              <a:pPr algn="ctr"/>
+              <a:r>
+                <a:rPr lang="en-US" sz="1050" dirty="0"/>
+                <a:t>GS1 Digital Link</a:t>
+              </a:r>
+            </a:p>
+          </p:txBody>
+        </p:sp>
+        <p:sp>
+          <p:nvSpPr>
+            <p:cNvPr id="16" name="Rectangle 15">
+              <a:extLst>
+                <a:ext uri="{FF2B5EF4-FFF2-40B4-BE49-F238E27FC236}">
+                  <a16:creationId xmlns:a16="http://schemas.microsoft.com/office/drawing/2014/main" id="{7AD0E7DB-1B37-4D91-A5A3-355F8FF96625}"/>
+                </a:ext>
+              </a:extLst>
+            </p:cNvPr>
+            <p:cNvSpPr/>
+            <p:nvPr/>
+          </p:nvSpPr>
+          <p:spPr>
+            <a:xfrm>
+              <a:off x="5384802" y="3065117"/>
+              <a:ext cx="1170526" cy="230909"/>
+            </a:xfrm>
+            <a:prstGeom prst="rect">
+              <a:avLst/>
+            </a:prstGeom>
+          </p:spPr>
+          <p:style>
+            <a:lnRef idx="2">
+              <a:schemeClr val="accent2">
+                <a:shade val="50000"/>
+              </a:schemeClr>
+            </a:lnRef>
+            <a:fillRef idx="1">
+              <a:schemeClr val="accent2"/>
+            </a:fillRef>
+            <a:effectRef idx="0">
+              <a:schemeClr val="accent2"/>
+            </a:effectRef>
+            <a:fontRef idx="minor">
+              <a:schemeClr val="lt1"/>
+            </a:fontRef>
+          </p:style>
+          <p:txBody>
+            <a:bodyPr rtlCol="0" anchor="ctr"/>
+            <a:lstStyle/>
+            <a:p>
+              <a:pPr algn="ctr"/>
+              <a:r>
+                <a:rPr lang="en-US" sz="1050" dirty="0"/>
+                <a:t>EPCIS Interface</a:t>
+              </a:r>
+            </a:p>
+          </p:txBody>
+        </p:sp>
+        <p:sp>
+          <p:nvSpPr>
+            <p:cNvPr id="17" name="Rectangle 16">
+              <a:extLst>
+                <a:ext uri="{FF2B5EF4-FFF2-40B4-BE49-F238E27FC236}">
+                  <a16:creationId xmlns:a16="http://schemas.microsoft.com/office/drawing/2014/main" id="{48AD2866-AD1B-45CC-B41B-AB92C37A88C3}"/>
+                </a:ext>
+              </a:extLst>
+            </p:cNvPr>
+            <p:cNvSpPr/>
+            <p:nvPr/>
+          </p:nvSpPr>
+          <p:spPr>
+            <a:xfrm>
+              <a:off x="5384802" y="3310834"/>
+              <a:ext cx="1170526" cy="230909"/>
+            </a:xfrm>
+            <a:prstGeom prst="rect">
+              <a:avLst/>
+            </a:prstGeom>
+          </p:spPr>
+          <p:style>
+            <a:lnRef idx="2">
+              <a:schemeClr val="accent2">
+                <a:shade val="50000"/>
+              </a:schemeClr>
+            </a:lnRef>
+            <a:fillRef idx="1">
+              <a:schemeClr val="accent2"/>
+            </a:fillRef>
+            <a:effectRef idx="0">
+              <a:schemeClr val="accent2"/>
+            </a:effectRef>
+            <a:fontRef idx="minor">
+              <a:schemeClr val="lt1"/>
+            </a:fontRef>
+          </p:style>
+          <p:txBody>
+            <a:bodyPr rtlCol="0" anchor="ctr"/>
+            <a:lstStyle/>
+            <a:p>
+              <a:pPr algn="ctr"/>
+              <a:r>
+                <a:rPr lang="en-US" sz="900" dirty="0"/>
+                <a:t>Master Data API</a:t>
+              </a:r>
+            </a:p>
+          </p:txBody>
+        </p:sp>
+        <p:sp>
+          <p:nvSpPr>
+            <p:cNvPr id="18" name="Rectangle 17">
+              <a:extLst>
+                <a:ext uri="{FF2B5EF4-FFF2-40B4-BE49-F238E27FC236}">
+                  <a16:creationId xmlns:a16="http://schemas.microsoft.com/office/drawing/2014/main" id="{86033914-7618-4039-8EEA-D1C2E0045CC6}"/>
+                </a:ext>
+              </a:extLst>
+            </p:cNvPr>
+            <p:cNvSpPr/>
+            <p:nvPr/>
+          </p:nvSpPr>
+          <p:spPr>
+            <a:xfrm>
+              <a:off x="3731491" y="2215570"/>
+              <a:ext cx="1394690" cy="1122971"/>
+            </a:xfrm>
+            <a:prstGeom prst="rect">
+              <a:avLst/>
+            </a:prstGeom>
+          </p:spPr>
+          <p:style>
+            <a:lnRef idx="2">
+              <a:schemeClr val="accent1">
+                <a:shade val="50000"/>
+              </a:schemeClr>
+            </a:lnRef>
+            <a:fillRef idx="1">
+              <a:schemeClr val="accent1"/>
+            </a:fillRef>
+            <a:effectRef idx="0">
+              <a:schemeClr val="accent1"/>
+            </a:effectRef>
+            <a:fontRef idx="minor">
+              <a:schemeClr val="lt1"/>
+            </a:fontRef>
+          </p:style>
+          <p:txBody>
+            <a:bodyPr rtlCol="0" anchor="ctr"/>
+            <a:lstStyle/>
+            <a:p>
+              <a:pPr algn="ctr"/>
+              <a:r>
+                <a:rPr lang="en-US" sz="1050" dirty="0"/>
+                <a:t>Solution Provider</a:t>
+              </a:r>
+              <a:br>
+                <a:rPr lang="en-US" sz="1050" dirty="0"/>
+              </a:br>
+              <a:br>
+                <a:rPr lang="en-US" sz="1050" dirty="0"/>
+              </a:br>
+              <a:br>
+                <a:rPr lang="en-US" sz="1050" dirty="0"/>
+              </a:br>
+              <a:br>
+                <a:rPr lang="en-US" sz="1050" dirty="0"/>
+              </a:br>
+              <a:endParaRPr lang="en-US" sz="1050" dirty="0"/>
+            </a:p>
+          </p:txBody>
+        </p:sp>
+        <p:pic>
+          <p:nvPicPr>
+            <p:cNvPr id="19" name="Picture 18" descr="Shape&#10;&#10;Description automatically generated with low confidence">
+              <a:extLst>
+                <a:ext uri="{FF2B5EF4-FFF2-40B4-BE49-F238E27FC236}">
+                  <a16:creationId xmlns:a16="http://schemas.microsoft.com/office/drawing/2014/main" id="{BA3692FC-E355-4D46-A6B6-16634526EE54}"/>
+                </a:ext>
+              </a:extLst>
+            </p:cNvPr>
+            <p:cNvPicPr>
+              <a:picLocks noChangeAspect="1"/>
+            </p:cNvPicPr>
+            <p:nvPr/>
+          </p:nvPicPr>
+          <p:blipFill>
+            <a:blip r:embed="rId2">
+              <a:extLst>
+                <a:ext uri="{28A0092B-C50C-407E-A947-70E740481C1C}">
+                  <a14:useLocalDpi xmlns:a14="http://schemas.microsoft.com/office/drawing/2010/main" val="0"/>
+                </a:ext>
+              </a:extLst>
+            </a:blip>
+            <a:stretch>
+              <a:fillRect/>
+            </a:stretch>
+          </p:blipFill>
+          <p:spPr>
+            <a:xfrm>
+              <a:off x="4093516" y="2584555"/>
+              <a:ext cx="670639" cy="670639"/>
+            </a:xfrm>
+            <a:prstGeom prst="rect">
+              <a:avLst/>
+            </a:prstGeom>
+            <a:solidFill>
+              <a:schemeClr val="bg1"/>
+            </a:solidFill>
+          </p:spPr>
+        </p:pic>
+      </p:grpSp>
+      <p:grpSp>
+        <p:nvGrpSpPr>
+          <p:cNvPr id="20" name="Group 19">
+            <a:extLst>
+              <a:ext uri="{FF2B5EF4-FFF2-40B4-BE49-F238E27FC236}">
+                <a16:creationId xmlns:a16="http://schemas.microsoft.com/office/drawing/2014/main" id="{0F7A29EB-506C-4410-8C7D-49B12FAB4665}"/>
+              </a:ext>
+            </a:extLst>
+          </p:cNvPr>
+          <p:cNvGrpSpPr/>
+          <p:nvPr/>
+        </p:nvGrpSpPr>
+        <p:grpSpPr>
+          <a:xfrm flipH="1">
+            <a:off x="7508514" y="1417115"/>
+            <a:ext cx="3029527" cy="1822222"/>
+            <a:chOff x="3731491" y="1844614"/>
+            <a:chExt cx="3029527" cy="1822222"/>
+          </a:xfrm>
+        </p:grpSpPr>
+        <p:sp>
+          <p:nvSpPr>
+            <p:cNvPr id="21" name="Flowchart: Magnetic Disk 20">
+              <a:extLst>
+                <a:ext uri="{FF2B5EF4-FFF2-40B4-BE49-F238E27FC236}">
+                  <a16:creationId xmlns:a16="http://schemas.microsoft.com/office/drawing/2014/main" id="{6C726425-A748-4DF7-BC0F-725D6318903A}"/>
+                </a:ext>
+              </a:extLst>
+            </p:cNvPr>
+            <p:cNvSpPr/>
+            <p:nvPr/>
+          </p:nvSpPr>
+          <p:spPr>
+            <a:xfrm>
+              <a:off x="5126182" y="1844614"/>
+              <a:ext cx="1634836" cy="1822222"/>
+            </a:xfrm>
+            <a:prstGeom prst="flowChartMagneticDisk">
+              <a:avLst/>
+            </a:prstGeom>
+          </p:spPr>
+          <p:style>
+            <a:lnRef idx="2">
+              <a:schemeClr val="accent1">
+                <a:shade val="50000"/>
+              </a:schemeClr>
+            </a:lnRef>
+            <a:fillRef idx="1">
+              <a:schemeClr val="accent1"/>
+            </a:fillRef>
+            <a:effectRef idx="0">
+              <a:schemeClr val="accent1"/>
+            </a:effectRef>
+            <a:fontRef idx="minor">
+              <a:schemeClr val="lt1"/>
+            </a:fontRef>
+          </p:style>
+          <p:txBody>
+            <a:bodyPr rtlCol="0" anchor="ctr"/>
+            <a:lstStyle/>
+            <a:p>
+              <a:pPr algn="ctr"/>
+              <a:r>
+                <a:rPr lang="en-US" sz="1200" dirty="0"/>
+                <a:t>Traceability Driver</a:t>
+              </a:r>
+              <a:br>
+                <a:rPr lang="en-US" sz="1200" dirty="0"/>
+              </a:br>
+              <a:br>
+                <a:rPr lang="en-US" sz="1200" dirty="0"/>
+              </a:br>
+              <a:br>
+                <a:rPr lang="en-US" sz="1200" dirty="0"/>
+              </a:br>
+              <a:endParaRPr lang="en-US" sz="1200" dirty="0"/>
+            </a:p>
+          </p:txBody>
+        </p:sp>
+        <p:sp>
+          <p:nvSpPr>
+            <p:cNvPr id="22" name="Rectangle 21">
+              <a:extLst>
+                <a:ext uri="{FF2B5EF4-FFF2-40B4-BE49-F238E27FC236}">
+                  <a16:creationId xmlns:a16="http://schemas.microsoft.com/office/drawing/2014/main" id="{25EB9406-4324-4CB0-ACE5-24B312AC2A19}"/>
+                </a:ext>
+              </a:extLst>
+            </p:cNvPr>
+            <p:cNvSpPr/>
+            <p:nvPr/>
+          </p:nvSpPr>
+          <p:spPr>
+            <a:xfrm>
+              <a:off x="5384802" y="2819400"/>
+              <a:ext cx="1170526" cy="230909"/>
+            </a:xfrm>
+            <a:prstGeom prst="rect">
+              <a:avLst/>
+            </a:prstGeom>
+          </p:spPr>
+          <p:style>
+            <a:lnRef idx="2">
+              <a:schemeClr val="accent2">
+                <a:shade val="50000"/>
+              </a:schemeClr>
+            </a:lnRef>
+            <a:fillRef idx="1">
+              <a:schemeClr val="accent2"/>
+            </a:fillRef>
+            <a:effectRef idx="0">
+              <a:schemeClr val="accent2"/>
+            </a:effectRef>
+            <a:fontRef idx="minor">
+              <a:schemeClr val="lt1"/>
+            </a:fontRef>
+          </p:style>
+          <p:txBody>
+            <a:bodyPr rtlCol="0" anchor="ctr"/>
+            <a:lstStyle/>
+            <a:p>
+              <a:pPr algn="ctr"/>
+              <a:r>
+                <a:rPr lang="en-US" sz="1050" dirty="0"/>
+                <a:t>GS1 Digital Link</a:t>
+              </a:r>
+            </a:p>
+          </p:txBody>
+        </p:sp>
+        <p:sp>
+          <p:nvSpPr>
+            <p:cNvPr id="23" name="Rectangle 22">
+              <a:extLst>
+                <a:ext uri="{FF2B5EF4-FFF2-40B4-BE49-F238E27FC236}">
+                  <a16:creationId xmlns:a16="http://schemas.microsoft.com/office/drawing/2014/main" id="{1F502068-27BF-4CD9-B2EE-5C78D8CBC199}"/>
+                </a:ext>
+              </a:extLst>
+            </p:cNvPr>
+            <p:cNvSpPr/>
+            <p:nvPr/>
+          </p:nvSpPr>
+          <p:spPr>
+            <a:xfrm>
+              <a:off x="5384802" y="3065117"/>
+              <a:ext cx="1170526" cy="230909"/>
+            </a:xfrm>
+            <a:prstGeom prst="rect">
+              <a:avLst/>
+            </a:prstGeom>
+          </p:spPr>
+          <p:style>
+            <a:lnRef idx="2">
+              <a:schemeClr val="accent2">
+                <a:shade val="50000"/>
+              </a:schemeClr>
+            </a:lnRef>
+            <a:fillRef idx="1">
+              <a:schemeClr val="accent2"/>
+            </a:fillRef>
+            <a:effectRef idx="0">
+              <a:schemeClr val="accent2"/>
+            </a:effectRef>
+            <a:fontRef idx="minor">
+              <a:schemeClr val="lt1"/>
+            </a:fontRef>
+          </p:style>
+          <p:txBody>
+            <a:bodyPr rtlCol="0" anchor="ctr"/>
+            <a:lstStyle/>
+            <a:p>
+              <a:pPr algn="ctr"/>
+              <a:r>
+                <a:rPr lang="en-US" sz="1050" dirty="0"/>
+                <a:t>EPCIS Interface</a:t>
+              </a:r>
+            </a:p>
+          </p:txBody>
+        </p:sp>
+        <p:sp>
+          <p:nvSpPr>
+            <p:cNvPr id="24" name="Rectangle 23">
+              <a:extLst>
+                <a:ext uri="{FF2B5EF4-FFF2-40B4-BE49-F238E27FC236}">
+                  <a16:creationId xmlns:a16="http://schemas.microsoft.com/office/drawing/2014/main" id="{AA44548D-FDAD-4EF1-8069-0BD2A6C1A63C}"/>
+                </a:ext>
+              </a:extLst>
+            </p:cNvPr>
+            <p:cNvSpPr/>
+            <p:nvPr/>
+          </p:nvSpPr>
+          <p:spPr>
+            <a:xfrm>
+              <a:off x="5384802" y="3310834"/>
+              <a:ext cx="1170526" cy="230909"/>
+            </a:xfrm>
+            <a:prstGeom prst="rect">
+              <a:avLst/>
+            </a:prstGeom>
+          </p:spPr>
+          <p:style>
+            <a:lnRef idx="2">
+              <a:schemeClr val="accent2">
+                <a:shade val="50000"/>
+              </a:schemeClr>
+            </a:lnRef>
+            <a:fillRef idx="1">
+              <a:schemeClr val="accent2"/>
+            </a:fillRef>
+            <a:effectRef idx="0">
+              <a:schemeClr val="accent2"/>
+            </a:effectRef>
+            <a:fontRef idx="minor">
+              <a:schemeClr val="lt1"/>
+            </a:fontRef>
+          </p:style>
+          <p:txBody>
+            <a:bodyPr rtlCol="0" anchor="ctr"/>
+            <a:lstStyle/>
+            <a:p>
+              <a:pPr algn="ctr"/>
+              <a:r>
+                <a:rPr lang="en-US" sz="900" dirty="0"/>
+                <a:t>Master Data API</a:t>
+              </a:r>
+            </a:p>
+          </p:txBody>
+        </p:sp>
+        <p:sp>
+          <p:nvSpPr>
+            <p:cNvPr id="25" name="Rectangle 24">
+              <a:extLst>
+                <a:ext uri="{FF2B5EF4-FFF2-40B4-BE49-F238E27FC236}">
+                  <a16:creationId xmlns:a16="http://schemas.microsoft.com/office/drawing/2014/main" id="{65DD583B-7E28-4A7F-8EBB-1E152672B6B5}"/>
+                </a:ext>
+              </a:extLst>
+            </p:cNvPr>
+            <p:cNvSpPr/>
+            <p:nvPr/>
+          </p:nvSpPr>
+          <p:spPr>
+            <a:xfrm>
+              <a:off x="3731491" y="2215570"/>
+              <a:ext cx="1394690" cy="1122971"/>
+            </a:xfrm>
+            <a:prstGeom prst="rect">
+              <a:avLst/>
+            </a:prstGeom>
+          </p:spPr>
+          <p:style>
+            <a:lnRef idx="2">
+              <a:schemeClr val="accent1">
+                <a:shade val="50000"/>
+              </a:schemeClr>
+            </a:lnRef>
+            <a:fillRef idx="1">
+              <a:schemeClr val="accent1"/>
+            </a:fillRef>
+            <a:effectRef idx="0">
+              <a:schemeClr val="accent1"/>
+            </a:effectRef>
+            <a:fontRef idx="minor">
+              <a:schemeClr val="lt1"/>
+            </a:fontRef>
+          </p:style>
+          <p:txBody>
+            <a:bodyPr rtlCol="0" anchor="ctr"/>
+            <a:lstStyle/>
+            <a:p>
+              <a:pPr algn="ctr"/>
+              <a:r>
+                <a:rPr lang="en-US" sz="1050" dirty="0"/>
+                <a:t>Solution Provider</a:t>
+              </a:r>
+              <a:br>
+                <a:rPr lang="en-US" sz="1050" dirty="0"/>
+              </a:br>
+              <a:br>
+                <a:rPr lang="en-US" sz="1050" dirty="0"/>
+              </a:br>
+              <a:br>
+                <a:rPr lang="en-US" sz="1050" dirty="0"/>
+              </a:br>
+              <a:br>
+                <a:rPr lang="en-US" sz="1050" dirty="0"/>
+              </a:br>
+              <a:endParaRPr lang="en-US" sz="1050" dirty="0"/>
+            </a:p>
+          </p:txBody>
+        </p:sp>
+        <p:pic>
+          <p:nvPicPr>
+            <p:cNvPr id="26" name="Picture 25" descr="Shape&#10;&#10;Description automatically generated with low confidence">
+              <a:extLst>
+                <a:ext uri="{FF2B5EF4-FFF2-40B4-BE49-F238E27FC236}">
+                  <a16:creationId xmlns:a16="http://schemas.microsoft.com/office/drawing/2014/main" id="{6E88DB0F-CBDD-4EC4-9655-5BF5D5279D47}"/>
+                </a:ext>
+              </a:extLst>
+            </p:cNvPr>
+            <p:cNvPicPr>
+              <a:picLocks noChangeAspect="1"/>
+            </p:cNvPicPr>
+            <p:nvPr/>
+          </p:nvPicPr>
+          <p:blipFill>
+            <a:blip r:embed="rId2">
+              <a:extLst>
+                <a:ext uri="{28A0092B-C50C-407E-A947-70E740481C1C}">
+                  <a14:useLocalDpi xmlns:a14="http://schemas.microsoft.com/office/drawing/2010/main" val="0"/>
+                </a:ext>
+              </a:extLst>
+            </a:blip>
+            <a:stretch>
+              <a:fillRect/>
+            </a:stretch>
+          </p:blipFill>
+          <p:spPr>
+            <a:xfrm>
+              <a:off x="4093516" y="2584555"/>
+              <a:ext cx="670639" cy="670639"/>
+            </a:xfrm>
+            <a:prstGeom prst="rect">
+              <a:avLst/>
+            </a:prstGeom>
+            <a:solidFill>
+              <a:schemeClr val="bg1"/>
+            </a:solidFill>
+          </p:spPr>
+        </p:pic>
+      </p:grpSp>
+      <p:grpSp>
+        <p:nvGrpSpPr>
+          <p:cNvPr id="27" name="Group 26">
+            <a:extLst>
+              <a:ext uri="{FF2B5EF4-FFF2-40B4-BE49-F238E27FC236}">
+                <a16:creationId xmlns:a16="http://schemas.microsoft.com/office/drawing/2014/main" id="{DBF4576B-785E-4DFC-A989-5EA482DD28D9}"/>
+              </a:ext>
+            </a:extLst>
+          </p:cNvPr>
+          <p:cNvGrpSpPr/>
+          <p:nvPr/>
+        </p:nvGrpSpPr>
+        <p:grpSpPr>
+          <a:xfrm flipH="1">
+            <a:off x="7508514" y="3914998"/>
+            <a:ext cx="3029527" cy="1822222"/>
+            <a:chOff x="3731491" y="1844614"/>
+            <a:chExt cx="3029527" cy="1822222"/>
+          </a:xfrm>
+        </p:grpSpPr>
+        <p:sp>
+          <p:nvSpPr>
+            <p:cNvPr id="28" name="Flowchart: Magnetic Disk 27">
+              <a:extLst>
+                <a:ext uri="{FF2B5EF4-FFF2-40B4-BE49-F238E27FC236}">
+                  <a16:creationId xmlns:a16="http://schemas.microsoft.com/office/drawing/2014/main" id="{01FC0BA2-DCA7-4FA1-B028-D0BFC5B77C1A}"/>
+                </a:ext>
+              </a:extLst>
+            </p:cNvPr>
+            <p:cNvSpPr/>
+            <p:nvPr/>
+          </p:nvSpPr>
+          <p:spPr>
+            <a:xfrm>
+              <a:off x="5126182" y="1844614"/>
+              <a:ext cx="1634836" cy="1822222"/>
+            </a:xfrm>
+            <a:prstGeom prst="flowChartMagneticDisk">
+              <a:avLst/>
+            </a:prstGeom>
+          </p:spPr>
+          <p:style>
+            <a:lnRef idx="2">
+              <a:schemeClr val="accent1">
+                <a:shade val="50000"/>
+              </a:schemeClr>
+            </a:lnRef>
+            <a:fillRef idx="1">
+              <a:schemeClr val="accent1"/>
+            </a:fillRef>
+            <a:effectRef idx="0">
+              <a:schemeClr val="accent1"/>
+            </a:effectRef>
+            <a:fontRef idx="minor">
+              <a:schemeClr val="lt1"/>
+            </a:fontRef>
+          </p:style>
+          <p:txBody>
+            <a:bodyPr rtlCol="0" anchor="ctr"/>
+            <a:lstStyle/>
+            <a:p>
+              <a:pPr algn="ctr"/>
+              <a:r>
+                <a:rPr lang="en-US" sz="1200" dirty="0"/>
+                <a:t>Traceability Driver</a:t>
+              </a:r>
+              <a:br>
+                <a:rPr lang="en-US" sz="1200" dirty="0"/>
+              </a:br>
+              <a:br>
+                <a:rPr lang="en-US" sz="1200" dirty="0"/>
+              </a:br>
+              <a:br>
+                <a:rPr lang="en-US" sz="1200" dirty="0"/>
+              </a:br>
+              <a:endParaRPr lang="en-US" sz="1200" dirty="0"/>
+            </a:p>
+          </p:txBody>
+        </p:sp>
+        <p:sp>
+          <p:nvSpPr>
+            <p:cNvPr id="29" name="Rectangle 28">
+              <a:extLst>
+                <a:ext uri="{FF2B5EF4-FFF2-40B4-BE49-F238E27FC236}">
+                  <a16:creationId xmlns:a16="http://schemas.microsoft.com/office/drawing/2014/main" id="{F2B262C9-8C72-4329-BC78-7D35DC244CAD}"/>
+                </a:ext>
+              </a:extLst>
+            </p:cNvPr>
+            <p:cNvSpPr/>
+            <p:nvPr/>
+          </p:nvSpPr>
+          <p:spPr>
+            <a:xfrm>
+              <a:off x="5384802" y="2819400"/>
+              <a:ext cx="1170526" cy="230909"/>
+            </a:xfrm>
+            <a:prstGeom prst="rect">
+              <a:avLst/>
+            </a:prstGeom>
+          </p:spPr>
+          <p:style>
+            <a:lnRef idx="2">
+              <a:schemeClr val="accent2">
+                <a:shade val="50000"/>
+              </a:schemeClr>
+            </a:lnRef>
+            <a:fillRef idx="1">
+              <a:schemeClr val="accent2"/>
+            </a:fillRef>
+            <a:effectRef idx="0">
+              <a:schemeClr val="accent2"/>
+            </a:effectRef>
+            <a:fontRef idx="minor">
+              <a:schemeClr val="lt1"/>
+            </a:fontRef>
+          </p:style>
+          <p:txBody>
+            <a:bodyPr rtlCol="0" anchor="ctr"/>
+            <a:lstStyle/>
+            <a:p>
+              <a:pPr algn="ctr"/>
+              <a:r>
+                <a:rPr lang="en-US" sz="1050" dirty="0"/>
+                <a:t>GS1 Digital Link</a:t>
+              </a:r>
+            </a:p>
+          </p:txBody>
+        </p:sp>
+        <p:sp>
+          <p:nvSpPr>
+            <p:cNvPr id="30" name="Rectangle 29">
+              <a:extLst>
+                <a:ext uri="{FF2B5EF4-FFF2-40B4-BE49-F238E27FC236}">
+                  <a16:creationId xmlns:a16="http://schemas.microsoft.com/office/drawing/2014/main" id="{FED94612-8E14-4D93-A0E9-DFD58F491B4D}"/>
+                </a:ext>
+              </a:extLst>
+            </p:cNvPr>
+            <p:cNvSpPr/>
+            <p:nvPr/>
+          </p:nvSpPr>
+          <p:spPr>
+            <a:xfrm>
+              <a:off x="5384802" y="3065117"/>
+              <a:ext cx="1170526" cy="230909"/>
+            </a:xfrm>
+            <a:prstGeom prst="rect">
+              <a:avLst/>
+            </a:prstGeom>
+          </p:spPr>
+          <p:style>
+            <a:lnRef idx="2">
+              <a:schemeClr val="accent2">
+                <a:shade val="50000"/>
+              </a:schemeClr>
+            </a:lnRef>
+            <a:fillRef idx="1">
+              <a:schemeClr val="accent2"/>
+            </a:fillRef>
+            <a:effectRef idx="0">
+              <a:schemeClr val="accent2"/>
+            </a:effectRef>
+            <a:fontRef idx="minor">
+              <a:schemeClr val="lt1"/>
+            </a:fontRef>
+          </p:style>
+          <p:txBody>
+            <a:bodyPr rtlCol="0" anchor="ctr"/>
+            <a:lstStyle/>
+            <a:p>
+              <a:pPr algn="ctr"/>
+              <a:r>
+                <a:rPr lang="en-US" sz="1050" dirty="0"/>
+                <a:t>EPCIS Interface</a:t>
+              </a:r>
+            </a:p>
+          </p:txBody>
+        </p:sp>
+        <p:sp>
+          <p:nvSpPr>
+            <p:cNvPr id="31" name="Rectangle 30">
+              <a:extLst>
+                <a:ext uri="{FF2B5EF4-FFF2-40B4-BE49-F238E27FC236}">
+                  <a16:creationId xmlns:a16="http://schemas.microsoft.com/office/drawing/2014/main" id="{10A1DBD5-00E1-432A-B316-BDC5712A1706}"/>
+                </a:ext>
+              </a:extLst>
+            </p:cNvPr>
+            <p:cNvSpPr/>
+            <p:nvPr/>
+          </p:nvSpPr>
+          <p:spPr>
+            <a:xfrm>
+              <a:off x="5384802" y="3310834"/>
+              <a:ext cx="1170526" cy="230909"/>
+            </a:xfrm>
+            <a:prstGeom prst="rect">
+              <a:avLst/>
+            </a:prstGeom>
+          </p:spPr>
+          <p:style>
+            <a:lnRef idx="2">
+              <a:schemeClr val="accent2">
+                <a:shade val="50000"/>
+              </a:schemeClr>
+            </a:lnRef>
+            <a:fillRef idx="1">
+              <a:schemeClr val="accent2"/>
+            </a:fillRef>
+            <a:effectRef idx="0">
+              <a:schemeClr val="accent2"/>
+            </a:effectRef>
+            <a:fontRef idx="minor">
+              <a:schemeClr val="lt1"/>
+            </a:fontRef>
+          </p:style>
+          <p:txBody>
+            <a:bodyPr rtlCol="0" anchor="ctr"/>
+            <a:lstStyle/>
+            <a:p>
+              <a:pPr algn="ctr"/>
+              <a:r>
+                <a:rPr lang="en-US" sz="900" dirty="0"/>
+                <a:t>Master Data API</a:t>
+              </a:r>
+            </a:p>
+          </p:txBody>
+        </p:sp>
+        <p:sp>
+          <p:nvSpPr>
+            <p:cNvPr id="32" name="Rectangle 31">
+              <a:extLst>
+                <a:ext uri="{FF2B5EF4-FFF2-40B4-BE49-F238E27FC236}">
+                  <a16:creationId xmlns:a16="http://schemas.microsoft.com/office/drawing/2014/main" id="{904CF193-70FE-4588-8E59-4F67EC540836}"/>
+                </a:ext>
+              </a:extLst>
+            </p:cNvPr>
+            <p:cNvSpPr/>
+            <p:nvPr/>
+          </p:nvSpPr>
+          <p:spPr>
+            <a:xfrm>
+              <a:off x="3731491" y="2215570"/>
+              <a:ext cx="1394690" cy="1122971"/>
+            </a:xfrm>
+            <a:prstGeom prst="rect">
+              <a:avLst/>
+            </a:prstGeom>
+          </p:spPr>
+          <p:style>
+            <a:lnRef idx="2">
+              <a:schemeClr val="accent1">
+                <a:shade val="50000"/>
+              </a:schemeClr>
+            </a:lnRef>
+            <a:fillRef idx="1">
+              <a:schemeClr val="accent1"/>
+            </a:fillRef>
+            <a:effectRef idx="0">
+              <a:schemeClr val="accent1"/>
+            </a:effectRef>
+            <a:fontRef idx="minor">
+              <a:schemeClr val="lt1"/>
+            </a:fontRef>
+          </p:style>
+          <p:txBody>
+            <a:bodyPr rtlCol="0" anchor="ctr"/>
+            <a:lstStyle/>
+            <a:p>
+              <a:pPr algn="ctr"/>
+              <a:r>
+                <a:rPr lang="en-US" sz="1050" dirty="0"/>
+                <a:t>Solution Provider</a:t>
+              </a:r>
+              <a:br>
+                <a:rPr lang="en-US" sz="1050" dirty="0"/>
+              </a:br>
+              <a:br>
+                <a:rPr lang="en-US" sz="1050" dirty="0"/>
+              </a:br>
+              <a:br>
+                <a:rPr lang="en-US" sz="1050" dirty="0"/>
+              </a:br>
+              <a:br>
+                <a:rPr lang="en-US" sz="1050" dirty="0"/>
+              </a:br>
+              <a:endParaRPr lang="en-US" sz="1050" dirty="0"/>
+            </a:p>
+          </p:txBody>
+        </p:sp>
+        <p:pic>
+          <p:nvPicPr>
+            <p:cNvPr id="33" name="Picture 32" descr="Shape&#10;&#10;Description automatically generated with low confidence">
+              <a:extLst>
+                <a:ext uri="{FF2B5EF4-FFF2-40B4-BE49-F238E27FC236}">
+                  <a16:creationId xmlns:a16="http://schemas.microsoft.com/office/drawing/2014/main" id="{482C05E0-4895-43A2-9507-3CB743068A9A}"/>
+                </a:ext>
+              </a:extLst>
+            </p:cNvPr>
+            <p:cNvPicPr>
+              <a:picLocks noChangeAspect="1"/>
+            </p:cNvPicPr>
+            <p:nvPr/>
+          </p:nvPicPr>
+          <p:blipFill>
+            <a:blip r:embed="rId2">
+              <a:extLst>
+                <a:ext uri="{28A0092B-C50C-407E-A947-70E740481C1C}">
+                  <a14:useLocalDpi xmlns:a14="http://schemas.microsoft.com/office/drawing/2010/main" val="0"/>
+                </a:ext>
+              </a:extLst>
+            </a:blip>
+            <a:stretch>
+              <a:fillRect/>
+            </a:stretch>
+          </p:blipFill>
+          <p:spPr>
+            <a:xfrm>
+              <a:off x="4093516" y="2584555"/>
+              <a:ext cx="670639" cy="670639"/>
+            </a:xfrm>
+            <a:prstGeom prst="rect">
+              <a:avLst/>
+            </a:prstGeom>
+            <a:solidFill>
+              <a:schemeClr val="bg1"/>
+            </a:solidFill>
+          </p:spPr>
+        </p:pic>
+      </p:grpSp>
+      <p:cxnSp>
+        <p:nvCxnSpPr>
+          <p:cNvPr id="35" name="Straight Arrow Connector 34">
+            <a:extLst>
+              <a:ext uri="{FF2B5EF4-FFF2-40B4-BE49-F238E27FC236}">
+                <a16:creationId xmlns:a16="http://schemas.microsoft.com/office/drawing/2014/main" id="{FDE39049-ABA7-40DC-A0AC-4E60FAC9FC47}"/>
+              </a:ext>
+            </a:extLst>
+          </p:cNvPr>
+          <p:cNvCxnSpPr>
+            <a:cxnSpLocks/>
+            <a:stCxn id="5" idx="3"/>
+            <a:endCxn id="14" idx="1"/>
+          </p:cNvCxnSpPr>
+          <p:nvPr/>
+        </p:nvCxnSpPr>
+        <p:spPr>
+          <a:xfrm>
+            <a:off x="4581525" y="3257261"/>
+            <a:ext cx="0" cy="671774"/>
+          </a:xfrm>
+          <a:prstGeom prst="straightConnector1">
+            <a:avLst/>
+          </a:prstGeom>
+          <a:ln>
+            <a:headEnd type="triangle"/>
+            <a:tailEnd type="triangle"/>
+          </a:ln>
+        </p:spPr>
+        <p:style>
+          <a:lnRef idx="1">
+            <a:schemeClr val="accent1"/>
+          </a:lnRef>
+          <a:fillRef idx="0">
+            <a:schemeClr val="accent1"/>
+          </a:fillRef>
+          <a:effectRef idx="0">
+            <a:schemeClr val="accent1"/>
+          </a:effectRef>
+          <a:fontRef idx="minor">
+            <a:schemeClr val="tx1"/>
+          </a:fontRef>
+        </p:style>
+      </p:cxnSp>
+      <p:cxnSp>
+        <p:nvCxnSpPr>
+          <p:cNvPr id="37" name="Straight Arrow Connector 36">
+            <a:extLst>
+              <a:ext uri="{FF2B5EF4-FFF2-40B4-BE49-F238E27FC236}">
+                <a16:creationId xmlns:a16="http://schemas.microsoft.com/office/drawing/2014/main" id="{3BFC7B98-CBA8-488B-9EF7-C52371128188}"/>
+              </a:ext>
+            </a:extLst>
+          </p:cNvPr>
+          <p:cNvCxnSpPr>
+            <a:cxnSpLocks/>
+            <a:stCxn id="5" idx="4"/>
+            <a:endCxn id="21" idx="4"/>
+          </p:cNvCxnSpPr>
+          <p:nvPr/>
+        </p:nvCxnSpPr>
+        <p:spPr>
+          <a:xfrm flipV="1">
+            <a:off x="5398943" y="2328226"/>
+            <a:ext cx="2109571" cy="17924"/>
+          </a:xfrm>
+          <a:prstGeom prst="straightConnector1">
+            <a:avLst/>
+          </a:prstGeom>
+          <a:ln>
+            <a:headEnd type="triangle"/>
+            <a:tailEnd type="triangle"/>
+          </a:ln>
+        </p:spPr>
+        <p:style>
+          <a:lnRef idx="1">
+            <a:schemeClr val="accent1"/>
+          </a:lnRef>
+          <a:fillRef idx="0">
+            <a:schemeClr val="accent1"/>
+          </a:fillRef>
+          <a:effectRef idx="0">
+            <a:schemeClr val="accent1"/>
+          </a:effectRef>
+          <a:fontRef idx="minor">
+            <a:schemeClr val="tx1"/>
+          </a:fontRef>
+        </p:style>
+      </p:cxnSp>
+      <p:cxnSp>
+        <p:nvCxnSpPr>
+          <p:cNvPr id="45" name="Straight Arrow Connector 44">
+            <a:extLst>
+              <a:ext uri="{FF2B5EF4-FFF2-40B4-BE49-F238E27FC236}">
+                <a16:creationId xmlns:a16="http://schemas.microsoft.com/office/drawing/2014/main" id="{2430EA3D-7BDC-4D51-B26D-4D63C4061F84}"/>
+              </a:ext>
+            </a:extLst>
+          </p:cNvPr>
+          <p:cNvCxnSpPr>
+            <a:cxnSpLocks/>
+            <a:stCxn id="28" idx="1"/>
+            <a:endCxn id="21" idx="3"/>
+          </p:cNvCxnSpPr>
+          <p:nvPr/>
+        </p:nvCxnSpPr>
+        <p:spPr>
+          <a:xfrm flipV="1">
+            <a:off x="8325932" y="3239337"/>
+            <a:ext cx="0" cy="675661"/>
+          </a:xfrm>
+          <a:prstGeom prst="straightConnector1">
+            <a:avLst/>
+          </a:prstGeom>
+          <a:ln>
+            <a:headEnd type="triangle"/>
+            <a:tailEnd type="triangle"/>
+          </a:ln>
+        </p:spPr>
+        <p:style>
+          <a:lnRef idx="1">
+            <a:schemeClr val="accent1"/>
+          </a:lnRef>
+          <a:fillRef idx="0">
+            <a:schemeClr val="accent1"/>
+          </a:fillRef>
+          <a:effectRef idx="0">
+            <a:schemeClr val="accent1"/>
+          </a:effectRef>
+          <a:fontRef idx="minor">
+            <a:schemeClr val="tx1"/>
+          </a:fontRef>
+        </p:style>
+      </p:cxnSp>
+      <p:cxnSp>
+        <p:nvCxnSpPr>
+          <p:cNvPr id="47" name="Straight Arrow Connector 46">
+            <a:extLst>
+              <a:ext uri="{FF2B5EF4-FFF2-40B4-BE49-F238E27FC236}">
+                <a16:creationId xmlns:a16="http://schemas.microsoft.com/office/drawing/2014/main" id="{1C4E57E5-57EA-4395-A984-EE9403BFD9B0}"/>
+              </a:ext>
+            </a:extLst>
+          </p:cNvPr>
+          <p:cNvCxnSpPr>
+            <a:cxnSpLocks/>
+            <a:stCxn id="5" idx="4"/>
+            <a:endCxn id="28" idx="4"/>
+          </p:cNvCxnSpPr>
+          <p:nvPr/>
+        </p:nvCxnSpPr>
+        <p:spPr>
+          <a:xfrm>
+            <a:off x="5398943" y="2346150"/>
+            <a:ext cx="2109571" cy="2479959"/>
+          </a:xfrm>
+          <a:prstGeom prst="straightConnector1">
+            <a:avLst/>
+          </a:prstGeom>
+          <a:ln>
+            <a:headEnd type="triangle"/>
+            <a:tailEnd type="triangle"/>
+          </a:ln>
+        </p:spPr>
+        <p:style>
+          <a:lnRef idx="1">
+            <a:schemeClr val="accent1"/>
+          </a:lnRef>
+          <a:fillRef idx="0">
+            <a:schemeClr val="accent1"/>
+          </a:fillRef>
+          <a:effectRef idx="0">
+            <a:schemeClr val="accent1"/>
+          </a:effectRef>
+          <a:fontRef idx="minor">
+            <a:schemeClr val="tx1"/>
+          </a:fontRef>
+        </p:style>
+      </p:cxnSp>
+      <p:cxnSp>
+        <p:nvCxnSpPr>
+          <p:cNvPr id="49" name="Straight Arrow Connector 48">
+            <a:extLst>
+              <a:ext uri="{FF2B5EF4-FFF2-40B4-BE49-F238E27FC236}">
+                <a16:creationId xmlns:a16="http://schemas.microsoft.com/office/drawing/2014/main" id="{8F1F9203-7D01-4C34-9A00-56CF210F30E7}"/>
+              </a:ext>
+            </a:extLst>
+          </p:cNvPr>
+          <p:cNvCxnSpPr>
+            <a:cxnSpLocks/>
+            <a:stCxn id="21" idx="4"/>
+            <a:endCxn id="14" idx="4"/>
+          </p:cNvCxnSpPr>
+          <p:nvPr/>
+        </p:nvCxnSpPr>
+        <p:spPr>
+          <a:xfrm flipH="1">
+            <a:off x="5398943" y="2328226"/>
+            <a:ext cx="2109571" cy="2511920"/>
+          </a:xfrm>
+          <a:prstGeom prst="straightConnector1">
+            <a:avLst/>
+          </a:prstGeom>
+          <a:ln>
+            <a:headEnd type="triangle"/>
+            <a:tailEnd type="triangle"/>
+          </a:ln>
+        </p:spPr>
+        <p:style>
+          <a:lnRef idx="1">
+            <a:schemeClr val="accent1"/>
+          </a:lnRef>
+          <a:fillRef idx="0">
+            <a:schemeClr val="accent1"/>
+          </a:fillRef>
+          <a:effectRef idx="0">
+            <a:schemeClr val="accent1"/>
+          </a:effectRef>
+          <a:fontRef idx="minor">
+            <a:schemeClr val="tx1"/>
+          </a:fontRef>
+        </p:style>
+      </p:cxnSp>
+      <p:cxnSp>
+        <p:nvCxnSpPr>
+          <p:cNvPr id="51" name="Straight Arrow Connector 50">
+            <a:extLst>
+              <a:ext uri="{FF2B5EF4-FFF2-40B4-BE49-F238E27FC236}">
+                <a16:creationId xmlns:a16="http://schemas.microsoft.com/office/drawing/2014/main" id="{419966D7-4CF7-41D0-9C63-30751F0E3FCE}"/>
+              </a:ext>
+            </a:extLst>
+          </p:cNvPr>
+          <p:cNvCxnSpPr>
+            <a:cxnSpLocks/>
+            <a:stCxn id="14" idx="4"/>
+            <a:endCxn id="28" idx="4"/>
+          </p:cNvCxnSpPr>
+          <p:nvPr/>
+        </p:nvCxnSpPr>
+        <p:spPr>
+          <a:xfrm flipV="1">
+            <a:off x="5398943" y="4826109"/>
+            <a:ext cx="2109571" cy="14037"/>
+          </a:xfrm>
+          <a:prstGeom prst="straightConnector1">
+            <a:avLst/>
+          </a:prstGeom>
+          <a:ln>
+            <a:headEnd type="triangle"/>
+            <a:tailEnd type="triangle"/>
+          </a:ln>
+        </p:spPr>
+        <p:style>
+          <a:lnRef idx="1">
+            <a:schemeClr val="accent1"/>
+          </a:lnRef>
+          <a:fillRef idx="0">
+            <a:schemeClr val="accent1"/>
+          </a:fillRef>
+          <a:effectRef idx="0">
+            <a:schemeClr val="accent1"/>
+          </a:effectRef>
+          <a:fontRef idx="minor">
+            <a:schemeClr val="tx1"/>
+          </a:fontRef>
+        </p:style>
+      </p:cxnSp>
+      <p:sp>
+        <p:nvSpPr>
+          <p:cNvPr id="57" name="TextBox 56">
+            <a:extLst>
+              <a:ext uri="{FF2B5EF4-FFF2-40B4-BE49-F238E27FC236}">
+                <a16:creationId xmlns:a16="http://schemas.microsoft.com/office/drawing/2014/main" id="{E868EADB-3FA3-4CB0-A459-5C9DC652B70E}"/>
+              </a:ext>
+            </a:extLst>
+          </p:cNvPr>
+          <p:cNvSpPr txBox="1"/>
+          <p:nvPr/>
+        </p:nvSpPr>
+        <p:spPr>
+          <a:xfrm>
+            <a:off x="3402080" y="6096360"/>
+            <a:ext cx="6454011" cy="369332"/>
+          </a:xfrm>
+          <a:prstGeom prst="rect">
+            <a:avLst/>
+          </a:prstGeom>
+          <a:noFill/>
+        </p:spPr>
+        <p:txBody>
+          <a:bodyPr wrap="none" rtlCol="0">
+            <a:spAutoFit/>
+          </a:bodyPr>
           <a:lstStyle/>
           <a:p>
             <a:r>
-              <a:rPr lang="en-US" b="0" i="0" dirty="0">
-                <a:solidFill>
-                  <a:srgbClr val="1D1C1D"/>
-                </a:solidFill>
-                <a:effectLst/>
-                <a:latin typeface="Slack-Lato"/>
-              </a:rPr>
-              <a:t>A lack of interoperability among traceability solution providers has inflated the cost of traceability for years.</a:t>
-            </a:r>
-          </a:p>
-          <a:p>
-            <a:r>
-              <a:rPr lang="en-US" b="0" i="0" dirty="0">
-                <a:solidFill>
-                  <a:srgbClr val="1D1C1D"/>
-                </a:solidFill>
-                <a:effectLst/>
-                <a:latin typeface="Slack-Lato"/>
-              </a:rPr>
-              <a:t>Without interoperability, supply chains are being forced to enter data into multiple buyer portals or adopt traceability solutions that their buyers use even though that traceability solution may not be a good fit or affordable for them.</a:t>
-            </a:r>
-          </a:p>
-          <a:p>
-            <a:r>
-              <a:rPr lang="en-US" b="0" i="0" dirty="0">
-                <a:solidFill>
-                  <a:srgbClr val="1D1C1D"/>
-                </a:solidFill>
-                <a:effectLst/>
-                <a:latin typeface="Slack-Lato"/>
-              </a:rPr>
-              <a:t>What works for a retailer, will not work for a processor. By enabling interoperability, our solution allows each link in the supply chain to choose the solution that works best for them.</a:t>
-            </a:r>
-          </a:p>
-          <a:p>
-            <a:r>
-              <a:rPr lang="en-US" dirty="0">
-                <a:solidFill>
-                  <a:srgbClr val="1D1C1D"/>
-                </a:solidFill>
-                <a:latin typeface="Slack-Lato"/>
-              </a:rPr>
-              <a:t>Our solution would reduce the cost of traceability for the entire industry.</a:t>
-            </a:r>
-            <a:endParaRPr lang="en-US" dirty="0"/>
+              <a:rPr lang="en-US" dirty="0"/>
+              <a:t>Please see Appendix 1 and Appendix 2 for more details.</a:t>
+            </a:r>
           </a:p>
         </p:txBody>
       </p:sp>
     </p:spTree>
     <p:extLst>
       <p:ext uri="{BB962C8B-B14F-4D97-AF65-F5344CB8AC3E}">
-        <p14:creationId xmlns:p14="http://schemas.microsoft.com/office/powerpoint/2010/main" val="3228045817"/>
+        <p14:creationId xmlns:p14="http://schemas.microsoft.com/office/powerpoint/2010/main" val="1136099656"/>
       </p:ext>
     </p:extLst>
   </p:cSld>
@@ -8373,14 +13184,11 @@
           <a:p>
             <a:r>
               <a:rPr lang="en-US" sz="3200" dirty="0"/>
-              <a:t>Evaluation Criterion #2:</a:t>
-            </a:r>
-            <a:br>
+              <a:t>Evaluation Criterion #1: </a:t>
+            </a:r>
+            <a:r>
               <a:rPr lang="en-US" dirty="0"/>
-            </a:br>
-            <a:r>
-              <a:rPr lang="en-US" dirty="0"/>
-              <a:t>Innovation</a:t>
+              <a:t>Needs-based</a:t>
             </a:r>
           </a:p>
         </p:txBody>
@@ -8401,37 +13209,133 @@
             <p:ph idx="1"/>
           </p:nvPr>
         </p:nvSpPr>
-        <p:spPr/>
-        <p:txBody>
-          <a:bodyPr/>
+        <p:spPr>
+          <a:xfrm>
+            <a:off x="2592924" y="1264555"/>
+            <a:ext cx="8911687" cy="4525297"/>
+          </a:xfrm>
+        </p:spPr>
+        <p:txBody>
+          <a:bodyPr>
+            <a:noAutofit/>
+          </a:bodyPr>
           <a:lstStyle/>
           <a:p>
             <a:r>
-              <a:rPr lang="en-US" dirty="0"/>
-              <a:t>The Traceability Driver is a cross-platform that can easily be installed into any solution providers environment.</a:t>
-            </a:r>
-          </a:p>
-          <a:p>
-            <a:r>
-              <a:rPr lang="en-US" dirty="0"/>
-              <a:t>Secured with HTTPS, internal checks, and Public/Private Key Encryption.</a:t>
-            </a:r>
-          </a:p>
-          <a:p>
-            <a:r>
-              <a:rPr lang="en-US" dirty="0"/>
-              <a:t>Builds a Directory Service so solution providers can look up and connect with other solution providers.</a:t>
-            </a:r>
-          </a:p>
-          <a:p>
-            <a:endParaRPr lang="en-US" dirty="0"/>
+              <a:rPr lang="en-US" sz="1500" b="0" i="0" dirty="0">
+                <a:solidFill>
+                  <a:srgbClr val="1D1C1D"/>
+                </a:solidFill>
+                <a:effectLst/>
+              </a:rPr>
+              <a:t>A lack of interoperability among traceability solution providers has inflated the cost of traceability </a:t>
+            </a:r>
+            <a:r>
+              <a:rPr lang="en-US" sz="1500" dirty="0">
+                <a:solidFill>
+                  <a:srgbClr val="1D1C1D"/>
+                </a:solidFill>
+              </a:rPr>
+              <a:t>and reduced data quality for years.</a:t>
+            </a:r>
+            <a:endParaRPr lang="en-US" sz="1500" b="0" i="0" dirty="0">
+              <a:solidFill>
+                <a:srgbClr val="1D1C1D"/>
+              </a:solidFill>
+              <a:effectLst/>
+            </a:endParaRPr>
+          </a:p>
+          <a:p>
+            <a:r>
+              <a:rPr lang="en-US" sz="1500" b="0" i="0" dirty="0">
+                <a:solidFill>
+                  <a:srgbClr val="1D1C1D"/>
+                </a:solidFill>
+                <a:effectLst/>
+              </a:rPr>
+              <a:t>Without interoperability, supply chains are being forced to enter data into multiple buyer portals or adopt traceability solutions that their buyers use even though that traceability solution may not be a good fit or affordable for them.</a:t>
+            </a:r>
+          </a:p>
+          <a:p>
+            <a:r>
+              <a:rPr lang="en-US" sz="1500" b="0" i="0" dirty="0">
+                <a:solidFill>
+                  <a:srgbClr val="1D1C1D"/>
+                </a:solidFill>
+                <a:effectLst/>
+              </a:rPr>
+              <a:t>What works for a retailer, will not work for a processor. By enabling interoperability, our solution allows each link in the supply chain to choose the solution that works best for them.</a:t>
+            </a:r>
+            <a:endParaRPr lang="en-US" sz="1500" dirty="0">
+              <a:solidFill>
+                <a:srgbClr val="1D1C1D"/>
+              </a:solidFill>
+            </a:endParaRPr>
+          </a:p>
+          <a:p>
+            <a:r>
+              <a:rPr lang="en-US" sz="1500" dirty="0"/>
+              <a:t>There already exists dozens, if not hundreds of traceability solutions. The industry is not lacking the perfect traceability solution. </a:t>
+            </a:r>
+            <a:r>
+              <a:rPr lang="en-US" sz="1500" u="sng" dirty="0"/>
+              <a:t>The biggest hurdle to end-to-end traceability is interoperability</a:t>
+            </a:r>
+            <a:r>
+              <a:rPr lang="en-US" sz="1500" dirty="0"/>
+              <a:t>.</a:t>
+            </a:r>
+          </a:p>
+          <a:p>
+            <a:pPr lvl="1"/>
+            <a:r>
+              <a:rPr lang="en-US" sz="1400" dirty="0"/>
+              <a:t>Currently most traceability solutions try to take a “one size fits all approach”.</a:t>
+            </a:r>
+          </a:p>
+          <a:p>
+            <a:r>
+              <a:rPr lang="en-US" sz="1500" u="sng" dirty="0"/>
+              <a:t>Current approach to Interoperability is Costly if Not Impossible</a:t>
+            </a:r>
+          </a:p>
+          <a:p>
+            <a:pPr lvl="1"/>
+            <a:r>
+              <a:rPr lang="en-US" sz="1400" dirty="0"/>
+              <a:t>Requires consistent implementation of numerous standards.</a:t>
+            </a:r>
+          </a:p>
+          <a:p>
+            <a:pPr lvl="1"/>
+            <a:r>
+              <a:rPr lang="en-US" sz="1400" dirty="0"/>
+              <a:t>High degree of flexibility/complexity in EPCIS and other standards causes everyone to implement their own flavor.</a:t>
+            </a:r>
+          </a:p>
+          <a:p>
+            <a:pPr lvl="1"/>
+            <a:r>
+              <a:rPr lang="en-US" sz="1400" dirty="0"/>
+              <a:t>Interoperability turns into a problem that requires each traceability solution to have to do an integration project with every other traceability solution.</a:t>
+            </a:r>
+          </a:p>
+          <a:p>
+            <a:endParaRPr lang="en-US" sz="1500" dirty="0">
+              <a:solidFill>
+                <a:srgbClr val="1D1C1D"/>
+              </a:solidFill>
+            </a:endParaRPr>
+          </a:p>
+          <a:p>
+            <a:endParaRPr lang="en-US" sz="1500" dirty="0"/>
           </a:p>
         </p:txBody>
       </p:sp>
     </p:spTree>
     <p:extLst>
       <p:ext uri="{BB962C8B-B14F-4D97-AF65-F5344CB8AC3E}">
-        <p14:creationId xmlns:p14="http://schemas.microsoft.com/office/powerpoint/2010/main" val="85335786"/>
+        <p14:creationId xmlns:p14="http://schemas.microsoft.com/office/powerpoint/2010/main" val="3228045817"/>
       </p:ext>
     </p:extLst>
   </p:cSld>
@@ -8463,7 +13367,7 @@
           <p:cNvPr id="2" name="Title 1">
             <a:extLst>
               <a:ext uri="{FF2B5EF4-FFF2-40B4-BE49-F238E27FC236}">
-                <a16:creationId xmlns:a16="http://schemas.microsoft.com/office/drawing/2014/main" id="{B10CA813-1657-4156-B29E-17EA7FFFAC42}"/>
+                <a16:creationId xmlns:a16="http://schemas.microsoft.com/office/drawing/2014/main" id="{C7522E19-1F7A-4191-BC77-58E53407E517}"/>
               </a:ext>
             </a:extLst>
           </p:cNvPr>
@@ -8481,14 +13385,14 @@
           <a:p>
             <a:r>
               <a:rPr lang="en-US" sz="3200" dirty="0"/>
-              <a:t>Evaluation Criterion #3:</a:t>
+              <a:t>Evaluation Criterion #2:</a:t>
             </a:r>
             <a:br>
               <a:rPr lang="en-US" dirty="0"/>
             </a:br>
             <a:r>
               <a:rPr lang="en-US" dirty="0"/>
-              <a:t>Usability</a:t>
+              <a:t>Innovation</a:t>
             </a:r>
           </a:p>
         </p:txBody>
@@ -8498,7 +13402,7 @@
           <p:cNvPr id="3" name="Content Placeholder 2">
             <a:extLst>
               <a:ext uri="{FF2B5EF4-FFF2-40B4-BE49-F238E27FC236}">
-                <a16:creationId xmlns:a16="http://schemas.microsoft.com/office/drawing/2014/main" id="{D30A43A4-99E9-477E-9651-234B351265AF}"/>
+                <a16:creationId xmlns:a16="http://schemas.microsoft.com/office/drawing/2014/main" id="{EF3057A1-1EAF-4E50-A629-40213ADDE2C0}"/>
               </a:ext>
             </a:extLst>
           </p:cNvPr>
@@ -8515,31 +13419,41 @@
           <a:lstStyle/>
           <a:p>
             <a:r>
+              <a:rPr lang="en-US" i="1" dirty="0"/>
+              <a:t>“Food companies are drowning in traceability solution options but are starving for interoperability.”</a:t>
+            </a:r>
+          </a:p>
+          <a:p>
+            <a:r>
               <a:rPr lang="en-US" dirty="0"/>
-              <a:t>The service is installed as a webservice and is compatible with Mac, Windows, and Linux.</a:t>
+              <a:t>Increases data quality and end-to-end traceability without introducing another standard or another traceability solution.</a:t>
             </a:r>
           </a:p>
           <a:p>
             <a:r>
               <a:rPr lang="en-US" dirty="0"/>
-              <a:t>Users only need to write a single from their internal data format to our common data models.</a:t>
+              <a:t>The Traceability Driver is a cross-platform that can easily be installed into any solution providers environment.</a:t>
             </a:r>
           </a:p>
           <a:p>
             <a:r>
               <a:rPr lang="en-US" dirty="0"/>
-              <a:t>The Traceability Driver dramatically reduces the effort to becoming interoperable while also dramatically increasing the consistency in which the interoperable standards are implemented.</a:t>
-            </a:r>
-          </a:p>
-          <a:p>
-            <a:endParaRPr lang="en-US" dirty="0"/>
+              <a:t>Secured with HTTPS, internal checks, and Public/Private Key Encryption.</a:t>
+            </a:r>
+          </a:p>
+          <a:p>
+            <a:pPr lvl="1"/>
+            <a:r>
+              <a:rPr lang="en-US" dirty="0"/>
+              <a:t>Even allows permissions of data on a Trading Party by Trading Party basis.</a:t>
+            </a:r>
           </a:p>
         </p:txBody>
       </p:sp>
     </p:spTree>
     <p:extLst>
       <p:ext uri="{BB962C8B-B14F-4D97-AF65-F5344CB8AC3E}">
-        <p14:creationId xmlns:p14="http://schemas.microsoft.com/office/powerpoint/2010/main" val="1102736194"/>
+        <p14:creationId xmlns:p14="http://schemas.microsoft.com/office/powerpoint/2010/main" val="85335786"/>
       </p:ext>
     </p:extLst>
   </p:cSld>
@@ -8571,7 +13485,7 @@
           <p:cNvPr id="2" name="Title 1">
             <a:extLst>
               <a:ext uri="{FF2B5EF4-FFF2-40B4-BE49-F238E27FC236}">
-                <a16:creationId xmlns:a16="http://schemas.microsoft.com/office/drawing/2014/main" id="{8E596C73-5103-4E60-8867-DE6A26CC878F}"/>
+                <a16:creationId xmlns:a16="http://schemas.microsoft.com/office/drawing/2014/main" id="{B10CA813-1657-4156-B29E-17EA7FFFAC42}"/>
               </a:ext>
             </a:extLst>
           </p:cNvPr>
@@ -8589,14 +13503,14 @@
           <a:p>
             <a:r>
               <a:rPr lang="en-US" sz="3200" dirty="0"/>
-              <a:t>Evaluation Criterion #4:</a:t>
+              <a:t>Evaluation Criterion #3:</a:t>
             </a:r>
             <a:br>
               <a:rPr lang="en-US" dirty="0"/>
             </a:br>
             <a:r>
               <a:rPr lang="en-US" dirty="0"/>
-              <a:t>Affordability</a:t>
+              <a:t>Usability</a:t>
             </a:r>
           </a:p>
         </p:txBody>
@@ -8606,7 +13520,7 @@
           <p:cNvPr id="3" name="Content Placeholder 2">
             <a:extLst>
               <a:ext uri="{FF2B5EF4-FFF2-40B4-BE49-F238E27FC236}">
-                <a16:creationId xmlns:a16="http://schemas.microsoft.com/office/drawing/2014/main" id="{0C876C03-204A-47E5-A445-8F963CB2FB0D}"/>
+                <a16:creationId xmlns:a16="http://schemas.microsoft.com/office/drawing/2014/main" id="{D30A43A4-99E9-477E-9651-234B351265AF}"/>
               </a:ext>
             </a:extLst>
           </p:cNvPr>
@@ -8619,12 +13533,47 @@
         </p:nvSpPr>
         <p:spPr/>
         <p:txBody>
-          <a:bodyPr/>
+          <a:bodyPr>
+            <a:normAutofit/>
+          </a:bodyPr>
           <a:lstStyle/>
           <a:p>
             <a:r>
               <a:rPr lang="en-US" dirty="0"/>
-              <a:t>The Traceability Driver Service is open source and free to use.</a:t>
+              <a:t>The service is easily installed as a webservice and is compatible with Mac, Windows, and Linux.</a:t>
+            </a:r>
+          </a:p>
+          <a:p>
+            <a:pPr lvl="1"/>
+            <a:r>
+              <a:rPr lang="en-US" sz="1400" dirty="0"/>
+              <a:t>Users then create a mapping between the provided common data model and their local data models.</a:t>
+            </a:r>
+          </a:p>
+          <a:p>
+            <a:r>
+              <a:rPr lang="en-US" dirty="0"/>
+              <a:t>The Traceability Driver dramatically reduces the effort to becoming interoperable while also dramatically increasing the consistency in which the interoperable standards are implemented.</a:t>
+            </a:r>
+          </a:p>
+          <a:p>
+            <a:r>
+              <a:rPr lang="en-US" dirty="0"/>
+              <a:t>Network effect creates exponential value for traceability solutions who implement the Traceability Driver.</a:t>
+            </a:r>
+          </a:p>
+          <a:p>
+            <a:pPr lvl="1"/>
+            <a:r>
+              <a:rPr lang="en-US" sz="1400" dirty="0"/>
+              <a:t>Think social media like Facebook.</a:t>
+            </a:r>
+          </a:p>
+          <a:p>
+            <a:pPr lvl="1"/>
+            <a:r>
+              <a:rPr lang="en-US" sz="1400" dirty="0"/>
+              <a:t>Every time someone implements the Traceability Driver, it makes the network more valuable for them, and for all the previous traceability solutions who implemented the driver.</a:t>
             </a:r>
           </a:p>
           <a:p>
@@ -8635,7 +13584,7 @@
     </p:spTree>
     <p:extLst>
       <p:ext uri="{BB962C8B-B14F-4D97-AF65-F5344CB8AC3E}">
-        <p14:creationId xmlns:p14="http://schemas.microsoft.com/office/powerpoint/2010/main" val="3851457322"/>
+        <p14:creationId xmlns:p14="http://schemas.microsoft.com/office/powerpoint/2010/main" val="1102736194"/>
       </p:ext>
     </p:extLst>
   </p:cSld>
@@ -8667,7 +13616,7 @@
           <p:cNvPr id="2" name="Title 1">
             <a:extLst>
               <a:ext uri="{FF2B5EF4-FFF2-40B4-BE49-F238E27FC236}">
-                <a16:creationId xmlns:a16="http://schemas.microsoft.com/office/drawing/2014/main" id="{7F791375-5D32-4FE7-848D-32869D1478AD}"/>
+                <a16:creationId xmlns:a16="http://schemas.microsoft.com/office/drawing/2014/main" id="{8E596C73-5103-4E60-8867-DE6A26CC878F}"/>
               </a:ext>
             </a:extLst>
           </p:cNvPr>
@@ -8685,14 +13634,14 @@
           <a:p>
             <a:r>
               <a:rPr lang="en-US" sz="3200" dirty="0"/>
-              <a:t>Evaluation Criterion #5:</a:t>
+              <a:t>Evaluation Criterion #4:</a:t>
             </a:r>
             <a:br>
               <a:rPr lang="en-US" dirty="0"/>
             </a:br>
             <a:r>
               <a:rPr lang="en-US" dirty="0"/>
-              <a:t>Scalability and Interoperability</a:t>
+              <a:t>Affordability</a:t>
             </a:r>
           </a:p>
         </p:txBody>
@@ -8702,7 +13651,7 @@
           <p:cNvPr id="3" name="Content Placeholder 2">
             <a:extLst>
               <a:ext uri="{FF2B5EF4-FFF2-40B4-BE49-F238E27FC236}">
-                <a16:creationId xmlns:a16="http://schemas.microsoft.com/office/drawing/2014/main" id="{5E94E539-35F2-4E44-9BAF-8A1E5CD7AAFE}"/>
+                <a16:creationId xmlns:a16="http://schemas.microsoft.com/office/drawing/2014/main" id="{0C876C03-204A-47E5-A445-8F963CB2FB0D}"/>
               </a:ext>
             </a:extLst>
           </p:cNvPr>
@@ -8720,19 +13669,40 @@
           <a:p>
             <a:r>
               <a:rPr lang="en-US" dirty="0"/>
-              <a:t>The Traceability Driver Service is interoperable with any traceability system.</a:t>
+              <a:t>The Traceability Driver Service is open source and free to use.</a:t>
             </a:r>
           </a:p>
           <a:p>
             <a:r>
               <a:rPr lang="en-US" dirty="0"/>
-              <a:t>Compatible with Mac, Linux, and Windows.</a:t>
-            </a:r>
-          </a:p>
-          <a:p>
+              <a:t>Reduces the cost of interoperability for solution providers.</a:t>
+            </a:r>
+          </a:p>
+          <a:p>
+            <a:pPr lvl="1"/>
             <a:r>
               <a:rPr lang="en-US" dirty="0"/>
-              <a:t>The Traceability Driver significantly reduces the cost of interoperability for solution providers.</a:t>
+              <a:t>So not only is it free, but it helps reduce costs for solution providers.</a:t>
+            </a:r>
+          </a:p>
+          <a:p>
+            <a:r>
+              <a:rPr lang="en-US" dirty="0"/>
+              <a:t>Helps reduce costs for Food Companies</a:t>
+            </a:r>
+          </a:p>
+          <a:p>
+            <a:pPr lvl="1"/>
+            <a:r>
+              <a:rPr lang="en-US" dirty="0"/>
+              <a:t>They don’t need to pay for solutions that don’t fit their needs that are pushed onto them by their buyer.</a:t>
+            </a:r>
+          </a:p>
+          <a:p>
+            <a:pPr lvl="1"/>
+            <a:r>
+              <a:rPr lang="en-US" dirty="0"/>
+              <a:t>Reduces data-entry since they don’t need to enter data into multiple portals, they just enter data into their solution and their solution can now share that data with other solutions.</a:t>
             </a:r>
           </a:p>
           <a:p>
@@ -8746,7 +13716,7 @@
     </p:spTree>
     <p:extLst>
       <p:ext uri="{BB962C8B-B14F-4D97-AF65-F5344CB8AC3E}">
-        <p14:creationId xmlns:p14="http://schemas.microsoft.com/office/powerpoint/2010/main" val="2385257806"/>
+        <p14:creationId xmlns:p14="http://schemas.microsoft.com/office/powerpoint/2010/main" val="3851457322"/>
       </p:ext>
     </p:extLst>
   </p:cSld>
@@ -8759,7 +13729,7 @@
 <file path=ppt/theme/theme1.xml><?xml version="1.0" encoding="utf-8"?>
 <a:theme xmlns:a="http://schemas.openxmlformats.org/drawingml/2006/main" name="Wisp">
   <a:themeElements>
-    <a:clrScheme name="Wisp">
+    <a:clrScheme name="Custom 2">
       <a:dk1>
         <a:sysClr val="windowText" lastClr="000000"/>
       </a:dk1>
@@ -8782,7 +13752,7 @@
         <a:srgbClr val="9F8351"/>
       </a:accent3>
       <a:accent4>
-        <a:srgbClr val="728653"/>
+        <a:srgbClr val="FFFFFF"/>
       </a:accent4>
       <a:accent5>
         <a:srgbClr val="92AA4C"/>
@@ -8999,13 +13969,307 @@
 </a:theme>
 </file>
 
+<file path=ppt/theme/theme2.xml><?xml version="1.0" encoding="utf-8"?>
+<a:theme xmlns:a="http://schemas.openxmlformats.org/drawingml/2006/main" name="Office Theme">
+  <a:themeElements>
+    <a:clrScheme name="Office">
+      <a:dk1>
+        <a:sysClr val="windowText" lastClr="000000"/>
+      </a:dk1>
+      <a:lt1>
+        <a:sysClr val="window" lastClr="FFFFFF"/>
+      </a:lt1>
+      <a:dk2>
+        <a:srgbClr val="44546A"/>
+      </a:dk2>
+      <a:lt2>
+        <a:srgbClr val="E7E6E6"/>
+      </a:lt2>
+      <a:accent1>
+        <a:srgbClr val="4472C4"/>
+      </a:accent1>
+      <a:accent2>
+        <a:srgbClr val="ED7D31"/>
+      </a:accent2>
+      <a:accent3>
+        <a:srgbClr val="A5A5A5"/>
+      </a:accent3>
+      <a:accent4>
+        <a:srgbClr val="FFC000"/>
+      </a:accent4>
+      <a:accent5>
+        <a:srgbClr val="5B9BD5"/>
+      </a:accent5>
+      <a:accent6>
+        <a:srgbClr val="70AD47"/>
+      </a:accent6>
+      <a:hlink>
+        <a:srgbClr val="0563C1"/>
+      </a:hlink>
+      <a:folHlink>
+        <a:srgbClr val="954F72"/>
+      </a:folHlink>
+    </a:clrScheme>
+    <a:fontScheme name="Office">
+      <a:majorFont>
+        <a:latin typeface="Calibri Light" panose="020F0302020204030204"/>
+        <a:ea typeface=""/>
+        <a:cs typeface=""/>
+        <a:font script="Jpan" typeface="游ゴシック Light"/>
+        <a:font script="Hang" typeface="맑은 고딕"/>
+        <a:font script="Hans" typeface="等线 Light"/>
+        <a:font script="Hant" typeface="新細明體"/>
+        <a:font script="Arab" typeface="Times New Roman"/>
+        <a:font script="Hebr" typeface="Times New Roman"/>
+        <a:font script="Thai" typeface="Angsana New"/>
+        <a:font script="Ethi" typeface="Nyala"/>
+        <a:font script="Beng" typeface="Vrinda"/>
+        <a:font script="Gujr" typeface="Shruti"/>
+        <a:font script="Khmr" typeface="MoolBoran"/>
+        <a:font script="Knda" typeface="Tunga"/>
+        <a:font script="Guru" typeface="Raavi"/>
+        <a:font script="Cans" typeface="Euphemia"/>
+        <a:font script="Cher" typeface="Plantagenet Cherokee"/>
+        <a:font script="Yiii" typeface="Microsoft Yi Baiti"/>
+        <a:font script="Tibt" typeface="Microsoft Himalaya"/>
+        <a:font script="Thaa" typeface="MV Boli"/>
+        <a:font script="Deva" typeface="Mangal"/>
+        <a:font script="Telu" typeface="Gautami"/>
+        <a:font script="Taml" typeface="Latha"/>
+        <a:font script="Syrc" typeface="Estrangelo Edessa"/>
+        <a:font script="Orya" typeface="Kalinga"/>
+        <a:font script="Mlym" typeface="Kartika"/>
+        <a:font script="Laoo" typeface="DokChampa"/>
+        <a:font script="Sinh" typeface="Iskoola Pota"/>
+        <a:font script="Mong" typeface="Mongolian Baiti"/>
+        <a:font script="Viet" typeface="Times New Roman"/>
+        <a:font script="Uigh" typeface="Microsoft Uighur"/>
+        <a:font script="Geor" typeface="Sylfaen"/>
+        <a:font script="Armn" typeface="Arial"/>
+        <a:font script="Bugi" typeface="Leelawadee UI"/>
+        <a:font script="Bopo" typeface="Microsoft JhengHei"/>
+        <a:font script="Java" typeface="Javanese Text"/>
+        <a:font script="Lisu" typeface="Segoe UI"/>
+        <a:font script="Mymr" typeface="Myanmar Text"/>
+        <a:font script="Nkoo" typeface="Ebrima"/>
+        <a:font script="Olck" typeface="Nirmala UI"/>
+        <a:font script="Osma" typeface="Ebrima"/>
+        <a:font script="Phag" typeface="Phagspa"/>
+        <a:font script="Syrn" typeface="Estrangelo Edessa"/>
+        <a:font script="Syrj" typeface="Estrangelo Edessa"/>
+        <a:font script="Syre" typeface="Estrangelo Edessa"/>
+        <a:font script="Sora" typeface="Nirmala UI"/>
+        <a:font script="Tale" typeface="Microsoft Tai Le"/>
+        <a:font script="Talu" typeface="Microsoft New Tai Lue"/>
+        <a:font script="Tfng" typeface="Ebrima"/>
+      </a:majorFont>
+      <a:minorFont>
+        <a:latin typeface="Calibri" panose="020F0502020204030204"/>
+        <a:ea typeface=""/>
+        <a:cs typeface=""/>
+        <a:font script="Jpan" typeface="游ゴシック"/>
+        <a:font script="Hang" typeface="맑은 고딕"/>
+        <a:font script="Hans" typeface="等线"/>
+        <a:font script="Hant" typeface="新細明體"/>
+        <a:font script="Arab" typeface="Arial"/>
+        <a:font script="Hebr" typeface="Arial"/>
+        <a:font script="Thai" typeface="Cordia New"/>
+        <a:font script="Ethi" typeface="Nyala"/>
+        <a:font script="Beng" typeface="Vrinda"/>
+        <a:font script="Gujr" typeface="Shruti"/>
+        <a:font script="Khmr" typeface="DaunPenh"/>
+        <a:font script="Knda" typeface="Tunga"/>
+        <a:font script="Guru" typeface="Raavi"/>
+        <a:font script="Cans" typeface="Euphemia"/>
+        <a:font script="Cher" typeface="Plantagenet Cherokee"/>
+        <a:font script="Yiii" typeface="Microsoft Yi Baiti"/>
+        <a:font script="Tibt" typeface="Microsoft Himalaya"/>
+        <a:font script="Thaa" typeface="MV Boli"/>
+        <a:font script="Deva" typeface="Mangal"/>
+        <a:font script="Telu" typeface="Gautami"/>
+        <a:font script="Taml" typeface="Latha"/>
+        <a:font script="Syrc" typeface="Estrangelo Edessa"/>
+        <a:font script="Orya" typeface="Kalinga"/>
+        <a:font script="Mlym" typeface="Kartika"/>
+        <a:font script="Laoo" typeface="DokChampa"/>
+        <a:font script="Sinh" typeface="Iskoola Pota"/>
+        <a:font script="Mong" typeface="Mongolian Baiti"/>
+        <a:font script="Viet" typeface="Arial"/>
+        <a:font script="Uigh" typeface="Microsoft Uighur"/>
+        <a:font script="Geor" typeface="Sylfaen"/>
+        <a:font script="Armn" typeface="Arial"/>
+        <a:font script="Bugi" typeface="Leelawadee UI"/>
+        <a:font script="Bopo" typeface="Microsoft JhengHei"/>
+        <a:font script="Java" typeface="Javanese Text"/>
+        <a:font script="Lisu" typeface="Segoe UI"/>
+        <a:font script="Mymr" typeface="Myanmar Text"/>
+        <a:font script="Nkoo" typeface="Ebrima"/>
+        <a:font script="Olck" typeface="Nirmala UI"/>
+        <a:font script="Osma" typeface="Ebrima"/>
+        <a:font script="Phag" typeface="Phagspa"/>
+        <a:font script="Syrn" typeface="Estrangelo Edessa"/>
+        <a:font script="Syrj" typeface="Estrangelo Edessa"/>
+        <a:font script="Syre" typeface="Estrangelo Edessa"/>
+        <a:font script="Sora" typeface="Nirmala UI"/>
+        <a:font script="Tale" typeface="Microsoft Tai Le"/>
+        <a:font script="Talu" typeface="Microsoft New Tai Lue"/>
+        <a:font script="Tfng" typeface="Ebrima"/>
+      </a:minorFont>
+    </a:fontScheme>
+    <a:fmtScheme name="Office">
+      <a:fillStyleLst>
+        <a:solidFill>
+          <a:schemeClr val="phClr"/>
+        </a:solidFill>
+        <a:gradFill rotWithShape="1">
+          <a:gsLst>
+            <a:gs pos="0">
+              <a:schemeClr val="phClr">
+                <a:lumMod val="110000"/>
+                <a:satMod val="105000"/>
+                <a:tint val="67000"/>
+              </a:schemeClr>
+            </a:gs>
+            <a:gs pos="50000">
+              <a:schemeClr val="phClr">
+                <a:lumMod val="105000"/>
+                <a:satMod val="103000"/>
+                <a:tint val="73000"/>
+              </a:schemeClr>
+            </a:gs>
+            <a:gs pos="100000">
+              <a:schemeClr val="phClr">
+                <a:lumMod val="105000"/>
+                <a:satMod val="109000"/>
+                <a:tint val="81000"/>
+              </a:schemeClr>
+            </a:gs>
+          </a:gsLst>
+          <a:lin ang="5400000" scaled="0"/>
+        </a:gradFill>
+        <a:gradFill rotWithShape="1">
+          <a:gsLst>
+            <a:gs pos="0">
+              <a:schemeClr val="phClr">
+                <a:satMod val="103000"/>
+                <a:lumMod val="102000"/>
+                <a:tint val="94000"/>
+              </a:schemeClr>
+            </a:gs>
+            <a:gs pos="50000">
+              <a:schemeClr val="phClr">
+                <a:satMod val="110000"/>
+                <a:lumMod val="100000"/>
+                <a:shade val="100000"/>
+              </a:schemeClr>
+            </a:gs>
+            <a:gs pos="100000">
+              <a:schemeClr val="phClr">
+                <a:lumMod val="99000"/>
+                <a:satMod val="120000"/>
+                <a:shade val="78000"/>
+              </a:schemeClr>
+            </a:gs>
+          </a:gsLst>
+          <a:lin ang="5400000" scaled="0"/>
+        </a:gradFill>
+      </a:fillStyleLst>
+      <a:lnStyleLst>
+        <a:ln w="6350" cap="flat" cmpd="sng" algn="ctr">
+          <a:solidFill>
+            <a:schemeClr val="phClr"/>
+          </a:solidFill>
+          <a:prstDash val="solid"/>
+          <a:miter lim="800000"/>
+        </a:ln>
+        <a:ln w="12700" cap="flat" cmpd="sng" algn="ctr">
+          <a:solidFill>
+            <a:schemeClr val="phClr"/>
+          </a:solidFill>
+          <a:prstDash val="solid"/>
+          <a:miter lim="800000"/>
+        </a:ln>
+        <a:ln w="19050" cap="flat" cmpd="sng" algn="ctr">
+          <a:solidFill>
+            <a:schemeClr val="phClr"/>
+          </a:solidFill>
+          <a:prstDash val="solid"/>
+          <a:miter lim="800000"/>
+        </a:ln>
+      </a:lnStyleLst>
+      <a:effectStyleLst>
+        <a:effectStyle>
+          <a:effectLst/>
+        </a:effectStyle>
+        <a:effectStyle>
+          <a:effectLst/>
+        </a:effectStyle>
+        <a:effectStyle>
+          <a:effectLst>
+            <a:outerShdw blurRad="57150" dist="19050" dir="5400000" algn="ctr" rotWithShape="0">
+              <a:srgbClr val="000000">
+                <a:alpha val="63000"/>
+              </a:srgbClr>
+            </a:outerShdw>
+          </a:effectLst>
+        </a:effectStyle>
+      </a:effectStyleLst>
+      <a:bgFillStyleLst>
+        <a:solidFill>
+          <a:schemeClr val="phClr"/>
+        </a:solidFill>
+        <a:solidFill>
+          <a:schemeClr val="phClr">
+            <a:tint val="95000"/>
+            <a:satMod val="170000"/>
+          </a:schemeClr>
+        </a:solidFill>
+        <a:gradFill rotWithShape="1">
+          <a:gsLst>
+            <a:gs pos="0">
+              <a:schemeClr val="phClr">
+                <a:tint val="93000"/>
+                <a:satMod val="150000"/>
+                <a:shade val="98000"/>
+                <a:lumMod val="102000"/>
+              </a:schemeClr>
+            </a:gs>
+            <a:gs pos="50000">
+              <a:schemeClr val="phClr">
+                <a:tint val="98000"/>
+                <a:satMod val="130000"/>
+                <a:shade val="90000"/>
+                <a:lumMod val="103000"/>
+              </a:schemeClr>
+            </a:gs>
+            <a:gs pos="100000">
+              <a:schemeClr val="phClr">
+                <a:shade val="63000"/>
+                <a:satMod val="120000"/>
+              </a:schemeClr>
+            </a:gs>
+          </a:gsLst>
+          <a:lin ang="5400000" scaled="0"/>
+        </a:gradFill>
+      </a:bgFillStyleLst>
+    </a:fmtScheme>
+  </a:themeElements>
+  <a:objectDefaults/>
+  <a:extraClrSchemeLst/>
+  <a:extLst>
+    <a:ext uri="{05A4C25C-085E-4340-85A3-A5531E510DB2}">
+      <thm15:themeFamily xmlns:thm15="http://schemas.microsoft.com/office/thememl/2012/main" name="Office Theme" id="{62F939B6-93AF-4DB8-9C6B-D6C7DFDC589F}" vid="{4A3C46E8-61CC-4603-A589-7422A47A8E4A}"/>
+    </a:ext>
+  </a:extLst>
+</a:theme>
+</file>
+
 <file path=customXml/item1.xml><?xml version="1.0" encoding="utf-8"?>
-<?mso-contentType ?>
-<FormTemplates xmlns="http://schemas.microsoft.com/sharepoint/v3/contenttype/forms">
-  <Display>DocumentLibraryForm</Display>
-  <Edit>DocumentLibraryForm</Edit>
-  <New>DocumentLibraryForm</New>
-</FormTemplates>
+<p:properties xmlns:p="http://schemas.microsoft.com/office/2006/metadata/properties" xmlns:xsi="http://www.w3.org/2001/XMLSchema-instance" xmlns:pc="http://schemas.microsoft.com/office/infopath/2007/PartnerControls">
+  <documentManagement>
+    <Notes xmlns="cb5a6cfe-d5cf-441d-addf-bc0d6f7e4cb9" xsi:nil="true"/>
+  </documentManagement>
+</p:properties>
 </file>
 
 <file path=customXml/item2.xml><?xml version="1.0" encoding="utf-8"?>
@@ -9214,17 +14478,20 @@
 </file>
 
 <file path=customXml/item3.xml><?xml version="1.0" encoding="utf-8"?>
-<p:properties xmlns:p="http://schemas.microsoft.com/office/2006/metadata/properties" xmlns:xsi="http://www.w3.org/2001/XMLSchema-instance" xmlns:pc="http://schemas.microsoft.com/office/infopath/2007/PartnerControls">
-  <documentManagement>
-    <Notes xmlns="cb5a6cfe-d5cf-441d-addf-bc0d6f7e4cb9" xsi:nil="true"/>
-  </documentManagement>
-</p:properties>
+<?mso-contentType ?>
+<FormTemplates xmlns="http://schemas.microsoft.com/sharepoint/v3/contenttype/forms">
+  <Display>DocumentLibraryForm</Display>
+  <Edit>DocumentLibraryForm</Edit>
+  <New>DocumentLibraryForm</New>
+</FormTemplates>
 </file>
 
 <file path=customXml/itemProps1.xml><?xml version="1.0" encoding="utf-8"?>
-<ds:datastoreItem xmlns:ds="http://schemas.openxmlformats.org/officeDocument/2006/customXml" ds:itemID="{588BAE31-041E-438C-86CD-512D5D54EF72}">
+<ds:datastoreItem xmlns:ds="http://schemas.openxmlformats.org/officeDocument/2006/customXml" ds:itemID="{0F4CB960-D8E2-4A8B-99F4-CFAC53B1B7BE}">
   <ds:schemaRefs>
-    <ds:schemaRef ds:uri="http://schemas.microsoft.com/sharepoint/v3/contenttype/forms"/>
+    <ds:schemaRef ds:uri="http://schemas.microsoft.com/office/2006/metadata/properties"/>
+    <ds:schemaRef ds:uri="http://schemas.microsoft.com/office/infopath/2007/PartnerControls"/>
+    <ds:schemaRef ds:uri="cb5a6cfe-d5cf-441d-addf-bc0d6f7e4cb9"/>
   </ds:schemaRefs>
 </ds:datastoreItem>
 </file>
@@ -9249,11 +14516,9 @@
 </file>
 
 <file path=customXml/itemProps3.xml><?xml version="1.0" encoding="utf-8"?>
-<ds:datastoreItem xmlns:ds="http://schemas.openxmlformats.org/officeDocument/2006/customXml" ds:itemID="{0F4CB960-D8E2-4A8B-99F4-CFAC53B1B7BE}">
+<ds:datastoreItem xmlns:ds="http://schemas.openxmlformats.org/officeDocument/2006/customXml" ds:itemID="{588BAE31-041E-438C-86CD-512D5D54EF72}">
   <ds:schemaRefs>
-    <ds:schemaRef ds:uri="http://schemas.microsoft.com/office/2006/metadata/properties"/>
-    <ds:schemaRef ds:uri="http://schemas.microsoft.com/office/infopath/2007/PartnerControls"/>
-    <ds:schemaRef ds:uri="cb5a6cfe-d5cf-441d-addf-bc0d6f7e4cb9"/>
+    <ds:schemaRef ds:uri="http://schemas.microsoft.com/sharepoint/v3/contenttype/forms"/>
   </ds:schemaRefs>
 </ds:datastoreItem>
 </file>
--- a/FDAPresentation.pptx
+++ b/FDAPresentation.pptx
@@ -229,7 +229,7 @@
           <a:p>
             <a:fld id="{F11BA5D4-47E9-45F7-9650-25C03F43394B}" type="datetimeFigureOut">
               <a:rPr lang="en-US" smtClean="0"/>
-              <a:t>7/12/2021</a:t>
+              <a:t>7/22/2021</a:t>
             </a:fld>
             <a:endParaRPr lang="en-US"/>
           </a:p>
@@ -1104,7 +1104,7 @@
           <a:p>
             <a:fld id="{C9115477-E791-443D-94C4-175269EE6F8E}" type="datetimeFigureOut">
               <a:rPr lang="en-US" smtClean="0"/>
-              <a:t>7/12/2021</a:t>
+              <a:t>7/22/2021</a:t>
             </a:fld>
             <a:endParaRPr lang="en-US"/>
           </a:p>
@@ -1442,7 +1442,7 @@
           <a:p>
             <a:fld id="{C9115477-E791-443D-94C4-175269EE6F8E}" type="datetimeFigureOut">
               <a:rPr lang="en-US" smtClean="0"/>
-              <a:t>7/12/2021</a:t>
+              <a:t>7/22/2021</a:t>
             </a:fld>
             <a:endParaRPr lang="en-US"/>
           </a:p>
@@ -1843,7 +1843,7 @@
           <a:p>
             <a:fld id="{C9115477-E791-443D-94C4-175269EE6F8E}" type="datetimeFigureOut">
               <a:rPr lang="en-US" smtClean="0"/>
-              <a:t>7/12/2021</a:t>
+              <a:t>7/22/2021</a:t>
             </a:fld>
             <a:endParaRPr lang="en-US"/>
           </a:p>
@@ -2179,7 +2179,7 @@
           <a:p>
             <a:fld id="{C9115477-E791-443D-94C4-175269EE6F8E}" type="datetimeFigureOut">
               <a:rPr lang="en-US" smtClean="0"/>
-              <a:t>7/12/2021</a:t>
+              <a:t>7/22/2021</a:t>
             </a:fld>
             <a:endParaRPr lang="en-US"/>
           </a:p>
@@ -2499,7 +2499,7 @@
           <a:p>
             <a:fld id="{C9115477-E791-443D-94C4-175269EE6F8E}" type="datetimeFigureOut">
               <a:rPr lang="en-US" smtClean="0"/>
-              <a:t>7/12/2021</a:t>
+              <a:t>7/22/2021</a:t>
             </a:fld>
             <a:endParaRPr lang="en-US"/>
           </a:p>
@@ -2895,7 +2895,7 @@
           <a:p>
             <a:fld id="{C9115477-E791-443D-94C4-175269EE6F8E}" type="datetimeFigureOut">
               <a:rPr lang="en-US" smtClean="0"/>
-              <a:t>7/12/2021</a:t>
+              <a:t>7/22/2021</a:t>
             </a:fld>
             <a:endParaRPr lang="en-US"/>
           </a:p>
@@ -3152,7 +3152,7 @@
           <a:p>
             <a:fld id="{C9115477-E791-443D-94C4-175269EE6F8E}" type="datetimeFigureOut">
               <a:rPr lang="en-US" smtClean="0"/>
-              <a:t>7/12/2021</a:t>
+              <a:t>7/22/2021</a:t>
             </a:fld>
             <a:endParaRPr lang="en-US"/>
           </a:p>
@@ -3414,7 +3414,7 @@
           <a:p>
             <a:fld id="{C9115477-E791-443D-94C4-175269EE6F8E}" type="datetimeFigureOut">
               <a:rPr lang="en-US" smtClean="0"/>
-              <a:t>7/12/2021</a:t>
+              <a:t>7/22/2021</a:t>
             </a:fld>
             <a:endParaRPr lang="en-US"/>
           </a:p>
@@ -3676,7 +3676,7 @@
           <a:p>
             <a:fld id="{C9115477-E791-443D-94C4-175269EE6F8E}" type="datetimeFigureOut">
               <a:rPr lang="en-US" smtClean="0"/>
-              <a:t>7/12/2021</a:t>
+              <a:t>7/22/2021</a:t>
             </a:fld>
             <a:endParaRPr lang="en-US"/>
           </a:p>
@@ -4005,7 +4005,7 @@
           <a:p>
             <a:fld id="{C9115477-E791-443D-94C4-175269EE6F8E}" type="datetimeFigureOut">
               <a:rPr lang="en-US" smtClean="0"/>
-              <a:t>7/12/2021</a:t>
+              <a:t>7/22/2021</a:t>
             </a:fld>
             <a:endParaRPr lang="en-US"/>
           </a:p>
@@ -4328,7 +4328,7 @@
           <a:p>
             <a:fld id="{C9115477-E791-443D-94C4-175269EE6F8E}" type="datetimeFigureOut">
               <a:rPr lang="en-US" smtClean="0"/>
-              <a:t>7/12/2021</a:t>
+              <a:t>7/22/2021</a:t>
             </a:fld>
             <a:endParaRPr lang="en-US"/>
           </a:p>
@@ -4785,7 +4785,7 @@
           <a:p>
             <a:fld id="{C9115477-E791-443D-94C4-175269EE6F8E}" type="datetimeFigureOut">
               <a:rPr lang="en-US" smtClean="0"/>
-              <a:t>7/12/2021</a:t>
+              <a:t>7/22/2021</a:t>
             </a:fld>
             <a:endParaRPr lang="en-US"/>
           </a:p>
@@ -4990,7 +4990,7 @@
           <a:p>
             <a:fld id="{C9115477-E791-443D-94C4-175269EE6F8E}" type="datetimeFigureOut">
               <a:rPr lang="en-US" smtClean="0"/>
-              <a:t>7/12/2021</a:t>
+              <a:t>7/22/2021</a:t>
             </a:fld>
             <a:endParaRPr lang="en-US"/>
           </a:p>
@@ -5167,7 +5167,7 @@
           <a:p>
             <a:fld id="{C9115477-E791-443D-94C4-175269EE6F8E}" type="datetimeFigureOut">
               <a:rPr lang="en-US" smtClean="0"/>
-              <a:t>7/12/2021</a:t>
+              <a:t>7/22/2021</a:t>
             </a:fld>
             <a:endParaRPr lang="en-US"/>
           </a:p>
@@ -5500,7 +5500,7 @@
           <a:p>
             <a:fld id="{C9115477-E791-443D-94C4-175269EE6F8E}" type="datetimeFigureOut">
               <a:rPr lang="en-US" smtClean="0"/>
-              <a:t>7/12/2021</a:t>
+              <a:t>7/22/2021</a:t>
             </a:fld>
             <a:endParaRPr lang="en-US"/>
           </a:p>
@@ -5845,7 +5845,7 @@
           <a:p>
             <a:fld id="{C9115477-E791-443D-94C4-175269EE6F8E}" type="datetimeFigureOut">
               <a:rPr lang="en-US" smtClean="0"/>
-              <a:t>7/12/2021</a:t>
+              <a:t>7/22/2021</a:t>
             </a:fld>
             <a:endParaRPr lang="en-US"/>
           </a:p>
@@ -7962,7 +7962,7 @@
           <a:p>
             <a:fld id="{C9115477-E791-443D-94C4-175269EE6F8E}" type="datetimeFigureOut">
               <a:rPr lang="en-US" smtClean="0"/>
-              <a:t>7/12/2021</a:t>
+              <a:t>7/22/2021</a:t>
             </a:fld>
             <a:endParaRPr lang="en-US"/>
           </a:p>
@@ -8780,7 +8780,12 @@
             <p:ph idx="1"/>
           </p:nvPr>
         </p:nvSpPr>
-        <p:spPr/>
+        <p:spPr>
+          <a:xfrm>
+            <a:off x="2592925" y="1406013"/>
+            <a:ext cx="8915400" cy="3777622"/>
+          </a:xfrm>
+        </p:spPr>
         <p:txBody>
           <a:bodyPr/>
           <a:lstStyle/>
@@ -8792,6 +8797,16 @@
             <a:r>
               <a:rPr lang="en-US" dirty="0"/>
               <a:t>We plan to continue assisting the industry in enabling interoperability by providing software and programming APIs that reduce the cost of implementing standards while also increasing the consistency in which those standards are implemented.</a:t>
+            </a:r>
+          </a:p>
+          <a:p>
+            <a:pPr>
+              <a:buFontTx/>
+              <a:buChar char="-"/>
+            </a:pPr>
+            <a:r>
+              <a:rPr lang="en-US" dirty="0"/>
+              <a:t>We believe having a standardized interface to query for traceability data for across numerous applications will allow for the development of analytics tools that can be built to talk to platforms storing traceability data through the Trace Driver. We plan on working with data scientists to help develop tools for the industry.</a:t>
             </a:r>
           </a:p>
         </p:txBody>
@@ -8954,7 +8969,7 @@
         </p:nvSpPr>
         <p:spPr>
           <a:xfrm>
-            <a:off x="2660902" y="3550458"/>
+            <a:off x="2389152" y="3543167"/>
             <a:ext cx="1006547" cy="910333"/>
           </a:xfrm>
           <a:prstGeom prst="flowChartConnector">
@@ -9150,7 +9165,7 @@
         </p:nvSpPr>
         <p:spPr>
           <a:xfrm>
-            <a:off x="4721142" y="3520815"/>
+            <a:off x="5008104" y="3520815"/>
             <a:ext cx="1006547" cy="910333"/>
           </a:xfrm>
           <a:prstGeom prst="flowChartConnector">
@@ -9296,8 +9311,8 @@
         </p:nvCxnSpPr>
         <p:spPr>
           <a:xfrm flipH="1">
-            <a:off x="3667449" y="3389337"/>
-            <a:ext cx="851422" cy="616288"/>
+            <a:off x="3395699" y="3389337"/>
+            <a:ext cx="1123172" cy="608997"/>
           </a:xfrm>
           <a:prstGeom prst="straightConnector1">
             <a:avLst/>
@@ -9383,7 +9398,7 @@
         <p:spPr>
           <a:xfrm>
             <a:off x="4518871" y="3389337"/>
-            <a:ext cx="202271" cy="586645"/>
+            <a:ext cx="489233" cy="586645"/>
           </a:xfrm>
           <a:prstGeom prst="straightConnector1">
             <a:avLst/>
@@ -9468,8 +9483,8 @@
         </p:nvCxnSpPr>
         <p:spPr>
           <a:xfrm flipH="1" flipV="1">
-            <a:off x="3667449" y="4005625"/>
-            <a:ext cx="815245" cy="558838"/>
+            <a:off x="3395699" y="3998334"/>
+            <a:ext cx="1086995" cy="566129"/>
           </a:xfrm>
           <a:prstGeom prst="straightConnector1">
             <a:avLst/>
@@ -9555,7 +9570,7 @@
         <p:spPr>
           <a:xfrm flipV="1">
             <a:off x="4482694" y="3975982"/>
-            <a:ext cx="238448" cy="588481"/>
+            <a:ext cx="525410" cy="588481"/>
           </a:xfrm>
           <a:prstGeom prst="straightConnector1">
             <a:avLst/>
@@ -9597,8 +9612,8 @@
         </p:nvCxnSpPr>
         <p:spPr>
           <a:xfrm>
-            <a:off x="3667449" y="4005625"/>
-            <a:ext cx="336117" cy="599869"/>
+            <a:off x="3395699" y="3998334"/>
+            <a:ext cx="607867" cy="607160"/>
           </a:xfrm>
           <a:prstGeom prst="straightConnector1">
             <a:avLst/>
@@ -9640,8 +9655,8 @@
         </p:nvCxnSpPr>
         <p:spPr>
           <a:xfrm flipV="1">
-            <a:off x="3667449" y="3391173"/>
-            <a:ext cx="186703" cy="614452"/>
+            <a:off x="3395699" y="3391173"/>
+            <a:ext cx="458453" cy="607161"/>
           </a:xfrm>
           <a:prstGeom prst="straightConnector1">
             <a:avLst/>
@@ -9683,8 +9698,8 @@
         </p:nvCxnSpPr>
         <p:spPr>
           <a:xfrm flipV="1">
-            <a:off x="3667449" y="3975982"/>
-            <a:ext cx="1053693" cy="29643"/>
+            <a:off x="3395699" y="3975982"/>
+            <a:ext cx="1612405" cy="22352"/>
           </a:xfrm>
           <a:prstGeom prst="straightConnector1">
             <a:avLst/>
@@ -9727,7 +9742,7 @@
         <p:spPr>
           <a:xfrm flipV="1">
             <a:off x="4003566" y="3975982"/>
-            <a:ext cx="717576" cy="629512"/>
+            <a:ext cx="1004538" cy="629512"/>
           </a:xfrm>
           <a:prstGeom prst="straightConnector1">
             <a:avLst/>
@@ -9769,8 +9784,8 @@
         </p:nvCxnSpPr>
         <p:spPr>
           <a:xfrm flipH="1" flipV="1">
-            <a:off x="3667449" y="4005625"/>
-            <a:ext cx="336117" cy="599869"/>
+            <a:off x="3395699" y="3998334"/>
+            <a:ext cx="607867" cy="607160"/>
           </a:xfrm>
           <a:prstGeom prst="straightConnector1">
             <a:avLst/>
@@ -9856,7 +9871,7 @@
         <p:spPr>
           <a:xfrm>
             <a:off x="3854152" y="3391173"/>
-            <a:ext cx="866990" cy="584809"/>
+            <a:ext cx="1153952" cy="584809"/>
           </a:xfrm>
           <a:prstGeom prst="straightConnector1">
             <a:avLst/>
@@ -9898,8 +9913,8 @@
         </p:nvCxnSpPr>
         <p:spPr>
           <a:xfrm flipH="1">
-            <a:off x="3667449" y="3391173"/>
-            <a:ext cx="186703" cy="614452"/>
+            <a:off x="3395699" y="3391173"/>
+            <a:ext cx="458453" cy="607161"/>
           </a:xfrm>
           <a:prstGeom prst="straightConnector1">
             <a:avLst/>
@@ -9980,7 +9995,7 @@
         </p:nvSpPr>
         <p:spPr>
           <a:xfrm>
-            <a:off x="6509126" y="3591780"/>
+            <a:off x="6503884" y="3439672"/>
             <a:ext cx="1006547" cy="910333"/>
           </a:xfrm>
           <a:prstGeom prst="flowChartConnector">
@@ -10030,7 +10045,7 @@
         </p:nvSpPr>
         <p:spPr>
           <a:xfrm>
-            <a:off x="6940736" y="2725107"/>
+            <a:off x="6928563" y="2514066"/>
             <a:ext cx="1006547" cy="910333"/>
           </a:xfrm>
           <a:prstGeom prst="flowChartConnector">
@@ -10080,7 +10095,7 @@
         </p:nvSpPr>
         <p:spPr>
           <a:xfrm>
-            <a:off x="6916930" y="4531766"/>
+            <a:off x="6911688" y="4379658"/>
             <a:ext cx="1006547" cy="910333"/>
           </a:xfrm>
           <a:prstGeom prst="flowChartConnector">
@@ -10130,7 +10145,7 @@
         </p:nvSpPr>
         <p:spPr>
           <a:xfrm>
-            <a:off x="8671332" y="4473187"/>
+            <a:off x="8777377" y="4390874"/>
             <a:ext cx="1071318" cy="968912"/>
           </a:xfrm>
           <a:prstGeom prst="flowChartConnector">
@@ -10180,7 +10195,7 @@
         </p:nvSpPr>
         <p:spPr>
           <a:xfrm>
-            <a:off x="9106407" y="3575129"/>
+            <a:off x="9101165" y="3423021"/>
             <a:ext cx="1006547" cy="910333"/>
           </a:xfrm>
           <a:prstGeom prst="flowChartConnector">
@@ -10230,7 +10245,7 @@
         </p:nvSpPr>
         <p:spPr>
           <a:xfrm>
-            <a:off x="8552167" y="2682018"/>
+            <a:off x="8546925" y="2529910"/>
             <a:ext cx="1006547" cy="910333"/>
           </a:xfrm>
           <a:prstGeom prst="flowChartConnector">
@@ -10280,7 +10295,7 @@
         </p:nvSpPr>
         <p:spPr>
           <a:xfrm>
-            <a:off x="7858295" y="3597870"/>
+            <a:off x="7853053" y="3445762"/>
             <a:ext cx="872633" cy="864853"/>
           </a:xfrm>
           <a:prstGeom prst="ellipse">
@@ -10309,7 +10324,7 @@
           <a:p>
             <a:pPr algn="ctr"/>
             <a:r>
-              <a:rPr lang="en-US" sz="700" dirty="0">
+              <a:rPr lang="en-US" sz="600" dirty="0">
                 <a:solidFill>
                   <a:schemeClr val="tx1"/>
                 </a:solidFill>
@@ -10337,7 +10352,7 @@
         </p:nvCxnSpPr>
         <p:spPr>
           <a:xfrm flipH="1">
-            <a:off x="8603134" y="3459036"/>
+            <a:off x="8597892" y="3306928"/>
             <a:ext cx="96438" cy="265489"/>
           </a:xfrm>
           <a:prstGeom prst="straightConnector1">
@@ -10380,8 +10395,8 @@
         </p:nvCxnSpPr>
         <p:spPr>
           <a:xfrm>
-            <a:off x="7799878" y="3502125"/>
-            <a:ext cx="186211" cy="222400"/>
+            <a:off x="7787705" y="3291084"/>
+            <a:ext cx="193142" cy="281333"/>
           </a:xfrm>
           <a:prstGeom prst="straightConnector1">
             <a:avLst/>
@@ -10423,7 +10438,7 @@
         </p:nvCxnSpPr>
         <p:spPr>
           <a:xfrm flipV="1">
-            <a:off x="7515673" y="4030297"/>
+            <a:off x="7510431" y="3878189"/>
             <a:ext cx="342622" cy="16650"/>
           </a:xfrm>
           <a:prstGeom prst="straightConnector1">
@@ -10466,7 +10481,7 @@
         </p:nvCxnSpPr>
         <p:spPr>
           <a:xfrm flipV="1">
-            <a:off x="7776072" y="4336068"/>
+            <a:off x="7770830" y="4183960"/>
             <a:ext cx="210017" cy="329013"/>
           </a:xfrm>
           <a:prstGeom prst="straightConnector1">
@@ -10509,8 +10524,8 @@
         </p:nvCxnSpPr>
         <p:spPr>
           <a:xfrm flipH="1" flipV="1">
-            <a:off x="8603134" y="4336068"/>
-            <a:ext cx="225089" cy="279013"/>
+            <a:off x="8597892" y="4183960"/>
+            <a:ext cx="336376" cy="348808"/>
           </a:xfrm>
           <a:prstGeom prst="straightConnector1">
             <a:avLst/>
@@ -10552,7 +10567,7 @@
         </p:nvCxnSpPr>
         <p:spPr>
           <a:xfrm flipH="1">
-            <a:off x="8730928" y="4030296"/>
+            <a:off x="8725686" y="3878188"/>
             <a:ext cx="375479" cy="1"/>
           </a:xfrm>
           <a:prstGeom prst="straightConnector1">
@@ -10595,7 +10610,7 @@
         </p:nvCxnSpPr>
         <p:spPr>
           <a:xfrm flipH="1">
-            <a:off x="7776072" y="4336068"/>
+            <a:off x="7770830" y="4183960"/>
             <a:ext cx="210017" cy="329013"/>
           </a:xfrm>
           <a:prstGeom prst="straightConnector1">
@@ -10638,8 +10653,8 @@
         </p:nvCxnSpPr>
         <p:spPr>
           <a:xfrm>
-            <a:off x="8603134" y="4336068"/>
-            <a:ext cx="225089" cy="279013"/>
+            <a:off x="8597892" y="4183960"/>
+            <a:ext cx="336376" cy="348808"/>
           </a:xfrm>
           <a:prstGeom prst="straightConnector1">
             <a:avLst/>
@@ -10681,7 +10696,7 @@
         </p:nvCxnSpPr>
         <p:spPr>
           <a:xfrm flipV="1">
-            <a:off x="8730928" y="4030296"/>
+            <a:off x="8725686" y="3878188"/>
             <a:ext cx="375479" cy="1"/>
           </a:xfrm>
           <a:prstGeom prst="straightConnector1">
@@ -10724,7 +10739,7 @@
         </p:nvCxnSpPr>
         <p:spPr>
           <a:xfrm flipV="1">
-            <a:off x="8603134" y="3459036"/>
+            <a:off x="8597892" y="3306928"/>
             <a:ext cx="96438" cy="265489"/>
           </a:xfrm>
           <a:prstGeom prst="straightConnector1">
@@ -10767,8 +10782,8 @@
         </p:nvCxnSpPr>
         <p:spPr>
           <a:xfrm flipH="1" flipV="1">
-            <a:off x="7799878" y="3502125"/>
-            <a:ext cx="186211" cy="222400"/>
+            <a:off x="7787705" y="3291084"/>
+            <a:ext cx="193142" cy="281333"/>
           </a:xfrm>
           <a:prstGeom prst="straightConnector1">
             <a:avLst/>
@@ -10898,7 +10913,7 @@
         </p:nvSpPr>
         <p:spPr>
           <a:xfrm>
-            <a:off x="6916930" y="1905000"/>
+            <a:off x="7048768" y="1903956"/>
             <a:ext cx="2682145" cy="646331"/>
           </a:xfrm>
           <a:prstGeom prst="rect">
@@ -11185,7 +11200,7 @@
         </p:nvSpPr>
         <p:spPr>
           <a:xfrm>
-            <a:off x="2278734" y="3288563"/>
+            <a:off x="2278734" y="2562867"/>
             <a:ext cx="8915400" cy="1280890"/>
           </a:xfrm>
         </p:spPr>
@@ -11195,25 +11210,25 @@
           </a:bodyPr>
           <a:lstStyle/>
           <a:p>
-            <a:pPr marL="0" indent="0">
+            <a:pPr marL="0" indent="0" algn="ctr">
               <a:buNone/>
             </a:pPr>
             <a:r>
-              <a:rPr lang="en-US" dirty="0"/>
+              <a:rPr lang="en-US" sz="1400" dirty="0"/>
               <a:t>The Traceability Driver was developed to reduce the cost of interoperability. It’s an addon service that can be installed onto existing traceability solutions with minimum work and enables any traceability solution to interoperate with all other traceability solutions that install the Traceability Driver.</a:t>
             </a:r>
           </a:p>
           <a:p>
-            <a:pPr marL="0" indent="0">
+            <a:pPr marL="0" indent="0" algn="ctr">
               <a:buNone/>
             </a:pPr>
-            <a:endParaRPr lang="en-US" dirty="0"/>
-          </a:p>
-          <a:p>
-            <a:pPr marL="0" indent="0">
+            <a:endParaRPr lang="en-US" sz="1400" dirty="0"/>
+          </a:p>
+          <a:p>
+            <a:pPr marL="0" indent="0" algn="ctr">
               <a:buNone/>
             </a:pPr>
-            <a:endParaRPr lang="en-US" dirty="0"/>
+            <a:endParaRPr lang="en-US" sz="1400" dirty="0"/>
           </a:p>
         </p:txBody>
       </p:sp>
@@ -11244,7 +11259,7 @@
         </p:blipFill>
         <p:spPr>
           <a:xfrm>
-            <a:off x="4426330" y="386836"/>
+            <a:off x="4485324" y="-253609"/>
             <a:ext cx="4086808" cy="3109755"/>
           </a:xfrm>
           <a:prstGeom prst="rect">
@@ -11299,8 +11314,8 @@
         </p:nvSpPr>
         <p:spPr>
           <a:xfrm>
-            <a:off x="3276868" y="4831368"/>
-            <a:ext cx="7467332" cy="1384995"/>
+            <a:off x="2279002" y="3770579"/>
+            <a:ext cx="8915132" cy="830997"/>
           </a:xfrm>
           <a:prstGeom prst="rect">
             <a:avLst/>
@@ -11313,13 +11328,122 @@
           </a:bodyPr>
           <a:lstStyle/>
           <a:p>
-            <a:r>
-              <a:rPr lang="en-US" sz="2800" i="1" dirty="0"/>
-              <a:t>“Food companies are drowning in traceability solution options but are starving for interoperability.”</a:t>
-            </a:r>
-          </a:p>
-        </p:txBody>
-      </p:sp>
+            <a:pPr algn="ctr"/>
+            <a:r>
+              <a:rPr lang="en-US" sz="2400" i="1" dirty="0"/>
+              <a:t>Food companies are drowning in traceability solution options but are starving for interoperability.</a:t>
+            </a:r>
+          </a:p>
+        </p:txBody>
+      </p:sp>
+      <p:pic>
+        <p:nvPicPr>
+          <p:cNvPr id="7" name="Picture 6" descr="Diagram&#10;&#10;Description automatically generated">
+            <a:extLst>
+              <a:ext uri="{FF2B5EF4-FFF2-40B4-BE49-F238E27FC236}">
+                <a16:creationId xmlns:a16="http://schemas.microsoft.com/office/drawing/2014/main" id="{4D24778D-B9E4-4867-A2FE-51B1DBC7925E}"/>
+              </a:ext>
+            </a:extLst>
+          </p:cNvPr>
+          <p:cNvPicPr>
+            <a:picLocks noChangeAspect="1"/>
+          </p:cNvPicPr>
+          <p:nvPr/>
+        </p:nvPicPr>
+        <p:blipFill>
+          <a:blip r:embed="rId4">
+            <a:extLst>
+              <a:ext uri="{28A0092B-C50C-407E-A947-70E740481C1C}">
+                <a14:useLocalDpi xmlns:a14="http://schemas.microsoft.com/office/drawing/2010/main" val="0"/>
+              </a:ext>
+            </a:extLst>
+          </a:blip>
+          <a:stretch>
+            <a:fillRect/>
+          </a:stretch>
+        </p:blipFill>
+        <p:spPr>
+          <a:xfrm>
+            <a:off x="7052187" y="5238854"/>
+            <a:ext cx="1818324" cy="1818324"/>
+          </a:xfrm>
+          <a:prstGeom prst="rect">
+            <a:avLst/>
+          </a:prstGeom>
+        </p:spPr>
+      </p:pic>
+      <p:sp>
+        <p:nvSpPr>
+          <p:cNvPr id="10" name="TextBox 9">
+            <a:extLst>
+              <a:ext uri="{FF2B5EF4-FFF2-40B4-BE49-F238E27FC236}">
+                <a16:creationId xmlns:a16="http://schemas.microsoft.com/office/drawing/2014/main" id="{25223A08-EA37-45D3-85DE-12CE1B14B98B}"/>
+              </a:ext>
+            </a:extLst>
+          </p:cNvPr>
+          <p:cNvSpPr txBox="1"/>
+          <p:nvPr/>
+        </p:nvSpPr>
+        <p:spPr>
+          <a:xfrm>
+            <a:off x="2279002" y="4929449"/>
+            <a:ext cx="8915132" cy="523220"/>
+          </a:xfrm>
+          <a:prstGeom prst="rect">
+            <a:avLst/>
+          </a:prstGeom>
+          <a:noFill/>
+        </p:spPr>
+        <p:txBody>
+          <a:bodyPr wrap="square" rtlCol="0">
+            <a:spAutoFit/>
+          </a:bodyPr>
+          <a:lstStyle/>
+          <a:p>
+            <a:pPr algn="ctr"/>
+            <a:r>
+              <a:rPr lang="en-US" sz="1400" b="1" i="1" dirty="0"/>
+              <a:t>Below are companies that have already implemented or are currently working to implement the Traceability Driver…</a:t>
+            </a:r>
+          </a:p>
+        </p:txBody>
+      </p:sp>
+      <p:pic>
+        <p:nvPicPr>
+          <p:cNvPr id="12" name="Picture 11" descr="Logo&#10;&#10;Description automatically generated">
+            <a:extLst>
+              <a:ext uri="{FF2B5EF4-FFF2-40B4-BE49-F238E27FC236}">
+                <a16:creationId xmlns:a16="http://schemas.microsoft.com/office/drawing/2014/main" id="{15AF1F6D-705D-44F9-BB65-7DDD8D9AB791}"/>
+              </a:ext>
+            </a:extLst>
+          </p:cNvPr>
+          <p:cNvPicPr>
+            <a:picLocks noChangeAspect="1"/>
+          </p:cNvPicPr>
+          <p:nvPr/>
+        </p:nvPicPr>
+        <p:blipFill>
+          <a:blip r:embed="rId5">
+            <a:extLst>
+              <a:ext uri="{28A0092B-C50C-407E-A947-70E740481C1C}">
+                <a14:useLocalDpi xmlns:a14="http://schemas.microsoft.com/office/drawing/2010/main" val="0"/>
+              </a:ext>
+            </a:extLst>
+          </a:blip>
+          <a:stretch>
+            <a:fillRect/>
+          </a:stretch>
+        </p:blipFill>
+        <p:spPr>
+          <a:xfrm>
+            <a:off x="3293915" y="5896585"/>
+            <a:ext cx="3234813" cy="502862"/>
+          </a:xfrm>
+          <a:prstGeom prst="rect">
+            <a:avLst/>
+          </a:prstGeom>
+        </p:spPr>
+      </p:pic>
     </p:spTree>
     <p:extLst>
       <p:ext uri="{BB962C8B-B14F-4D97-AF65-F5344CB8AC3E}">
@@ -11402,13 +11526,26 @@
         </p:spPr>
         <p:txBody>
           <a:bodyPr>
-            <a:normAutofit/>
+            <a:normAutofit lnSpcReduction="10000"/>
           </a:bodyPr>
           <a:lstStyle/>
           <a:p>
             <a:r>
               <a:rPr lang="en-US" sz="1600" dirty="0"/>
-              <a:t>A software tool that can be used to make an existing traceability solution interoperable using the GS1 standards.</a:t>
+              <a:t>A software tool that can be used to make an existing traceability solution interoperable using the GDST and GS1 standards.</a:t>
+            </a:r>
+          </a:p>
+          <a:p>
+            <a:r>
+              <a:rPr lang="en-US" sz="1600" dirty="0"/>
+              <a:t>There are great standards for enabling interoperability such as GDST and GS1, this tool is meant to reduce development costs in implementing these standards.</a:t>
+            </a:r>
+          </a:p>
+          <a:p>
+            <a:pPr lvl="1"/>
+            <a:r>
+              <a:rPr lang="en-US" sz="1400" i="1" dirty="0"/>
+              <a:t>Sometimes these standards are interpreted differently by solution providers implementing them, leading to inconsistencies in how they are implemented. This tool would assist in ensuring the standards are implemented consistently.</a:t>
             </a:r>
           </a:p>
           <a:p>
@@ -11808,45 +11945,6 @@
             </a:p>
           </p:txBody>
         </p:sp>
-        <p:pic>
-          <p:nvPicPr>
-            <p:cNvPr id="11" name="Picture 10" descr="Shape&#10;&#10;Description automatically generated with low confidence">
-              <a:extLst>
-                <a:ext uri="{FF2B5EF4-FFF2-40B4-BE49-F238E27FC236}">
-                  <a16:creationId xmlns:a16="http://schemas.microsoft.com/office/drawing/2014/main" id="{75F7B00F-1827-4FDC-A7CB-EA0B4A344D3D}"/>
-                </a:ext>
-              </a:extLst>
-            </p:cNvPr>
-            <p:cNvPicPr>
-              <a:picLocks noChangeAspect="1"/>
-            </p:cNvPicPr>
-            <p:nvPr/>
-          </p:nvPicPr>
-          <p:blipFill>
-            <a:blip r:embed="rId2">
-              <a:extLst>
-                <a:ext uri="{28A0092B-C50C-407E-A947-70E740481C1C}">
-                  <a14:useLocalDpi xmlns:a14="http://schemas.microsoft.com/office/drawing/2010/main" val="0"/>
-                </a:ext>
-              </a:extLst>
-            </a:blip>
-            <a:stretch>
-              <a:fillRect/>
-            </a:stretch>
-          </p:blipFill>
-          <p:spPr>
-            <a:xfrm>
-              <a:off x="4093516" y="2584555"/>
-              <a:ext cx="670639" cy="670639"/>
-            </a:xfrm>
-            <a:prstGeom prst="rect">
-              <a:avLst/>
-            </a:prstGeom>
-            <a:solidFill>
-              <a:schemeClr val="bg1"/>
-            </a:solidFill>
-          </p:spPr>
-        </p:pic>
       </p:grpSp>
       <p:grpSp>
         <p:nvGrpSpPr>
@@ -12464,45 +12562,6 @@
             </a:p>
           </p:txBody>
         </p:sp>
-        <p:pic>
-          <p:nvPicPr>
-            <p:cNvPr id="26" name="Picture 25" descr="Shape&#10;&#10;Description automatically generated with low confidence">
-              <a:extLst>
-                <a:ext uri="{FF2B5EF4-FFF2-40B4-BE49-F238E27FC236}">
-                  <a16:creationId xmlns:a16="http://schemas.microsoft.com/office/drawing/2014/main" id="{6E88DB0F-CBDD-4EC4-9655-5BF5D5279D47}"/>
-                </a:ext>
-              </a:extLst>
-            </p:cNvPr>
-            <p:cNvPicPr>
-              <a:picLocks noChangeAspect="1"/>
-            </p:cNvPicPr>
-            <p:nvPr/>
-          </p:nvPicPr>
-          <p:blipFill>
-            <a:blip r:embed="rId2">
-              <a:extLst>
-                <a:ext uri="{28A0092B-C50C-407E-A947-70E740481C1C}">
-                  <a14:useLocalDpi xmlns:a14="http://schemas.microsoft.com/office/drawing/2010/main" val="0"/>
-                </a:ext>
-              </a:extLst>
-            </a:blip>
-            <a:stretch>
-              <a:fillRect/>
-            </a:stretch>
-          </p:blipFill>
-          <p:spPr>
-            <a:xfrm>
-              <a:off x="4093516" y="2584555"/>
-              <a:ext cx="670639" cy="670639"/>
-            </a:xfrm>
-            <a:prstGeom prst="rect">
-              <a:avLst/>
-            </a:prstGeom>
-            <a:solidFill>
-              <a:schemeClr val="bg1"/>
-            </a:solidFill>
-          </p:spPr>
-        </p:pic>
       </p:grpSp>
       <p:grpSp>
         <p:nvGrpSpPr>
@@ -13131,6 +13190,77 @@
           </a:p>
         </p:txBody>
       </p:sp>
+      <p:pic>
+        <p:nvPicPr>
+          <p:cNvPr id="38" name="Picture 37" descr="Logo&#10;&#10;Description automatically generated">
+            <a:extLst>
+              <a:ext uri="{FF2B5EF4-FFF2-40B4-BE49-F238E27FC236}">
+                <a16:creationId xmlns:a16="http://schemas.microsoft.com/office/drawing/2014/main" id="{6997122F-2308-4B94-A33B-3048516D3B46}"/>
+              </a:ext>
+            </a:extLst>
+          </p:cNvPr>
+          <p:cNvPicPr>
+            <a:picLocks noChangeAspect="1"/>
+          </p:cNvPicPr>
+          <p:nvPr/>
+        </p:nvPicPr>
+        <p:blipFill rotWithShape="1">
+          <a:blip r:embed="rId3">
+            <a:extLst>
+              <a:ext uri="{28A0092B-C50C-407E-A947-70E740481C1C}">
+                <a14:useLocalDpi xmlns:a14="http://schemas.microsoft.com/office/drawing/2010/main" val="0"/>
+              </a:ext>
+            </a:extLst>
+          </a:blip>
+          <a:srcRect t="353" r="73093"/>
+          <a:stretch/>
+        </p:blipFill>
+        <p:spPr>
+          <a:xfrm>
+            <a:off x="2543958" y="2206750"/>
+            <a:ext cx="1004620" cy="637057"/>
+          </a:xfrm>
+          <a:prstGeom prst="rect">
+            <a:avLst/>
+          </a:prstGeom>
+        </p:spPr>
+      </p:pic>
+      <p:pic>
+        <p:nvPicPr>
+          <p:cNvPr id="39" name="Picture 38" descr="Diagram&#10;&#10;Description automatically generated">
+            <a:extLst>
+              <a:ext uri="{FF2B5EF4-FFF2-40B4-BE49-F238E27FC236}">
+                <a16:creationId xmlns:a16="http://schemas.microsoft.com/office/drawing/2014/main" id="{989A85AF-2A01-4B43-BE39-55754950ABE0}"/>
+              </a:ext>
+            </a:extLst>
+          </p:cNvPr>
+          <p:cNvPicPr>
+            <a:picLocks noChangeAspect="1"/>
+          </p:cNvPicPr>
+          <p:nvPr/>
+        </p:nvPicPr>
+        <p:blipFill>
+          <a:blip r:embed="rId4">
+            <a:extLst>
+              <a:ext uri="{28A0092B-C50C-407E-A947-70E740481C1C}">
+                <a14:useLocalDpi xmlns:a14="http://schemas.microsoft.com/office/drawing/2010/main" val="0"/>
+              </a:ext>
+            </a:extLst>
+          </a:blip>
+          <a:stretch>
+            <a:fillRect/>
+          </a:stretch>
+        </p:blipFill>
+        <p:spPr>
+          <a:xfrm>
+            <a:off x="9329954" y="1964440"/>
+            <a:ext cx="1052273" cy="1052273"/>
+          </a:xfrm>
+          <a:prstGeom prst="rect">
+            <a:avLst/>
+          </a:prstGeom>
+        </p:spPr>
+      </p:pic>
     </p:spTree>
     <p:extLst>
       <p:ext uri="{BB962C8B-B14F-4D97-AF65-F5344CB8AC3E}">
@@ -13292,35 +13422,6 @@
               <a:rPr lang="en-US" sz="1400" dirty="0"/>
               <a:t>Currently most traceability solutions try to take a “one size fits all approach”.</a:t>
             </a:r>
-          </a:p>
-          <a:p>
-            <a:r>
-              <a:rPr lang="en-US" sz="1500" u="sng" dirty="0"/>
-              <a:t>Current approach to Interoperability is Costly if Not Impossible</a:t>
-            </a:r>
-          </a:p>
-          <a:p>
-            <a:pPr lvl="1"/>
-            <a:r>
-              <a:rPr lang="en-US" sz="1400" dirty="0"/>
-              <a:t>Requires consistent implementation of numerous standards.</a:t>
-            </a:r>
-          </a:p>
-          <a:p>
-            <a:pPr lvl="1"/>
-            <a:r>
-              <a:rPr lang="en-US" sz="1400" dirty="0"/>
-              <a:t>High degree of flexibility/complexity in EPCIS and other standards causes everyone to implement their own flavor.</a:t>
-            </a:r>
-          </a:p>
-          <a:p>
-            <a:pPr lvl="1"/>
-            <a:r>
-              <a:rPr lang="en-US" sz="1400" dirty="0"/>
-              <a:t>Interoperability turns into a problem that requires each traceability solution to have to do an integration project with every other traceability solution.</a:t>
-            </a:r>
-          </a:p>
-          <a:p>
             <a:endParaRPr lang="en-US" sz="1500" dirty="0">
               <a:solidFill>
                 <a:srgbClr val="1D1C1D"/>
@@ -13328,7 +13429,10 @@
             </a:endParaRPr>
           </a:p>
           <a:p>
-            <a:endParaRPr lang="en-US" sz="1500" dirty="0"/>
+            <a:r>
+              <a:rPr lang="en-US" sz="1500" dirty="0"/>
+              <a:t>There exists many great standards for interoperability such as GDST and EPCIS, however there is a need for software tools to assist in implementing these standards for traceability solution providers.</a:t>
+            </a:r>
           </a:p>
         </p:txBody>
       </p:sp>
@@ -13413,14 +13517,21 @@
             <p:ph idx="1"/>
           </p:nvPr>
         </p:nvSpPr>
-        <p:spPr/>
-        <p:txBody>
-          <a:bodyPr/>
+        <p:spPr>
+          <a:xfrm>
+            <a:off x="2589212" y="1818968"/>
+            <a:ext cx="8915400" cy="4729316"/>
+          </a:xfrm>
+        </p:spPr>
+        <p:txBody>
+          <a:bodyPr>
+            <a:normAutofit fontScale="92500" lnSpcReduction="20000"/>
+          </a:bodyPr>
           <a:lstStyle/>
           <a:p>
             <a:r>
-              <a:rPr lang="en-US" i="1" dirty="0"/>
-              <a:t>“Food companies are drowning in traceability solution options but are starving for interoperability.”</a:t>
+              <a:rPr lang="en-US" dirty="0"/>
+              <a:t>Food companies are drowning in traceability solution options but are starving for interoperability.</a:t>
             </a:r>
           </a:p>
           <a:p>
@@ -13438,6 +13549,12 @@
           <a:p>
             <a:r>
               <a:rPr lang="en-US" dirty="0"/>
+              <a:t>Utilizes existing data format and communication standards.</a:t>
+            </a:r>
+          </a:p>
+          <a:p>
+            <a:r>
+              <a:rPr lang="en-US" dirty="0"/>
               <a:t>Secured with HTTPS, internal checks, and Public/Private Key Encryption.</a:t>
             </a:r>
           </a:p>
@@ -13445,8 +13562,45 @@
             <a:pPr lvl="1"/>
             <a:r>
               <a:rPr lang="en-US" dirty="0"/>
-              <a:t>Even allows permissions of data on a Trading Party by Trading Party basis.</a:t>
-            </a:r>
+              <a:t>HTTPS to ensure communication is secured.</a:t>
+            </a:r>
+          </a:p>
+          <a:p>
+            <a:pPr lvl="1"/>
+            <a:r>
+              <a:rPr lang="en-US" dirty="0"/>
+              <a:t>Allows permissions of data on a Trading Party by Trading Party basis.</a:t>
+            </a:r>
+          </a:p>
+          <a:p>
+            <a:pPr lvl="1"/>
+            <a:r>
+              <a:rPr lang="en-US" dirty="0"/>
+              <a:t>Public / Private Key using Decentralized Identifiers (DID)</a:t>
+            </a:r>
+          </a:p>
+          <a:p>
+            <a:r>
+              <a:rPr lang="en-US" dirty="0"/>
+              <a:t>Network effect creates exponential value for traceability solutions who implement the Traceability Driver.</a:t>
+            </a:r>
+          </a:p>
+          <a:p>
+            <a:pPr lvl="1"/>
+            <a:r>
+              <a:rPr lang="en-US" sz="1400" dirty="0"/>
+              <a:t>Think social media like Facebook.</a:t>
+            </a:r>
+          </a:p>
+          <a:p>
+            <a:pPr lvl="1"/>
+            <a:r>
+              <a:rPr lang="en-US" sz="1400" dirty="0"/>
+              <a:t>Every time someone implements the Traceability Driver, it makes the network more valuable for them, and for all the previous traceability solutions who implemented the driver.</a:t>
+            </a:r>
+          </a:p>
+          <a:p>
+            <a:endParaRPr lang="en-US" dirty="0"/>
           </a:p>
         </p:txBody>
       </p:sp>
@@ -13544,36 +13698,15 @@
             </a:r>
           </a:p>
           <a:p>
-            <a:pPr lvl="1"/>
-            <a:r>
-              <a:rPr lang="en-US" sz="1400" dirty="0"/>
-              <a:t>Users then create a mapping between the provided common data model and their local data models.</a:t>
-            </a:r>
-          </a:p>
-          <a:p>
             <a:r>
               <a:rPr lang="en-US" dirty="0"/>
-              <a:t>The Traceability Driver dramatically reduces the effort to becoming interoperable while also dramatically increasing the consistency in which the interoperable standards are implemented.</a:t>
+              <a:t>Traceability Solution Providers just need to make a simple mapping between their local data model and the common data model provided.</a:t>
             </a:r>
           </a:p>
           <a:p>
             <a:r>
               <a:rPr lang="en-US" dirty="0"/>
-              <a:t>Network effect creates exponential value for traceability solutions who implement the Traceability Driver.</a:t>
-            </a:r>
-          </a:p>
-          <a:p>
-            <a:pPr lvl="1"/>
-            <a:r>
-              <a:rPr lang="en-US" sz="1400" dirty="0"/>
-              <a:t>Think social media like Facebook.</a:t>
-            </a:r>
-          </a:p>
-          <a:p>
-            <a:pPr lvl="1"/>
-            <a:r>
-              <a:rPr lang="en-US" sz="1400" dirty="0"/>
-              <a:t>Every time someone implements the Traceability Driver, it makes the network more valuable for them, and for all the previous traceability solutions who implemented the driver.</a:t>
+              <a:t>The Traceability Driver dramatically reduces the effort to becoming interoperable while also increasing the consistency in which the interoperable standards are implemented.</a:t>
             </a:r>
           </a:p>
           <a:p>
@@ -13675,20 +13808,20 @@
           <a:p>
             <a:r>
               <a:rPr lang="en-US" dirty="0"/>
-              <a:t>Reduces the cost of interoperability for solution providers.</a:t>
+              <a:t>Reduces the development costs of interoperability for solution providers.</a:t>
+            </a:r>
+          </a:p>
+          <a:p>
+            <a:r>
+              <a:rPr lang="en-US" dirty="0"/>
+              <a:t>Interoperability helps reduce costs for Food Companies</a:t>
             </a:r>
           </a:p>
           <a:p>
             <a:pPr lvl="1"/>
             <a:r>
               <a:rPr lang="en-US" dirty="0"/>
-              <a:t>So not only is it free, but it helps reduce costs for solution providers.</a:t>
-            </a:r>
-          </a:p>
-          <a:p>
-            <a:r>
-              <a:rPr lang="en-US" dirty="0"/>
-              <a:t>Helps reduce costs for Food Companies</a:t>
+              <a:t>Development cost savings of interoperability for solution providers can be passed onto the food companies.</a:t>
             </a:r>
           </a:p>
           <a:p>
